--- a/Диплом/Диплом презентація.pptx
+++ b/Диплом/Диплом презентація.pptx
@@ -5,7 +5,7 @@
     <p:sldMasterId id="2147483648" r:id="rId1"/>
   </p:sldMasterIdLst>
   <p:notesMasterIdLst>
-    <p:notesMasterId r:id="rId15"/>
+    <p:notesMasterId r:id="rId32"/>
   </p:notesMasterIdLst>
   <p:sldIdLst>
     <p:sldId id="256" r:id="rId2"/>
@@ -18,9 +18,26 @@
     <p:sldId id="264" r:id="rId9"/>
     <p:sldId id="265" r:id="rId10"/>
     <p:sldId id="266" r:id="rId11"/>
-    <p:sldId id="268" r:id="rId12"/>
-    <p:sldId id="267" r:id="rId13"/>
-    <p:sldId id="257" r:id="rId14"/>
+    <p:sldId id="269" r:id="rId12"/>
+    <p:sldId id="268" r:id="rId13"/>
+    <p:sldId id="267" r:id="rId14"/>
+    <p:sldId id="271" r:id="rId15"/>
+    <p:sldId id="273" r:id="rId16"/>
+    <p:sldId id="274" r:id="rId17"/>
+    <p:sldId id="277" r:id="rId18"/>
+    <p:sldId id="275" r:id="rId19"/>
+    <p:sldId id="276" r:id="rId20"/>
+    <p:sldId id="278" r:id="rId21"/>
+    <p:sldId id="272" r:id="rId22"/>
+    <p:sldId id="279" r:id="rId23"/>
+    <p:sldId id="280" r:id="rId24"/>
+    <p:sldId id="281" r:id="rId25"/>
+    <p:sldId id="282" r:id="rId26"/>
+    <p:sldId id="283" r:id="rId27"/>
+    <p:sldId id="284" r:id="rId28"/>
+    <p:sldId id="285" r:id="rId29"/>
+    <p:sldId id="270" r:id="rId30"/>
+    <p:sldId id="257" r:id="rId31"/>
   </p:sldIdLst>
   <p:sldSz cx="12192000" cy="6858000"/>
   <p:notesSz cx="6858000" cy="9144000"/>
@@ -521,7 +538,7 @@
           <a:bodyPr/>
           <a:lstStyle/>
           <a:p>
-            <a:endParaRPr lang="ru-RU"/>
+            <a:endParaRPr lang="ru-RU" dirty="0"/>
           </a:p>
         </p:txBody>
       </p:sp>
@@ -544,7 +561,7 @@
               <a:rPr lang="ru-RU" smtClean="0"/>
               <a:t>1</a:t>
             </a:fld>
-            <a:endParaRPr lang="ru-RU"/>
+            <a:endParaRPr lang="ru-RU" dirty="0"/>
           </a:p>
         </p:txBody>
       </p:sp>
@@ -3441,7 +3458,7 @@
           <a:graphicData uri="http://schemas.openxmlformats.org/presentationml/2006/ole">
             <mc:AlternateContent xmlns:mc="http://schemas.openxmlformats.org/markup-compatibility/2006">
               <mc:Choice xmlns:v="urn:schemas-microsoft-com:vml" Requires="v">
-                <p:oleObj spid="_x0000_s1052" name="Документ" r:id="rId4" imgW="6295790" imgH="4740290" progId="Word.Document.12">
+                <p:oleObj spid="_x0000_s1059" name="Документ" r:id="rId4" imgW="6295790" imgH="4740290" progId="Word.Document.12">
                   <p:embed/>
                 </p:oleObj>
               </mc:Choice>
@@ -3560,7 +3577,14 @@
                 <a:latin typeface="Times New Roman" panose="02020603050405020304" pitchFamily="18" charset="0"/>
                 <a:cs typeface="Times New Roman" panose="02020603050405020304" pitchFamily="18" charset="0"/>
               </a:rPr>
-              <a:t>Вимоги до системи</a:t>
+              <a:t>Функціональні вимоги </a:t>
+            </a:r>
+            <a:r>
+              <a:rPr lang="uk-UA" b="1" dirty="0" smtClean="0">
+                <a:latin typeface="Times New Roman" panose="02020603050405020304" pitchFamily="18" charset="0"/>
+                <a:cs typeface="Times New Roman" panose="02020603050405020304" pitchFamily="18" charset="0"/>
+              </a:rPr>
+              <a:t>до системи</a:t>
             </a:r>
           </a:p>
           <a:p>
@@ -3580,8 +3604,8 @@
         </p:nvSpPr>
         <p:spPr>
           <a:xfrm>
-            <a:off x="207433" y="839966"/>
-            <a:ext cx="11777133" cy="5509200"/>
+            <a:off x="207433" y="1152667"/>
+            <a:ext cx="11777133" cy="5016758"/>
           </a:xfrm>
           <a:prstGeom prst="rect">
             <a:avLst/>
@@ -3595,177 +3619,77 @@
           <a:lstStyle/>
           <a:p>
             <a:r>
-              <a:rPr lang="uk-UA" sz="3200" dirty="0" smtClean="0">
-                <a:latin typeface="Times New Roman" panose="02020603050405020304" pitchFamily="18" charset="0"/>
-                <a:cs typeface="Times New Roman" panose="02020603050405020304" pitchFamily="18" charset="0"/>
-              </a:rPr>
-              <a:t>Система повинна:</a:t>
-            </a:r>
-          </a:p>
-          <a:p>
-            <a:pPr marL="571500" indent="-571500">
-              <a:buFontTx/>
-              <a:buChar char="-"/>
-            </a:pPr>
-            <a:r>
-              <a:rPr lang="uk-UA" sz="3200" dirty="0" smtClean="0">
-                <a:latin typeface="Times New Roman" panose="02020603050405020304" pitchFamily="18" charset="0"/>
-                <a:cs typeface="Times New Roman" panose="02020603050405020304" pitchFamily="18" charset="0"/>
-              </a:rPr>
-              <a:t>надавати </a:t>
-            </a:r>
-            <a:r>
-              <a:rPr lang="uk-UA" sz="3200" dirty="0">
-                <a:latin typeface="Times New Roman" panose="02020603050405020304" pitchFamily="18" charset="0"/>
-                <a:cs typeface="Times New Roman" panose="02020603050405020304" pitchFamily="18" charset="0"/>
-              </a:rPr>
-              <a:t>користувачу змогу зареєструватися чи увійти</a:t>
-            </a:r>
-            <a:r>
-              <a:rPr lang="uk-UA" sz="3200" dirty="0" smtClean="0">
-                <a:latin typeface="Times New Roman" panose="02020603050405020304" pitchFamily="18" charset="0"/>
-                <a:cs typeface="Times New Roman" panose="02020603050405020304" pitchFamily="18" charset="0"/>
-              </a:rPr>
-              <a:t>;</a:t>
-            </a:r>
-          </a:p>
-          <a:p>
-            <a:pPr marL="571500" indent="-571500">
-              <a:buFontTx/>
-              <a:buChar char="-"/>
-            </a:pPr>
-            <a:r>
-              <a:rPr lang="uk-UA" sz="3200" dirty="0" smtClean="0">
-                <a:latin typeface="Times New Roman" panose="02020603050405020304" pitchFamily="18" charset="0"/>
-                <a:cs typeface="Times New Roman" panose="02020603050405020304" pitchFamily="18" charset="0"/>
-              </a:rPr>
-              <a:t>зберігати інформацію користувачів;</a:t>
-            </a:r>
-            <a:endParaRPr lang="ru-RU" sz="3200" dirty="0" smtClean="0">
-              <a:latin typeface="Times New Roman" panose="02020603050405020304" pitchFamily="18" charset="0"/>
-              <a:cs typeface="Times New Roman" panose="02020603050405020304" pitchFamily="18" charset="0"/>
-            </a:endParaRPr>
-          </a:p>
-          <a:p>
-            <a:pPr marL="571500" indent="-571500">
-              <a:buFontTx/>
-              <a:buChar char="-"/>
-            </a:pPr>
-            <a:r>
-              <a:rPr lang="uk-UA" sz="3200" dirty="0" smtClean="0">
-                <a:latin typeface="Times New Roman" panose="02020603050405020304" pitchFamily="18" charset="0"/>
-                <a:cs typeface="Times New Roman" panose="02020603050405020304" pitchFamily="18" charset="0"/>
-              </a:rPr>
-              <a:t>надати можливість користувачу додавати нову інформацію;</a:t>
-            </a:r>
-          </a:p>
-          <a:p>
-            <a:pPr marL="571500" indent="-571500">
-              <a:buFontTx/>
-              <a:buChar char="-"/>
-            </a:pPr>
-            <a:r>
-              <a:rPr lang="uk-UA" sz="3200" dirty="0" smtClean="0">
-                <a:latin typeface="Times New Roman" panose="02020603050405020304" pitchFamily="18" charset="0"/>
-                <a:cs typeface="Times New Roman" panose="02020603050405020304" pitchFamily="18" charset="0"/>
-              </a:rPr>
-              <a:t>надавати користувачу повний доступ до збереженої інформації</a:t>
-            </a:r>
-          </a:p>
-          <a:p>
-            <a:pPr marL="571500" indent="-571500">
-              <a:buFontTx/>
-              <a:buChar char="-"/>
-            </a:pPr>
-            <a:r>
-              <a:rPr lang="uk-UA" sz="3200" dirty="0" smtClean="0">
-                <a:latin typeface="Times New Roman" panose="02020603050405020304" pitchFamily="18" charset="0"/>
-                <a:cs typeface="Times New Roman" panose="02020603050405020304" pitchFamily="18" charset="0"/>
-              </a:rPr>
-              <a:t>надавати можливість фільтрувати, та знаходити потрібну для користувача інформацію;</a:t>
-            </a:r>
-            <a:endParaRPr lang="ru-RU" sz="3200" dirty="0">
-              <a:latin typeface="Times New Roman" panose="02020603050405020304" pitchFamily="18" charset="0"/>
-              <a:cs typeface="Times New Roman" panose="02020603050405020304" pitchFamily="18" charset="0"/>
-            </a:endParaRPr>
-          </a:p>
-          <a:p>
-            <a:pPr marL="571500" indent="-571500">
-              <a:buFontTx/>
-              <a:buChar char="-"/>
-            </a:pPr>
-            <a:r>
-              <a:rPr lang="uk-UA" sz="3200" dirty="0" smtClean="0">
-                <a:latin typeface="Times New Roman" panose="02020603050405020304" pitchFamily="18" charset="0"/>
-                <a:cs typeface="Times New Roman" panose="02020603050405020304" pitchFamily="18" charset="0"/>
-              </a:rPr>
-              <a:t>захищати інформацію в </a:t>
-            </a:r>
-            <a:r>
-              <a:rPr lang="uk-UA" sz="3200" dirty="0" err="1" smtClean="0">
-                <a:latin typeface="Times New Roman" panose="02020603050405020304" pitchFamily="18" charset="0"/>
-                <a:cs typeface="Times New Roman" panose="02020603050405020304" pitchFamily="18" charset="0"/>
-              </a:rPr>
+              <a:rPr lang="uk-UA" sz="3200" dirty="0"/>
+              <a:t>1) Система має надавати користувачу змогу зареєструватися чи увійти.</a:t>
+            </a:r>
+            <a:endParaRPr lang="ru-RU" sz="3200" dirty="0"/>
+          </a:p>
+          <a:p>
+            <a:r>
+              <a:rPr lang="uk-UA" sz="3200" dirty="0"/>
+              <a:t>2) Система має зберігати інформацію користувачів.</a:t>
+            </a:r>
+            <a:endParaRPr lang="ru-RU" sz="3200" dirty="0"/>
+          </a:p>
+          <a:p>
+            <a:r>
+              <a:rPr lang="uk-UA" sz="3200" dirty="0"/>
+              <a:t>3) Система має надати можливість користувачу додавати нову інформацію до </a:t>
+            </a:r>
+            <a:r>
+              <a:rPr lang="uk-UA" sz="3200" dirty="0" err="1"/>
+              <a:t>блокчейну</a:t>
+            </a:r>
+            <a:r>
+              <a:rPr lang="uk-UA" sz="3200" dirty="0"/>
+              <a:t>.</a:t>
+            </a:r>
+            <a:endParaRPr lang="ru-RU" sz="3200" dirty="0"/>
+          </a:p>
+          <a:p>
+            <a:r>
+              <a:rPr lang="uk-UA" sz="3200" dirty="0"/>
+              <a:t>4) Система має надавати користувачу повний доступ до інформації, що зберігається в </a:t>
+            </a:r>
+            <a:r>
+              <a:rPr lang="uk-UA" sz="3200" dirty="0" err="1"/>
               <a:t>блокчейні</a:t>
             </a:r>
             <a:r>
-              <a:rPr lang="uk-UA" sz="3200" dirty="0" smtClean="0">
-                <a:latin typeface="Times New Roman" panose="02020603050405020304" pitchFamily="18" charset="0"/>
-                <a:cs typeface="Times New Roman" panose="02020603050405020304" pitchFamily="18" charset="0"/>
-              </a:rPr>
-              <a:t> від змін;</a:t>
-            </a:r>
-          </a:p>
-          <a:p>
-            <a:pPr marL="571500" indent="-571500">
-              <a:buFontTx/>
-              <a:buChar char="-"/>
-            </a:pPr>
-            <a:r>
-              <a:rPr lang="uk-UA" sz="3200" dirty="0" smtClean="0">
-                <a:latin typeface="Times New Roman" panose="02020603050405020304" pitchFamily="18" charset="0"/>
-                <a:cs typeface="Times New Roman" panose="02020603050405020304" pitchFamily="18" charset="0"/>
-              </a:rPr>
-              <a:t>надавати унікальні приватні ідентифікатори кожному користувачу для електронного-підпису;</a:t>
-            </a:r>
-          </a:p>
-          <a:p>
-            <a:pPr marL="571500" indent="-571500">
-              <a:buFontTx/>
-              <a:buChar char="-"/>
-            </a:pPr>
-            <a:r>
-              <a:rPr lang="uk-UA" sz="3200" dirty="0" smtClean="0">
-                <a:latin typeface="Times New Roman" panose="02020603050405020304" pitchFamily="18" charset="0"/>
-                <a:cs typeface="Times New Roman" panose="02020603050405020304" pitchFamily="18" charset="0"/>
-              </a:rPr>
-              <a:t>локально зберігати </a:t>
-            </a:r>
-            <a:r>
-              <a:rPr lang="uk-UA" sz="3200" dirty="0" err="1" smtClean="0">
-                <a:latin typeface="Times New Roman" panose="02020603050405020304" pitchFamily="18" charset="0"/>
-                <a:cs typeface="Times New Roman" panose="02020603050405020304" pitchFamily="18" charset="0"/>
-              </a:rPr>
+              <a:rPr lang="uk-UA" sz="3200" dirty="0"/>
+              <a:t>.</a:t>
+            </a:r>
+            <a:endParaRPr lang="ru-RU" sz="3200" dirty="0"/>
+          </a:p>
+          <a:p>
+            <a:r>
+              <a:rPr lang="uk-UA" sz="3200" dirty="0"/>
+              <a:t>5) Система має захищати інформацію в </a:t>
+            </a:r>
+            <a:r>
+              <a:rPr lang="uk-UA" sz="3200" dirty="0" err="1"/>
+              <a:t>блокчейні</a:t>
+            </a:r>
+            <a:r>
+              <a:rPr lang="uk-UA" sz="3200" dirty="0"/>
+              <a:t> від змін.</a:t>
+            </a:r>
+            <a:endParaRPr lang="ru-RU" sz="3200" dirty="0"/>
+          </a:p>
+          <a:p>
+            <a:r>
+              <a:rPr lang="uk-UA" sz="3200" dirty="0"/>
+              <a:t>6) Система має локально зберігати варіант </a:t>
+            </a:r>
+            <a:r>
+              <a:rPr lang="uk-UA" sz="3200" dirty="0" err="1"/>
               <a:t>блокчейну</a:t>
             </a:r>
             <a:r>
-              <a:rPr lang="uk-UA" sz="3200" dirty="0">
-                <a:latin typeface="Times New Roman" panose="02020603050405020304" pitchFamily="18" charset="0"/>
-                <a:cs typeface="Times New Roman" panose="02020603050405020304" pitchFamily="18" charset="0"/>
-              </a:rPr>
-              <a:t> </a:t>
-            </a:r>
-            <a:r>
-              <a:rPr lang="uk-UA" sz="3200" dirty="0" smtClean="0">
-                <a:latin typeface="Times New Roman" panose="02020603050405020304" pitchFamily="18" charset="0"/>
-                <a:cs typeface="Times New Roman" panose="02020603050405020304" pitchFamily="18" charset="0"/>
-              </a:rPr>
-              <a:t>та синхронізуватися з мережею.</a:t>
-            </a:r>
-            <a:endParaRPr lang="ru-RU" sz="3200" dirty="0" smtClean="0">
-              <a:latin typeface="Times New Roman" panose="02020603050405020304" pitchFamily="18" charset="0"/>
-              <a:cs typeface="Times New Roman" panose="02020603050405020304" pitchFamily="18" charset="0"/>
-            </a:endParaRPr>
+              <a:rPr lang="uk-UA" sz="3200" dirty="0"/>
+              <a:t> на пристрої користувача та синхронізуватися з мережею.</a:t>
+            </a:r>
+            <a:endParaRPr lang="ru-RU" sz="3200" dirty="0"/>
           </a:p>
         </p:txBody>
       </p:sp>
@@ -3876,7 +3800,14 @@
                 <a:latin typeface="Times New Roman" panose="02020603050405020304" pitchFamily="18" charset="0"/>
                 <a:cs typeface="Times New Roman" panose="02020603050405020304" pitchFamily="18" charset="0"/>
               </a:rPr>
-              <a:t>Обрання технологій для реалізації</a:t>
+              <a:t>Нефункціональні вимоги </a:t>
+            </a:r>
+            <a:r>
+              <a:rPr lang="uk-UA" b="1" dirty="0" smtClean="0">
+                <a:latin typeface="Times New Roman" panose="02020603050405020304" pitchFamily="18" charset="0"/>
+                <a:cs typeface="Times New Roman" panose="02020603050405020304" pitchFamily="18" charset="0"/>
+              </a:rPr>
+              <a:t>до системи</a:t>
             </a:r>
           </a:p>
           <a:p>
@@ -3888,103 +3819,16 @@
           </a:p>
         </p:txBody>
       </p:sp>
-      <p:pic>
-        <p:nvPicPr>
-          <p:cNvPr id="7" name="Рисунок 6"/>
-          <p:cNvPicPr>
-            <a:picLocks noChangeAspect="1"/>
-          </p:cNvPicPr>
+      <p:sp>
+        <p:nvSpPr>
+          <p:cNvPr id="3" name="TextBox 2"/>
+          <p:cNvSpPr txBox="1"/>
           <p:nvPr/>
-        </p:nvPicPr>
-        <p:blipFill rotWithShape="1">
-          <a:blip r:embed="rId2">
-            <a:extLst>
-              <a:ext uri="{28A0092B-C50C-407E-A947-70E740481C1C}">
-                <a14:useLocalDpi xmlns:a14="http://schemas.microsoft.com/office/drawing/2010/main" val="0"/>
-              </a:ext>
-            </a:extLst>
-          </a:blip>
-          <a:srcRect l="13981" t="33643" r="15105" b="31008"/>
-          <a:stretch/>
-        </p:blipFill>
+        </p:nvSpPr>
         <p:spPr>
           <a:xfrm>
-            <a:off x="1179597" y="1413769"/>
-            <a:ext cx="4784920" cy="1788859"/>
-          </a:xfrm>
-          <a:prstGeom prst="rect">
-            <a:avLst/>
-          </a:prstGeom>
-        </p:spPr>
-      </p:pic>
-      <p:pic>
-        <p:nvPicPr>
-          <p:cNvPr id="9" name="Рисунок 8"/>
-          <p:cNvPicPr>
-            <a:picLocks noChangeAspect="1"/>
-          </p:cNvPicPr>
-          <p:nvPr/>
-        </p:nvPicPr>
-        <p:blipFill rotWithShape="1">
-          <a:blip r:embed="rId3">
-            <a:extLst>
-              <a:ext uri="{28A0092B-C50C-407E-A947-70E740481C1C}">
-                <a14:useLocalDpi xmlns:a14="http://schemas.microsoft.com/office/drawing/2010/main" val="0"/>
-              </a:ext>
-            </a:extLst>
-          </a:blip>
-          <a:srcRect l="5937" t="13723" r="7768" b="18521"/>
-          <a:stretch/>
-        </p:blipFill>
-        <p:spPr>
-          <a:xfrm>
-            <a:off x="7564088" y="1562156"/>
-            <a:ext cx="3887954" cy="1408937"/>
-          </a:xfrm>
-          <a:prstGeom prst="rect">
-            <a:avLst/>
-          </a:prstGeom>
-        </p:spPr>
-      </p:pic>
-      <p:pic>
-        <p:nvPicPr>
-          <p:cNvPr id="10" name="Рисунок 9"/>
-          <p:cNvPicPr>
-            <a:picLocks noChangeAspect="1"/>
-          </p:cNvPicPr>
-          <p:nvPr/>
-        </p:nvPicPr>
-        <p:blipFill rotWithShape="1">
-          <a:blip r:embed="rId4">
-            <a:extLst>
-              <a:ext uri="{28A0092B-C50C-407E-A947-70E740481C1C}">
-                <a14:useLocalDpi xmlns:a14="http://schemas.microsoft.com/office/drawing/2010/main" val="0"/>
-              </a:ext>
-            </a:extLst>
-          </a:blip>
-          <a:srcRect l="7401" t="13465" r="7304" b="13724"/>
-          <a:stretch/>
-        </p:blipFill>
-        <p:spPr>
-          <a:xfrm>
-            <a:off x="8415865" y="3202628"/>
-            <a:ext cx="2455333" cy="2167467"/>
-          </a:xfrm>
-          <a:prstGeom prst="rect">
-            <a:avLst/>
-          </a:prstGeom>
-        </p:spPr>
-      </p:pic>
-      <p:sp>
-        <p:nvSpPr>
-          <p:cNvPr id="11" name="TextBox 10"/>
-          <p:cNvSpPr txBox="1"/>
-          <p:nvPr/>
-        </p:nvSpPr>
-        <p:spPr>
-          <a:xfrm>
-            <a:off x="1497611" y="4453570"/>
-            <a:ext cx="4148893" cy="800219"/>
+            <a:off x="207433" y="1152667"/>
+            <a:ext cx="11777133" cy="5509200"/>
           </a:xfrm>
           <a:prstGeom prst="rect">
             <a:avLst/>
@@ -3992,64 +3836,86 @@
           <a:noFill/>
         </p:spPr>
         <p:txBody>
-          <a:bodyPr wrap="none" rtlCol="0">
+          <a:bodyPr wrap="square" rtlCol="0">
             <a:spAutoFit/>
           </a:bodyPr>
           <a:lstStyle/>
           <a:p>
             <a:r>
-              <a:rPr lang="en-US" sz="4600" b="1" dirty="0" smtClean="0">
-                <a:latin typeface="Bahnschrift SemiLight" panose="020B0502040204020203" pitchFamily="34" charset="0"/>
-                <a:cs typeface="Times New Roman" panose="02020603050405020304" pitchFamily="18" charset="0"/>
-              </a:rPr>
-              <a:t>SHA3-KECCAK</a:t>
-            </a:r>
-            <a:endParaRPr lang="ru-RU" sz="4600" b="1" dirty="0">
-              <a:latin typeface="Bahnschrift SemiLight" panose="020B0502040204020203" pitchFamily="34" charset="0"/>
-              <a:cs typeface="Times New Roman" panose="02020603050405020304" pitchFamily="18" charset="0"/>
-            </a:endParaRPr>
-          </a:p>
-        </p:txBody>
-      </p:sp>
-      <p:sp>
-        <p:nvSpPr>
-          <p:cNvPr id="12" name="TextBox 11"/>
-          <p:cNvSpPr txBox="1"/>
-          <p:nvPr/>
-        </p:nvSpPr>
-        <p:spPr>
-          <a:xfrm>
-            <a:off x="8415865" y="5370095"/>
-            <a:ext cx="2581028" cy="677108"/>
-          </a:xfrm>
-          <a:prstGeom prst="rect">
-            <a:avLst/>
-          </a:prstGeom>
-          <a:noFill/>
-        </p:spPr>
-        <p:txBody>
-          <a:bodyPr wrap="none" rtlCol="0">
-            <a:spAutoFit/>
-          </a:bodyPr>
-          <a:lstStyle/>
-          <a:p>
-            <a:r>
-              <a:rPr lang="en-US" sz="3800" dirty="0" smtClean="0">
-                <a:latin typeface="Times New Roman" panose="02020603050405020304" pitchFamily="18" charset="0"/>
-                <a:cs typeface="Times New Roman" panose="02020603050405020304" pitchFamily="18" charset="0"/>
-              </a:rPr>
-              <a:t>Peer-to-peer</a:t>
-            </a:r>
-            <a:endParaRPr lang="ru-RU" sz="3800" dirty="0">
-              <a:latin typeface="Times New Roman" panose="02020603050405020304" pitchFamily="18" charset="0"/>
-              <a:cs typeface="Times New Roman" panose="02020603050405020304" pitchFamily="18" charset="0"/>
-            </a:endParaRPr>
-          </a:p>
-        </p:txBody>
-      </p:sp>
-      <p:sp>
-        <p:nvSpPr>
-          <p:cNvPr id="3" name="Номер слайда 2"/>
+              <a:rPr lang="uk-UA" sz="3200" dirty="0"/>
+              <a:t>Продуктивність - формування нового блоку до 30 секунд.</a:t>
+            </a:r>
+            <a:endParaRPr lang="ru-RU" sz="3200" dirty="0"/>
+          </a:p>
+          <a:p>
+            <a:r>
+              <a:rPr lang="uk-UA" sz="3200" dirty="0"/>
+              <a:t>Доступність у використанні </a:t>
+            </a:r>
+            <a:r>
+              <a:rPr lang="uk-UA" sz="3200" dirty="0" smtClean="0"/>
+              <a:t>- </a:t>
+            </a:r>
+            <a:r>
+              <a:rPr lang="uk-UA" sz="3200" dirty="0" err="1"/>
+              <a:t>інтерфейн</a:t>
+            </a:r>
+            <a:r>
+              <a:rPr lang="uk-UA" sz="3200" dirty="0"/>
+              <a:t> простий та зрозумілий, для рядового користувача освоїтись повинно займати до 1 робочого дня.</a:t>
+            </a:r>
+            <a:endParaRPr lang="ru-RU" sz="3200" dirty="0"/>
+          </a:p>
+          <a:p>
+            <a:r>
+              <a:rPr lang="uk-UA" sz="3200" dirty="0" smtClean="0"/>
+              <a:t>Безпека </a:t>
+            </a:r>
+            <a:r>
+              <a:rPr lang="uk-UA" sz="3200" dirty="0"/>
+              <a:t>– можливість підробити дані має бути вкрай низькою, для цього зловмисникам потрібно мати більше 50% апаратної потужності </a:t>
+            </a:r>
+            <a:r>
+              <a:rPr lang="uk-UA" sz="3200" dirty="0" smtClean="0"/>
+              <a:t>мережі. </a:t>
+            </a:r>
+            <a:r>
+              <a:rPr lang="uk-UA" sz="3200" dirty="0"/>
+              <a:t>Приватний ключ має бути унікальним для кожного </a:t>
+            </a:r>
+            <a:r>
+              <a:rPr lang="uk-UA" sz="3200" dirty="0" err="1"/>
+              <a:t>акаунта</a:t>
+            </a:r>
+            <a:r>
+              <a:rPr lang="uk-UA" sz="3200" dirty="0"/>
+              <a:t>.</a:t>
+            </a:r>
+            <a:endParaRPr lang="ru-RU" sz="3200" dirty="0"/>
+          </a:p>
+          <a:p>
+            <a:r>
+              <a:rPr lang="uk-UA" sz="3200" dirty="0"/>
+              <a:t>Локалізація – система має бути локалізована на англійську мову.</a:t>
+            </a:r>
+            <a:endParaRPr lang="ru-RU" sz="3200" dirty="0"/>
+          </a:p>
+          <a:p>
+            <a:r>
+              <a:rPr lang="uk-UA" sz="3200" dirty="0"/>
+              <a:t>Технічні вимоги – система має працювати на операційній системі Windows 10</a:t>
+            </a:r>
+            <a:r>
+              <a:rPr lang="uk-UA" sz="3200" dirty="0" smtClean="0"/>
+              <a:t>.</a:t>
+            </a:r>
+            <a:endParaRPr lang="ru-RU" sz="3200" dirty="0"/>
+          </a:p>
+        </p:txBody>
+      </p:sp>
+      <p:sp>
+        <p:nvSpPr>
+          <p:cNvPr id="4" name="Номер слайда 3"/>
           <p:cNvSpPr>
             <a:spLocks noGrp="1"/>
           </p:cNvSpPr>
@@ -4073,7 +3939,7 @@
     </p:spTree>
     <p:extLst>
       <p:ext uri="{BB962C8B-B14F-4D97-AF65-F5344CB8AC3E}">
-        <p14:creationId xmlns:p14="http://schemas.microsoft.com/office/powerpoint/2010/main" val="135484330"/>
+        <p14:creationId xmlns:p14="http://schemas.microsoft.com/office/powerpoint/2010/main" val="2817896940"/>
       </p:ext>
     </p:extLst>
   </p:cSld>
@@ -4154,7 +4020,7 @@
                 <a:latin typeface="Times New Roman" panose="02020603050405020304" pitchFamily="18" charset="0"/>
                 <a:cs typeface="Times New Roman" panose="02020603050405020304" pitchFamily="18" charset="0"/>
               </a:rPr>
-              <a:t>Висновки</a:t>
+              <a:t>Обрання технологій для реалізації</a:t>
             </a:r>
           </a:p>
           <a:p>
@@ -4166,16 +4032,74 @@
           </a:p>
         </p:txBody>
       </p:sp>
-      <p:sp>
-        <p:nvSpPr>
-          <p:cNvPr id="3" name="TextBox 2"/>
+      <p:pic>
+        <p:nvPicPr>
+          <p:cNvPr id="9" name="Рисунок 8"/>
+          <p:cNvPicPr>
+            <a:picLocks noChangeAspect="1"/>
+          </p:cNvPicPr>
+          <p:nvPr/>
+        </p:nvPicPr>
+        <p:blipFill rotWithShape="1">
+          <a:blip r:embed="rId2">
+            <a:extLst>
+              <a:ext uri="{28A0092B-C50C-407E-A947-70E740481C1C}">
+                <a14:useLocalDpi xmlns:a14="http://schemas.microsoft.com/office/drawing/2010/main" val="0"/>
+              </a:ext>
+            </a:extLst>
+          </a:blip>
+          <a:srcRect l="5937" t="13723" r="7768" b="18521"/>
+          <a:stretch/>
+        </p:blipFill>
+        <p:spPr>
+          <a:xfrm>
+            <a:off x="7108939" y="1692112"/>
+            <a:ext cx="3887954" cy="1408937"/>
+          </a:xfrm>
+          <a:prstGeom prst="rect">
+            <a:avLst/>
+          </a:prstGeom>
+        </p:spPr>
+      </p:pic>
+      <p:pic>
+        <p:nvPicPr>
+          <p:cNvPr id="10" name="Рисунок 9"/>
+          <p:cNvPicPr>
+            <a:picLocks noChangeAspect="1"/>
+          </p:cNvPicPr>
+          <p:nvPr/>
+        </p:nvPicPr>
+        <p:blipFill rotWithShape="1">
+          <a:blip r:embed="rId3">
+            <a:extLst>
+              <a:ext uri="{28A0092B-C50C-407E-A947-70E740481C1C}">
+                <a14:useLocalDpi xmlns:a14="http://schemas.microsoft.com/office/drawing/2010/main" val="0"/>
+              </a:ext>
+            </a:extLst>
+          </a:blip>
+          <a:srcRect l="7401" t="13465" r="7304" b="13724"/>
+          <a:stretch/>
+        </p:blipFill>
+        <p:spPr>
+          <a:xfrm>
+            <a:off x="5630196" y="3151483"/>
+            <a:ext cx="2455333" cy="2167467"/>
+          </a:xfrm>
+          <a:prstGeom prst="rect">
+            <a:avLst/>
+          </a:prstGeom>
+        </p:spPr>
+      </p:pic>
+      <p:sp>
+        <p:nvSpPr>
+          <p:cNvPr id="11" name="TextBox 10"/>
           <p:cNvSpPr txBox="1"/>
           <p:nvPr/>
         </p:nvSpPr>
         <p:spPr>
           <a:xfrm>
-            <a:off x="207433" y="1178633"/>
-            <a:ext cx="11777133" cy="5078313"/>
+            <a:off x="4021553" y="5556131"/>
+            <a:ext cx="4148893" cy="800219"/>
           </a:xfrm>
           <a:prstGeom prst="rect">
             <a:avLst/>
@@ -4183,494 +4107,64 @@
           <a:noFill/>
         </p:spPr>
         <p:txBody>
-          <a:bodyPr wrap="square" rtlCol="0">
+          <a:bodyPr wrap="none" rtlCol="0">
             <a:spAutoFit/>
           </a:bodyPr>
           <a:lstStyle/>
           <a:p>
             <a:r>
-              <a:rPr lang="ru-RU" sz="3600" dirty="0" smtClean="0">
+              <a:rPr lang="en-US" sz="4600" b="1" dirty="0" smtClean="0">
+                <a:latin typeface="Bahnschrift SemiLight" panose="020B0502040204020203" pitchFamily="34" charset="0"/>
+                <a:cs typeface="Times New Roman" panose="02020603050405020304" pitchFamily="18" charset="0"/>
+              </a:rPr>
+              <a:t>SHA3-KECCAK</a:t>
+            </a:r>
+            <a:endParaRPr lang="ru-RU" sz="4600" b="1" dirty="0">
+              <a:latin typeface="Bahnschrift SemiLight" panose="020B0502040204020203" pitchFamily="34" charset="0"/>
+              <a:cs typeface="Times New Roman" panose="02020603050405020304" pitchFamily="18" charset="0"/>
+            </a:endParaRPr>
+          </a:p>
+        </p:txBody>
+      </p:sp>
+      <p:sp>
+        <p:nvSpPr>
+          <p:cNvPr id="12" name="TextBox 11"/>
+          <p:cNvSpPr txBox="1"/>
+          <p:nvPr/>
+        </p:nvSpPr>
+        <p:spPr>
+          <a:xfrm>
+            <a:off x="8255444" y="3882489"/>
+            <a:ext cx="2581028" cy="677108"/>
+          </a:xfrm>
+          <a:prstGeom prst="rect">
+            <a:avLst/>
+          </a:prstGeom>
+          <a:noFill/>
+        </p:spPr>
+        <p:txBody>
+          <a:bodyPr wrap="none" rtlCol="0">
+            <a:spAutoFit/>
+          </a:bodyPr>
+          <a:lstStyle/>
+          <a:p>
+            <a:r>
+              <a:rPr lang="en-US" sz="3800" dirty="0" smtClean="0">
                 <a:latin typeface="Times New Roman" panose="02020603050405020304" pitchFamily="18" charset="0"/>
                 <a:cs typeface="Times New Roman" panose="02020603050405020304" pitchFamily="18" charset="0"/>
               </a:rPr>
-              <a:t>При </a:t>
-            </a:r>
-            <a:r>
-              <a:rPr lang="ru-RU" sz="3600" dirty="0" err="1" smtClean="0">
-                <a:latin typeface="Times New Roman" panose="02020603050405020304" pitchFamily="18" charset="0"/>
-                <a:cs typeface="Times New Roman" panose="02020603050405020304" pitchFamily="18" charset="0"/>
-              </a:rPr>
-              <a:t>виконанні</a:t>
-            </a:r>
-            <a:r>
-              <a:rPr lang="ru-RU" sz="3600" dirty="0" smtClean="0">
-                <a:latin typeface="Times New Roman" panose="02020603050405020304" pitchFamily="18" charset="0"/>
-                <a:cs typeface="Times New Roman" panose="02020603050405020304" pitchFamily="18" charset="0"/>
-              </a:rPr>
-              <a:t> </a:t>
-            </a:r>
-            <a:r>
-              <a:rPr lang="ru-RU" sz="3600" dirty="0" err="1" smtClean="0">
-                <a:latin typeface="Times New Roman" panose="02020603050405020304" pitchFamily="18" charset="0"/>
-                <a:cs typeface="Times New Roman" panose="02020603050405020304" pitchFamily="18" charset="0"/>
-              </a:rPr>
-              <a:t>роботи</a:t>
-            </a:r>
-            <a:r>
-              <a:rPr lang="ru-RU" sz="3600" dirty="0" smtClean="0">
-                <a:latin typeface="Times New Roman" panose="02020603050405020304" pitchFamily="18" charset="0"/>
-                <a:cs typeface="Times New Roman" panose="02020603050405020304" pitchFamily="18" charset="0"/>
-              </a:rPr>
-              <a:t> </a:t>
-            </a:r>
-            <a:r>
-              <a:rPr lang="ru-RU" sz="3600" dirty="0" err="1" smtClean="0">
-                <a:latin typeface="Times New Roman" panose="02020603050405020304" pitchFamily="18" charset="0"/>
-                <a:cs typeface="Times New Roman" panose="02020603050405020304" pitchFamily="18" charset="0"/>
-              </a:rPr>
-              <a:t>був</a:t>
-            </a:r>
-            <a:r>
-              <a:rPr lang="ru-RU" sz="3600" dirty="0" smtClean="0">
-                <a:latin typeface="Times New Roman" panose="02020603050405020304" pitchFamily="18" charset="0"/>
-                <a:cs typeface="Times New Roman" panose="02020603050405020304" pitchFamily="18" charset="0"/>
-              </a:rPr>
-              <a:t> проведений </a:t>
-            </a:r>
-            <a:r>
-              <a:rPr lang="ru-RU" sz="3600" dirty="0" err="1" smtClean="0">
-                <a:latin typeface="Times New Roman" panose="02020603050405020304" pitchFamily="18" charset="0"/>
-                <a:cs typeface="Times New Roman" panose="02020603050405020304" pitchFamily="18" charset="0"/>
-              </a:rPr>
-              <a:t>аналіз</a:t>
-            </a:r>
-            <a:r>
-              <a:rPr lang="ru-RU" sz="3600" dirty="0" smtClean="0">
-                <a:latin typeface="Times New Roman" panose="02020603050405020304" pitchFamily="18" charset="0"/>
-                <a:cs typeface="Times New Roman" panose="02020603050405020304" pitchFamily="18" charset="0"/>
-              </a:rPr>
-              <a:t>, </a:t>
-            </a:r>
-            <a:r>
-              <a:rPr lang="ru-RU" sz="3600" dirty="0" err="1" smtClean="0">
-                <a:latin typeface="Times New Roman" panose="02020603050405020304" pitchFamily="18" charset="0"/>
-                <a:cs typeface="Times New Roman" panose="02020603050405020304" pitchFamily="18" charset="0"/>
-              </a:rPr>
-              <a:t>предметної</a:t>
-            </a:r>
-            <a:r>
-              <a:rPr lang="ru-RU" sz="3600" dirty="0" smtClean="0">
-                <a:latin typeface="Times New Roman" panose="02020603050405020304" pitchFamily="18" charset="0"/>
-                <a:cs typeface="Times New Roman" panose="02020603050405020304" pitchFamily="18" charset="0"/>
-              </a:rPr>
-              <a:t> </a:t>
-            </a:r>
-            <a:r>
-              <a:rPr lang="ru-RU" sz="3600" dirty="0" err="1" smtClean="0">
-                <a:latin typeface="Times New Roman" panose="02020603050405020304" pitchFamily="18" charset="0"/>
-                <a:cs typeface="Times New Roman" panose="02020603050405020304" pitchFamily="18" charset="0"/>
-              </a:rPr>
-              <a:t>області</a:t>
-            </a:r>
-            <a:r>
-              <a:rPr lang="ru-RU" sz="3600" dirty="0" smtClean="0">
-                <a:latin typeface="Times New Roman" panose="02020603050405020304" pitchFamily="18" charset="0"/>
-                <a:cs typeface="Times New Roman" panose="02020603050405020304" pitchFamily="18" charset="0"/>
-              </a:rPr>
-              <a:t>, </a:t>
-            </a:r>
-            <a:r>
-              <a:rPr lang="ru-RU" sz="3600" dirty="0" err="1" smtClean="0">
-                <a:latin typeface="Times New Roman" panose="02020603050405020304" pitchFamily="18" charset="0"/>
-                <a:cs typeface="Times New Roman" panose="02020603050405020304" pitchFamily="18" charset="0"/>
-              </a:rPr>
-              <a:t>аналогічних</a:t>
-            </a:r>
-            <a:r>
-              <a:rPr lang="ru-RU" sz="3600" dirty="0" smtClean="0">
-                <a:latin typeface="Times New Roman" panose="02020603050405020304" pitchFamily="18" charset="0"/>
-                <a:cs typeface="Times New Roman" panose="02020603050405020304" pitchFamily="18" charset="0"/>
-              </a:rPr>
-              <a:t> систем та </a:t>
-            </a:r>
-            <a:r>
-              <a:rPr lang="ru-RU" sz="3600" dirty="0" err="1" smtClean="0">
-                <a:latin typeface="Times New Roman" panose="02020603050405020304" pitchFamily="18" charset="0"/>
-                <a:cs typeface="Times New Roman" panose="02020603050405020304" pitchFamily="18" charset="0"/>
-              </a:rPr>
-              <a:t>методів</a:t>
-            </a:r>
-            <a:r>
-              <a:rPr lang="ru-RU" sz="3600" dirty="0" smtClean="0">
-                <a:latin typeface="Times New Roman" panose="02020603050405020304" pitchFamily="18" charset="0"/>
-                <a:cs typeface="Times New Roman" panose="02020603050405020304" pitchFamily="18" charset="0"/>
-              </a:rPr>
-              <a:t> </a:t>
-            </a:r>
-            <a:r>
-              <a:rPr lang="ru-RU" sz="3600" dirty="0" err="1" smtClean="0">
-                <a:latin typeface="Times New Roman" panose="02020603050405020304" pitchFamily="18" charset="0"/>
-                <a:cs typeface="Times New Roman" panose="02020603050405020304" pitchFamily="18" charset="0"/>
-              </a:rPr>
-              <a:t>що</a:t>
-            </a:r>
-            <a:r>
-              <a:rPr lang="ru-RU" sz="3600" dirty="0" smtClean="0">
-                <a:latin typeface="Times New Roman" panose="02020603050405020304" pitchFamily="18" charset="0"/>
-                <a:cs typeface="Times New Roman" panose="02020603050405020304" pitchFamily="18" charset="0"/>
-              </a:rPr>
-              <a:t> </a:t>
-            </a:r>
-            <a:r>
-              <a:rPr lang="ru-RU" sz="3600" dirty="0" err="1" smtClean="0">
-                <a:latin typeface="Times New Roman" panose="02020603050405020304" pitchFamily="18" charset="0"/>
-                <a:cs typeface="Times New Roman" panose="02020603050405020304" pitchFamily="18" charset="0"/>
-              </a:rPr>
-              <a:t>використовуються</a:t>
-            </a:r>
-            <a:r>
-              <a:rPr lang="ru-RU" sz="3600" dirty="0" smtClean="0">
-                <a:latin typeface="Times New Roman" panose="02020603050405020304" pitchFamily="18" charset="0"/>
-                <a:cs typeface="Times New Roman" panose="02020603050405020304" pitchFamily="18" charset="0"/>
-              </a:rPr>
-              <a:t> в </a:t>
-            </a:r>
-            <a:r>
-              <a:rPr lang="ru-RU" sz="3600" dirty="0" err="1" smtClean="0">
-                <a:latin typeface="Times New Roman" panose="02020603050405020304" pitchFamily="18" charset="0"/>
-                <a:cs typeface="Times New Roman" panose="02020603050405020304" pitchFamily="18" charset="0"/>
-              </a:rPr>
-              <a:t>рішенні</a:t>
-            </a:r>
-            <a:r>
-              <a:rPr lang="ru-RU" sz="3600" dirty="0" smtClean="0">
-                <a:latin typeface="Times New Roman" panose="02020603050405020304" pitchFamily="18" charset="0"/>
-                <a:cs typeface="Times New Roman" panose="02020603050405020304" pitchFamily="18" charset="0"/>
-              </a:rPr>
-              <a:t> задач </a:t>
-            </a:r>
-            <a:r>
-              <a:rPr lang="ru-RU" sz="3600" dirty="0" err="1" smtClean="0">
-                <a:latin typeface="Times New Roman" panose="02020603050405020304" pitchFamily="18" charset="0"/>
-                <a:cs typeface="Times New Roman" panose="02020603050405020304" pitchFamily="18" charset="0"/>
-              </a:rPr>
-              <a:t>даної</a:t>
-            </a:r>
-            <a:r>
-              <a:rPr lang="ru-RU" sz="3600" dirty="0" smtClean="0">
-                <a:latin typeface="Times New Roman" panose="02020603050405020304" pitchFamily="18" charset="0"/>
-                <a:cs typeface="Times New Roman" panose="02020603050405020304" pitchFamily="18" charset="0"/>
-              </a:rPr>
-              <a:t> </a:t>
-            </a:r>
-            <a:r>
-              <a:rPr lang="ru-RU" sz="3600" dirty="0" err="1" smtClean="0">
-                <a:latin typeface="Times New Roman" panose="02020603050405020304" pitchFamily="18" charset="0"/>
-                <a:cs typeface="Times New Roman" panose="02020603050405020304" pitchFamily="18" charset="0"/>
-              </a:rPr>
-              <a:t>предметної</a:t>
-            </a:r>
-            <a:r>
-              <a:rPr lang="ru-RU" sz="3600" dirty="0" smtClean="0">
-                <a:latin typeface="Times New Roman" panose="02020603050405020304" pitchFamily="18" charset="0"/>
-                <a:cs typeface="Times New Roman" panose="02020603050405020304" pitchFamily="18" charset="0"/>
-              </a:rPr>
-              <a:t> </a:t>
-            </a:r>
-            <a:r>
-              <a:rPr lang="ru-RU" sz="3600" dirty="0" err="1" smtClean="0">
-                <a:latin typeface="Times New Roman" panose="02020603050405020304" pitchFamily="18" charset="0"/>
-                <a:cs typeface="Times New Roman" panose="02020603050405020304" pitchFamily="18" charset="0"/>
-              </a:rPr>
-              <a:t>області</a:t>
-            </a:r>
-            <a:r>
-              <a:rPr lang="ru-RU" sz="3600" dirty="0" smtClean="0">
-                <a:latin typeface="Times New Roman" panose="02020603050405020304" pitchFamily="18" charset="0"/>
-                <a:cs typeface="Times New Roman" panose="02020603050405020304" pitchFamily="18" charset="0"/>
-              </a:rPr>
-              <a:t>.</a:t>
-            </a:r>
-          </a:p>
-          <a:p>
-            <a:endParaRPr lang="ru-RU" sz="3600" dirty="0" smtClean="0">
+              <a:t>Peer-to-peer</a:t>
+            </a:r>
+            <a:endParaRPr lang="ru-RU" sz="3800" dirty="0">
               <a:latin typeface="Times New Roman" panose="02020603050405020304" pitchFamily="18" charset="0"/>
               <a:cs typeface="Times New Roman" panose="02020603050405020304" pitchFamily="18" charset="0"/>
             </a:endParaRPr>
           </a:p>
-          <a:p>
-            <a:r>
-              <a:rPr lang="ru-RU" sz="3600" dirty="0" err="1" smtClean="0">
-                <a:latin typeface="Times New Roman" panose="02020603050405020304" pitchFamily="18" charset="0"/>
-                <a:cs typeface="Times New Roman" panose="02020603050405020304" pitchFamily="18" charset="0"/>
-              </a:rPr>
-              <a:t>Також</a:t>
-            </a:r>
-            <a:r>
-              <a:rPr lang="ru-RU" sz="3600" dirty="0" smtClean="0">
-                <a:latin typeface="Times New Roman" panose="02020603050405020304" pitchFamily="18" charset="0"/>
-                <a:cs typeface="Times New Roman" panose="02020603050405020304" pitchFamily="18" charset="0"/>
-              </a:rPr>
-              <a:t> </a:t>
-            </a:r>
-            <a:r>
-              <a:rPr lang="ru-RU" sz="3600" dirty="0" err="1" smtClean="0">
-                <a:latin typeface="Times New Roman" panose="02020603050405020304" pitchFamily="18" charset="0"/>
-                <a:cs typeface="Times New Roman" panose="02020603050405020304" pitchFamily="18" charset="0"/>
-              </a:rPr>
-              <a:t>було</a:t>
-            </a:r>
-            <a:r>
-              <a:rPr lang="ru-RU" sz="3600" dirty="0" smtClean="0">
-                <a:latin typeface="Times New Roman" panose="02020603050405020304" pitchFamily="18" charset="0"/>
-                <a:cs typeface="Times New Roman" panose="02020603050405020304" pitchFamily="18" charset="0"/>
-              </a:rPr>
-              <a:t> </a:t>
-            </a:r>
-            <a:r>
-              <a:rPr lang="ru-RU" sz="3600" dirty="0" err="1" smtClean="0">
-                <a:latin typeface="Times New Roman" panose="02020603050405020304" pitchFamily="18" charset="0"/>
-                <a:cs typeface="Times New Roman" panose="02020603050405020304" pitchFamily="18" charset="0"/>
-              </a:rPr>
-              <a:t>сформовані</a:t>
-            </a:r>
-            <a:r>
-              <a:rPr lang="ru-RU" sz="3600" dirty="0" smtClean="0">
-                <a:latin typeface="Times New Roman" panose="02020603050405020304" pitchFamily="18" charset="0"/>
-                <a:cs typeface="Times New Roman" panose="02020603050405020304" pitchFamily="18" charset="0"/>
-              </a:rPr>
-              <a:t> </a:t>
-            </a:r>
-            <a:r>
-              <a:rPr lang="ru-RU" sz="3600" dirty="0" err="1" smtClean="0">
-                <a:latin typeface="Times New Roman" panose="02020603050405020304" pitchFamily="18" charset="0"/>
-                <a:cs typeface="Times New Roman" panose="02020603050405020304" pitchFamily="18" charset="0"/>
-              </a:rPr>
-              <a:t>вимоги</a:t>
-            </a:r>
-            <a:r>
-              <a:rPr lang="ru-RU" sz="3600" dirty="0" smtClean="0">
-                <a:latin typeface="Times New Roman" panose="02020603050405020304" pitchFamily="18" charset="0"/>
-                <a:cs typeface="Times New Roman" panose="02020603050405020304" pitchFamily="18" charset="0"/>
-              </a:rPr>
-              <a:t> до </a:t>
-            </a:r>
-            <a:r>
-              <a:rPr lang="ru-RU" sz="3600" dirty="0" err="1" smtClean="0">
-                <a:latin typeface="Times New Roman" panose="02020603050405020304" pitchFamily="18" charset="0"/>
-                <a:cs typeface="Times New Roman" panose="02020603050405020304" pitchFamily="18" charset="0"/>
-              </a:rPr>
-              <a:t>системи</a:t>
-            </a:r>
-            <a:r>
-              <a:rPr lang="ru-RU" sz="3600" dirty="0" smtClean="0">
-                <a:latin typeface="Times New Roman" panose="02020603050405020304" pitchFamily="18" charset="0"/>
-                <a:cs typeface="Times New Roman" panose="02020603050405020304" pitchFamily="18" charset="0"/>
-              </a:rPr>
-              <a:t>, </a:t>
-            </a:r>
-            <a:r>
-              <a:rPr lang="ru-RU" sz="3600" dirty="0" err="1" smtClean="0">
-                <a:latin typeface="Times New Roman" panose="02020603050405020304" pitchFamily="18" charset="0"/>
-                <a:cs typeface="Times New Roman" panose="02020603050405020304" pitchFamily="18" charset="0"/>
-              </a:rPr>
-              <a:t>бізнес</a:t>
-            </a:r>
-            <a:r>
-              <a:rPr lang="ru-RU" sz="3600" dirty="0" smtClean="0">
-                <a:latin typeface="Times New Roman" panose="02020603050405020304" pitchFamily="18" charset="0"/>
-                <a:cs typeface="Times New Roman" panose="02020603050405020304" pitchFamily="18" charset="0"/>
-              </a:rPr>
-              <a:t> </a:t>
-            </a:r>
-            <a:r>
-              <a:rPr lang="ru-RU" sz="3600" dirty="0" err="1" smtClean="0">
-                <a:latin typeface="Times New Roman" panose="02020603050405020304" pitchFamily="18" charset="0"/>
-                <a:cs typeface="Times New Roman" panose="02020603050405020304" pitchFamily="18" charset="0"/>
-              </a:rPr>
-              <a:t>процеси</a:t>
-            </a:r>
-            <a:r>
-              <a:rPr lang="ru-RU" sz="3600" dirty="0" smtClean="0">
-                <a:latin typeface="Times New Roman" panose="02020603050405020304" pitchFamily="18" charset="0"/>
-                <a:cs typeface="Times New Roman" panose="02020603050405020304" pitchFamily="18" charset="0"/>
-              </a:rPr>
-              <a:t>, </a:t>
-            </a:r>
-            <a:r>
-              <a:rPr lang="ru-RU" sz="3600" dirty="0" err="1" smtClean="0">
-                <a:latin typeface="Times New Roman" panose="02020603050405020304" pitchFamily="18" charset="0"/>
-                <a:cs typeface="Times New Roman" panose="02020603050405020304" pitchFamily="18" charset="0"/>
-              </a:rPr>
-              <a:t>що</a:t>
-            </a:r>
-            <a:r>
-              <a:rPr lang="ru-RU" sz="3600" dirty="0" smtClean="0">
-                <a:latin typeface="Times New Roman" panose="02020603050405020304" pitchFamily="18" charset="0"/>
-                <a:cs typeface="Times New Roman" panose="02020603050405020304" pitchFamily="18" charset="0"/>
-              </a:rPr>
-              <a:t> система </a:t>
-            </a:r>
-            <a:r>
-              <a:rPr lang="ru-RU" sz="3600" dirty="0" err="1" smtClean="0">
-                <a:latin typeface="Times New Roman" panose="02020603050405020304" pitchFamily="18" charset="0"/>
-                <a:cs typeface="Times New Roman" panose="02020603050405020304" pitchFamily="18" charset="0"/>
-              </a:rPr>
-              <a:t>має</a:t>
-            </a:r>
-            <a:r>
-              <a:rPr lang="ru-RU" sz="3600" dirty="0" smtClean="0">
-                <a:latin typeface="Times New Roman" panose="02020603050405020304" pitchFamily="18" charset="0"/>
-                <a:cs typeface="Times New Roman" panose="02020603050405020304" pitchFamily="18" charset="0"/>
-              </a:rPr>
-              <a:t> </a:t>
-            </a:r>
-            <a:r>
-              <a:rPr lang="ru-RU" sz="3600" dirty="0" err="1" smtClean="0">
-                <a:latin typeface="Times New Roman" panose="02020603050405020304" pitchFamily="18" charset="0"/>
-                <a:cs typeface="Times New Roman" panose="02020603050405020304" pitchFamily="18" charset="0"/>
-              </a:rPr>
-              <a:t>виконувати</a:t>
-            </a:r>
-            <a:r>
-              <a:rPr lang="ru-RU" sz="3600" dirty="0" smtClean="0">
-                <a:latin typeface="Times New Roman" panose="02020603050405020304" pitchFamily="18" charset="0"/>
-                <a:cs typeface="Times New Roman" panose="02020603050405020304" pitchFamily="18" charset="0"/>
-              </a:rPr>
-              <a:t> та </a:t>
-            </a:r>
-            <a:r>
-              <a:rPr lang="ru-RU" sz="3600" dirty="0" err="1" smtClean="0">
-                <a:latin typeface="Times New Roman" panose="02020603050405020304" pitchFamily="18" charset="0"/>
-                <a:cs typeface="Times New Roman" panose="02020603050405020304" pitchFamily="18" charset="0"/>
-              </a:rPr>
-              <a:t>обрані</a:t>
-            </a:r>
-            <a:r>
-              <a:rPr lang="ru-RU" sz="3600" dirty="0" smtClean="0">
-                <a:latin typeface="Times New Roman" panose="02020603050405020304" pitchFamily="18" charset="0"/>
-                <a:cs typeface="Times New Roman" panose="02020603050405020304" pitchFamily="18" charset="0"/>
-              </a:rPr>
-              <a:t> </a:t>
-            </a:r>
-            <a:r>
-              <a:rPr lang="ru-RU" sz="3600" dirty="0" err="1" smtClean="0">
-                <a:latin typeface="Times New Roman" panose="02020603050405020304" pitchFamily="18" charset="0"/>
-                <a:cs typeface="Times New Roman" panose="02020603050405020304" pitchFamily="18" charset="0"/>
-              </a:rPr>
-              <a:t>засоби</a:t>
-            </a:r>
-            <a:r>
-              <a:rPr lang="ru-RU" sz="3600" dirty="0" smtClean="0">
-                <a:latin typeface="Times New Roman" panose="02020603050405020304" pitchFamily="18" charset="0"/>
-                <a:cs typeface="Times New Roman" panose="02020603050405020304" pitchFamily="18" charset="0"/>
-              </a:rPr>
-              <a:t> за </a:t>
-            </a:r>
-            <a:r>
-              <a:rPr lang="ru-RU" sz="3600" dirty="0" err="1" smtClean="0">
-                <a:latin typeface="Times New Roman" panose="02020603050405020304" pitchFamily="18" charset="0"/>
-                <a:cs typeface="Times New Roman" panose="02020603050405020304" pitchFamily="18" charset="0"/>
-              </a:rPr>
-              <a:t>допомогою</a:t>
-            </a:r>
-            <a:r>
-              <a:rPr lang="ru-RU" sz="3600" dirty="0" smtClean="0">
-                <a:latin typeface="Times New Roman" panose="02020603050405020304" pitchFamily="18" charset="0"/>
-                <a:cs typeface="Times New Roman" panose="02020603050405020304" pitchFamily="18" charset="0"/>
-              </a:rPr>
-              <a:t> </a:t>
-            </a:r>
-            <a:r>
-              <a:rPr lang="ru-RU" sz="3600" dirty="0" err="1" smtClean="0">
-                <a:latin typeface="Times New Roman" panose="02020603050405020304" pitchFamily="18" charset="0"/>
-                <a:cs typeface="Times New Roman" panose="02020603050405020304" pitchFamily="18" charset="0"/>
-              </a:rPr>
-              <a:t>яких</a:t>
-            </a:r>
-            <a:r>
-              <a:rPr lang="ru-RU" sz="3600" dirty="0" smtClean="0">
-                <a:latin typeface="Times New Roman" panose="02020603050405020304" pitchFamily="18" charset="0"/>
-                <a:cs typeface="Times New Roman" panose="02020603050405020304" pitchFamily="18" charset="0"/>
-              </a:rPr>
-              <a:t> </a:t>
-            </a:r>
-            <a:r>
-              <a:rPr lang="ru-RU" sz="3600" dirty="0" err="1" smtClean="0">
-                <a:latin typeface="Times New Roman" panose="02020603050405020304" pitchFamily="18" charset="0"/>
-                <a:cs typeface="Times New Roman" panose="02020603050405020304" pitchFamily="18" charset="0"/>
-              </a:rPr>
-              <a:t>можна</a:t>
-            </a:r>
-            <a:r>
-              <a:rPr lang="ru-RU" sz="3600" dirty="0" smtClean="0">
-                <a:latin typeface="Times New Roman" panose="02020603050405020304" pitchFamily="18" charset="0"/>
-                <a:cs typeface="Times New Roman" panose="02020603050405020304" pitchFamily="18" charset="0"/>
-              </a:rPr>
-              <a:t> </a:t>
-            </a:r>
-            <a:r>
-              <a:rPr lang="ru-RU" sz="3600" dirty="0" err="1" smtClean="0">
-                <a:latin typeface="Times New Roman" panose="02020603050405020304" pitchFamily="18" charset="0"/>
-                <a:cs typeface="Times New Roman" panose="02020603050405020304" pitchFamily="18" charset="0"/>
-              </a:rPr>
-              <a:t>реалізувати</a:t>
-            </a:r>
-            <a:r>
-              <a:rPr lang="ru-RU" sz="3600" dirty="0" smtClean="0">
-                <a:latin typeface="Times New Roman" panose="02020603050405020304" pitchFamily="18" charset="0"/>
-                <a:cs typeface="Times New Roman" panose="02020603050405020304" pitchFamily="18" charset="0"/>
-              </a:rPr>
-              <a:t> </a:t>
-            </a:r>
-            <a:r>
-              <a:rPr lang="ru-RU" sz="3600" dirty="0" err="1" smtClean="0">
-                <a:latin typeface="Times New Roman" panose="02020603050405020304" pitchFamily="18" charset="0"/>
-                <a:cs typeface="Times New Roman" panose="02020603050405020304" pitchFamily="18" charset="0"/>
-              </a:rPr>
-              <a:t>дане</a:t>
-            </a:r>
-            <a:r>
-              <a:rPr lang="ru-RU" sz="3600" dirty="0" smtClean="0">
-                <a:latin typeface="Times New Roman" panose="02020603050405020304" pitchFamily="18" charset="0"/>
-                <a:cs typeface="Times New Roman" panose="02020603050405020304" pitchFamily="18" charset="0"/>
-              </a:rPr>
-              <a:t> </a:t>
-            </a:r>
-            <a:r>
-              <a:rPr lang="ru-RU" sz="3600" dirty="0" err="1" smtClean="0">
-                <a:latin typeface="Times New Roman" panose="02020603050405020304" pitchFamily="18" charset="0"/>
-                <a:cs typeface="Times New Roman" panose="02020603050405020304" pitchFamily="18" charset="0"/>
-              </a:rPr>
-              <a:t>програмне</a:t>
-            </a:r>
-            <a:r>
-              <a:rPr lang="ru-RU" sz="3600" dirty="0" smtClean="0">
-                <a:latin typeface="Times New Roman" panose="02020603050405020304" pitchFamily="18" charset="0"/>
-                <a:cs typeface="Times New Roman" panose="02020603050405020304" pitchFamily="18" charset="0"/>
-              </a:rPr>
-              <a:t> </a:t>
-            </a:r>
-            <a:r>
-              <a:rPr lang="ru-RU" sz="3600" dirty="0" err="1" smtClean="0">
-                <a:latin typeface="Times New Roman" panose="02020603050405020304" pitchFamily="18" charset="0"/>
-                <a:cs typeface="Times New Roman" panose="02020603050405020304" pitchFamily="18" charset="0"/>
-              </a:rPr>
-              <a:t>забезпечення</a:t>
-            </a:r>
-            <a:r>
-              <a:rPr lang="ru-RU" sz="3600" dirty="0" smtClean="0">
-                <a:latin typeface="Times New Roman" panose="02020603050405020304" pitchFamily="18" charset="0"/>
-                <a:cs typeface="Times New Roman" panose="02020603050405020304" pitchFamily="18" charset="0"/>
-              </a:rPr>
-              <a:t>.</a:t>
-            </a:r>
-          </a:p>
-        </p:txBody>
-      </p:sp>
-      <p:sp>
-        <p:nvSpPr>
-          <p:cNvPr id="4" name="Номер слайда 3"/>
+        </p:txBody>
+      </p:sp>
+      <p:sp>
+        <p:nvSpPr>
+          <p:cNvPr id="3" name="Номер слайда 2"/>
           <p:cNvSpPr>
             <a:spLocks noGrp="1"/>
           </p:cNvSpPr>
@@ -4691,10 +4185,70 @@
           </a:p>
         </p:txBody>
       </p:sp>
+      <p:pic>
+        <p:nvPicPr>
+          <p:cNvPr id="4" name="Рисунок 3"/>
+          <p:cNvPicPr>
+            <a:picLocks noChangeAspect="1"/>
+          </p:cNvPicPr>
+          <p:nvPr/>
+        </p:nvPicPr>
+        <p:blipFill>
+          <a:blip r:embed="rId4">
+            <a:extLst>
+              <a:ext uri="{28A0092B-C50C-407E-A947-70E740481C1C}">
+                <a14:useLocalDpi xmlns:a14="http://schemas.microsoft.com/office/drawing/2010/main" val="0"/>
+              </a:ext>
+            </a:extLst>
+          </a:blip>
+          <a:stretch>
+            <a:fillRect/>
+          </a:stretch>
+        </p:blipFill>
+        <p:spPr>
+          <a:xfrm>
+            <a:off x="1497611" y="930319"/>
+            <a:ext cx="4288255" cy="2672610"/>
+          </a:xfrm>
+          <a:prstGeom prst="rect">
+            <a:avLst/>
+          </a:prstGeom>
+        </p:spPr>
+      </p:pic>
+      <p:pic>
+        <p:nvPicPr>
+          <p:cNvPr id="5" name="Рисунок 4"/>
+          <p:cNvPicPr>
+            <a:picLocks noChangeAspect="1"/>
+          </p:cNvPicPr>
+          <p:nvPr/>
+        </p:nvPicPr>
+        <p:blipFill>
+          <a:blip r:embed="rId5">
+            <a:extLst>
+              <a:ext uri="{28A0092B-C50C-407E-A947-70E740481C1C}">
+                <a14:useLocalDpi xmlns:a14="http://schemas.microsoft.com/office/drawing/2010/main" val="0"/>
+              </a:ext>
+            </a:extLst>
+          </a:blip>
+          <a:stretch>
+            <a:fillRect/>
+          </a:stretch>
+        </p:blipFill>
+        <p:spPr>
+          <a:xfrm>
+            <a:off x="2221942" y="3005096"/>
+            <a:ext cx="2143125" cy="2143125"/>
+          </a:xfrm>
+          <a:prstGeom prst="rect">
+            <a:avLst/>
+          </a:prstGeom>
+        </p:spPr>
+      </p:pic>
     </p:spTree>
     <p:extLst>
       <p:ext uri="{BB962C8B-B14F-4D97-AF65-F5344CB8AC3E}">
-        <p14:creationId xmlns:p14="http://schemas.microsoft.com/office/powerpoint/2010/main" val="2007924422"/>
+        <p14:creationId xmlns:p14="http://schemas.microsoft.com/office/powerpoint/2010/main" val="135484330"/>
       </p:ext>
     </p:extLst>
   </p:cSld>
@@ -4730,14 +4284,77 @@
       </p:grpSpPr>
       <p:sp>
         <p:nvSpPr>
-          <p:cNvPr id="2" name="TextBox 1"/>
+          <p:cNvPr id="2" name="Заголовок 1"/>
+          <p:cNvSpPr txBox="1">
+            <a:spLocks/>
+          </p:cNvSpPr>
+          <p:nvPr/>
+        </p:nvSpPr>
+        <p:spPr>
+          <a:xfrm>
+            <a:off x="635000" y="331660"/>
+            <a:ext cx="10922000" cy="634082"/>
+          </a:xfrm>
+          <a:prstGeom prst="rect">
+            <a:avLst/>
+          </a:prstGeom>
+        </p:spPr>
+        <p:txBody>
+          <a:bodyPr>
+            <a:normAutofit fontScale="90000" lnSpcReduction="10000"/>
+          </a:bodyPr>
+          <a:lstStyle>
+            <a:lvl1pPr algn="l" defTabSz="914400" rtl="0" eaLnBrk="1" latinLnBrk="0" hangingPunct="1">
+              <a:lnSpc>
+                <a:spcPct val="90000"/>
+              </a:lnSpc>
+              <a:spcBef>
+                <a:spcPct val="0"/>
+              </a:spcBef>
+              <a:buNone/>
+              <a:defRPr sz="4400" kern="1200">
+                <a:solidFill>
+                  <a:schemeClr val="tx1"/>
+                </a:solidFill>
+                <a:latin typeface="+mj-lt"/>
+                <a:ea typeface="+mj-ea"/>
+                <a:cs typeface="+mj-cs"/>
+              </a:defRPr>
+            </a:lvl1pPr>
+          </a:lstStyle>
+          <a:p>
+            <a:pPr algn="ctr"/>
+            <a:r>
+              <a:rPr lang="uk-UA" b="1" dirty="0" smtClean="0">
+                <a:latin typeface="Times New Roman" panose="02020603050405020304" pitchFamily="18" charset="0"/>
+                <a:cs typeface="Times New Roman" panose="02020603050405020304" pitchFamily="18" charset="0"/>
+              </a:rPr>
+              <a:t>Побудова архітектури ПС</a:t>
+            </a:r>
+            <a:endParaRPr lang="uk-UA" b="1" dirty="0" smtClean="0">
+              <a:latin typeface="Times New Roman" panose="02020603050405020304" pitchFamily="18" charset="0"/>
+              <a:cs typeface="Times New Roman" panose="02020603050405020304" pitchFamily="18" charset="0"/>
+            </a:endParaRPr>
+          </a:p>
+          <a:p>
+            <a:pPr algn="ctr"/>
+            <a:endParaRPr lang="ru-RU" b="1" dirty="0">
+              <a:latin typeface="Times New Roman" panose="02020603050405020304" pitchFamily="18" charset="0"/>
+              <a:cs typeface="Times New Roman" panose="02020603050405020304" pitchFamily="18" charset="0"/>
+            </a:endParaRPr>
+          </a:p>
+        </p:txBody>
+      </p:sp>
+      <p:sp>
+        <p:nvSpPr>
+          <p:cNvPr id="3" name="TextBox 2"/>
           <p:cNvSpPr txBox="1"/>
           <p:nvPr/>
         </p:nvSpPr>
         <p:spPr>
           <a:xfrm>
-            <a:off x="1173884" y="2536448"/>
-            <a:ext cx="9844233" cy="1785104"/>
+            <a:off x="368968" y="906601"/>
+            <a:ext cx="11582399" cy="5632311"/>
           </a:xfrm>
           <a:prstGeom prst="rect">
             <a:avLst/>
@@ -4745,28 +4362,224 @@
           <a:noFill/>
         </p:spPr>
         <p:txBody>
-          <a:bodyPr wrap="none" rtlCol="0">
+          <a:bodyPr wrap="square" rtlCol="0">
             <a:spAutoFit/>
           </a:bodyPr>
           <a:lstStyle/>
           <a:p>
             <a:r>
-              <a:rPr lang="uk-UA" sz="11000" dirty="0" smtClean="0">
+              <a:rPr lang="ru-RU" sz="3600" dirty="0" err="1" smtClean="0">
                 <a:latin typeface="Times New Roman" panose="02020603050405020304" pitchFamily="18" charset="0"/>
                 <a:cs typeface="Times New Roman" panose="02020603050405020304" pitchFamily="18" charset="0"/>
               </a:rPr>
-              <a:t>Дякую за увагу!</a:t>
-            </a:r>
-            <a:endParaRPr lang="ru-RU" sz="11000" dirty="0">
+              <a:t>Архітектура</a:t>
+            </a:r>
+            <a:r>
+              <a:rPr lang="ru-RU" sz="3600" dirty="0" smtClean="0">
+                <a:latin typeface="Times New Roman" panose="02020603050405020304" pitchFamily="18" charset="0"/>
+                <a:cs typeface="Times New Roman" panose="02020603050405020304" pitchFamily="18" charset="0"/>
+              </a:rPr>
+              <a:t> </a:t>
+            </a:r>
+            <a:r>
+              <a:rPr lang="ru-RU" sz="3600" dirty="0" err="1" smtClean="0">
+                <a:latin typeface="Times New Roman" panose="02020603050405020304" pitchFamily="18" charset="0"/>
+                <a:cs typeface="Times New Roman" panose="02020603050405020304" pitchFamily="18" charset="0"/>
+              </a:rPr>
+              <a:t>програми</a:t>
+            </a:r>
+            <a:r>
+              <a:rPr lang="ru-RU" sz="3600" dirty="0" smtClean="0">
+                <a:latin typeface="Times New Roman" panose="02020603050405020304" pitchFamily="18" charset="0"/>
+                <a:cs typeface="Times New Roman" panose="02020603050405020304" pitchFamily="18" charset="0"/>
+              </a:rPr>
+              <a:t> </a:t>
+            </a:r>
+            <a:r>
+              <a:rPr lang="ru-RU" sz="3600" dirty="0" err="1" smtClean="0">
+                <a:latin typeface="Times New Roman" panose="02020603050405020304" pitchFamily="18" charset="0"/>
+                <a:cs typeface="Times New Roman" panose="02020603050405020304" pitchFamily="18" charset="0"/>
+              </a:rPr>
+              <a:t>має</a:t>
+            </a:r>
+            <a:r>
+              <a:rPr lang="ru-RU" sz="3600" dirty="0" smtClean="0">
+                <a:latin typeface="Times New Roman" panose="02020603050405020304" pitchFamily="18" charset="0"/>
+                <a:cs typeface="Times New Roman" panose="02020603050405020304" pitchFamily="18" charset="0"/>
+              </a:rPr>
+              <a:t> </a:t>
+            </a:r>
+            <a:r>
+              <a:rPr lang="ru-RU" sz="3600" dirty="0" err="1" smtClean="0">
+                <a:latin typeface="Times New Roman" panose="02020603050405020304" pitchFamily="18" charset="0"/>
+                <a:cs typeface="Times New Roman" panose="02020603050405020304" pitchFamily="18" charset="0"/>
+              </a:rPr>
+              <a:t>містити</a:t>
+            </a:r>
+            <a:r>
+              <a:rPr lang="ru-RU" sz="3600" dirty="0" smtClean="0">
+                <a:latin typeface="Times New Roman" panose="02020603050405020304" pitchFamily="18" charset="0"/>
+                <a:cs typeface="Times New Roman" panose="02020603050405020304" pitchFamily="18" charset="0"/>
+              </a:rPr>
+              <a:t> в </a:t>
+            </a:r>
+            <a:r>
+              <a:rPr lang="ru-RU" sz="3600" dirty="0" err="1" smtClean="0">
+                <a:latin typeface="Times New Roman" panose="02020603050405020304" pitchFamily="18" charset="0"/>
+                <a:cs typeface="Times New Roman" panose="02020603050405020304" pitchFamily="18" charset="0"/>
+              </a:rPr>
+              <a:t>собі</a:t>
+            </a:r>
+            <a:r>
+              <a:rPr lang="ru-RU" sz="3600" dirty="0" smtClean="0">
+                <a:latin typeface="Times New Roman" panose="02020603050405020304" pitchFamily="18" charset="0"/>
+                <a:cs typeface="Times New Roman" panose="02020603050405020304" pitchFamily="18" charset="0"/>
+              </a:rPr>
+              <a:t> </a:t>
+            </a:r>
+            <a:r>
+              <a:rPr lang="ru-RU" sz="3600" dirty="0" err="1" smtClean="0">
+                <a:latin typeface="Times New Roman" panose="02020603050405020304" pitchFamily="18" charset="0"/>
+                <a:cs typeface="Times New Roman" panose="02020603050405020304" pitchFamily="18" charset="0"/>
+              </a:rPr>
+              <a:t>наступні</a:t>
+            </a:r>
+            <a:r>
+              <a:rPr lang="ru-RU" sz="3600" dirty="0" smtClean="0">
+                <a:latin typeface="Times New Roman" panose="02020603050405020304" pitchFamily="18" charset="0"/>
+                <a:cs typeface="Times New Roman" panose="02020603050405020304" pitchFamily="18" charset="0"/>
+              </a:rPr>
+              <a:t> </a:t>
+            </a:r>
+            <a:r>
+              <a:rPr lang="ru-RU" sz="3600" dirty="0" err="1" smtClean="0">
+                <a:latin typeface="Times New Roman" panose="02020603050405020304" pitchFamily="18" charset="0"/>
+                <a:cs typeface="Times New Roman" panose="02020603050405020304" pitchFamily="18" charset="0"/>
+              </a:rPr>
+              <a:t>модулі</a:t>
+            </a:r>
+            <a:r>
+              <a:rPr lang="ru-RU" sz="3600" dirty="0" smtClean="0">
+                <a:latin typeface="Times New Roman" panose="02020603050405020304" pitchFamily="18" charset="0"/>
+                <a:cs typeface="Times New Roman" panose="02020603050405020304" pitchFamily="18" charset="0"/>
+              </a:rPr>
+              <a:t>:</a:t>
+            </a:r>
+          </a:p>
+          <a:p>
+            <a:pPr marL="571500" indent="-571500">
+              <a:buFontTx/>
+              <a:buChar char="-"/>
+            </a:pPr>
+            <a:r>
+              <a:rPr lang="en-US" sz="3600" dirty="0" smtClean="0">
+                <a:latin typeface="Times New Roman" panose="02020603050405020304" pitchFamily="18" charset="0"/>
+                <a:cs typeface="Times New Roman" panose="02020603050405020304" pitchFamily="18" charset="0"/>
+              </a:rPr>
+              <a:t>Peer-To-Peer API</a:t>
+            </a:r>
+          </a:p>
+          <a:p>
+            <a:pPr marL="571500" indent="-571500">
+              <a:buFontTx/>
+              <a:buChar char="-"/>
+            </a:pPr>
+            <a:r>
+              <a:rPr lang="en-US" sz="3600" dirty="0" smtClean="0">
+                <a:latin typeface="Times New Roman" panose="02020603050405020304" pitchFamily="18" charset="0"/>
+                <a:cs typeface="Times New Roman" panose="02020603050405020304" pitchFamily="18" charset="0"/>
+              </a:rPr>
+              <a:t>Local </a:t>
+            </a:r>
+            <a:r>
+              <a:rPr lang="en-US" sz="3600" dirty="0" err="1" smtClean="0">
+                <a:latin typeface="Times New Roman" panose="02020603050405020304" pitchFamily="18" charset="0"/>
+                <a:cs typeface="Times New Roman" panose="02020603050405020304" pitchFamily="18" charset="0"/>
+              </a:rPr>
+              <a:t>blockchain</a:t>
+            </a:r>
+            <a:r>
+              <a:rPr lang="en-US" sz="3600" dirty="0" smtClean="0">
+                <a:latin typeface="Times New Roman" panose="02020603050405020304" pitchFamily="18" charset="0"/>
+                <a:cs typeface="Times New Roman" panose="02020603050405020304" pitchFamily="18" charset="0"/>
+              </a:rPr>
+              <a:t> store API</a:t>
+            </a:r>
+          </a:p>
+          <a:p>
+            <a:pPr marL="571500" indent="-571500">
+              <a:buFontTx/>
+              <a:buChar char="-"/>
+            </a:pPr>
+            <a:r>
+              <a:rPr lang="en-US" sz="3600" dirty="0" err="1" smtClean="0">
+                <a:latin typeface="Times New Roman" panose="02020603050405020304" pitchFamily="18" charset="0"/>
+                <a:cs typeface="Times New Roman" panose="02020603050405020304" pitchFamily="18" charset="0"/>
+              </a:rPr>
+              <a:t>Blockchain</a:t>
+            </a:r>
+            <a:r>
+              <a:rPr lang="en-US" sz="3600" dirty="0" smtClean="0">
+                <a:latin typeface="Times New Roman" panose="02020603050405020304" pitchFamily="18" charset="0"/>
+                <a:cs typeface="Times New Roman" panose="02020603050405020304" pitchFamily="18" charset="0"/>
+              </a:rPr>
+              <a:t> Service</a:t>
+            </a:r>
+          </a:p>
+          <a:p>
+            <a:pPr marL="571500" indent="-571500">
+              <a:buFontTx/>
+              <a:buChar char="-"/>
+            </a:pPr>
+            <a:r>
+              <a:rPr lang="en-US" sz="3600" dirty="0" smtClean="0">
+                <a:latin typeface="Times New Roman" panose="02020603050405020304" pitchFamily="18" charset="0"/>
+                <a:cs typeface="Times New Roman" panose="02020603050405020304" pitchFamily="18" charset="0"/>
+              </a:rPr>
+              <a:t>UI interface</a:t>
+            </a:r>
+            <a:r>
+              <a:rPr lang="ru-RU" sz="3600" dirty="0" smtClean="0">
+                <a:latin typeface="Times New Roman" panose="02020603050405020304" pitchFamily="18" charset="0"/>
+                <a:cs typeface="Times New Roman" panose="02020603050405020304" pitchFamily="18" charset="0"/>
+              </a:rPr>
+              <a:t> </a:t>
+            </a:r>
+            <a:endParaRPr lang="en-US" sz="3600" dirty="0" smtClean="0">
               <a:latin typeface="Times New Roman" panose="02020603050405020304" pitchFamily="18" charset="0"/>
               <a:cs typeface="Times New Roman" panose="02020603050405020304" pitchFamily="18" charset="0"/>
             </a:endParaRPr>
           </a:p>
-        </p:txBody>
-      </p:sp>
-      <p:sp>
-        <p:nvSpPr>
-          <p:cNvPr id="3" name="Номер слайда 2"/>
+          <a:p>
+            <a:endParaRPr lang="uk-UA" sz="3600" dirty="0" smtClean="0">
+              <a:latin typeface="Times New Roman" panose="02020603050405020304" pitchFamily="18" charset="0"/>
+              <a:cs typeface="Times New Roman" panose="02020603050405020304" pitchFamily="18" charset="0"/>
+            </a:endParaRPr>
+          </a:p>
+          <a:p>
+            <a:endParaRPr lang="en-US" sz="3600" dirty="0">
+              <a:latin typeface="Times New Roman" panose="02020603050405020304" pitchFamily="18" charset="0"/>
+              <a:cs typeface="Times New Roman" panose="02020603050405020304" pitchFamily="18" charset="0"/>
+            </a:endParaRPr>
+          </a:p>
+          <a:p>
+            <a:r>
+              <a:rPr lang="uk-UA" sz="3600" dirty="0" smtClean="0">
+                <a:latin typeface="Times New Roman" panose="02020603050405020304" pitchFamily="18" charset="0"/>
+                <a:cs typeface="Times New Roman" panose="02020603050405020304" pitchFamily="18" charset="0"/>
+              </a:rPr>
+              <a:t>Схематичне відображення цих модулів та їх взаємодія показано на наступному слайді у вигляді діаграми розгортання</a:t>
+            </a:r>
+            <a:endParaRPr lang="ru-RU" sz="3600" dirty="0" smtClean="0">
+              <a:latin typeface="Times New Roman" panose="02020603050405020304" pitchFamily="18" charset="0"/>
+              <a:cs typeface="Times New Roman" panose="02020603050405020304" pitchFamily="18" charset="0"/>
+            </a:endParaRPr>
+          </a:p>
+        </p:txBody>
+      </p:sp>
+      <p:sp>
+        <p:nvSpPr>
+          <p:cNvPr id="4" name="Номер слайда 3"/>
           <p:cNvSpPr>
             <a:spLocks noGrp="1"/>
           </p:cNvSpPr>
@@ -4790,7 +4603,904 @@
     </p:spTree>
     <p:extLst>
       <p:ext uri="{BB962C8B-B14F-4D97-AF65-F5344CB8AC3E}">
-        <p14:creationId xmlns:p14="http://schemas.microsoft.com/office/powerpoint/2010/main" val="1685837395"/>
+        <p14:creationId xmlns:p14="http://schemas.microsoft.com/office/powerpoint/2010/main" val="2007924422"/>
+      </p:ext>
+    </p:extLst>
+  </p:cSld>
+  <p:clrMapOvr>
+    <a:masterClrMapping/>
+  </p:clrMapOvr>
+  <p:timing>
+    <p:tnLst>
+      <p:par>
+        <p:cTn id="1" dur="indefinite" restart="never" nodeType="tmRoot"/>
+      </p:par>
+    </p:tnLst>
+  </p:timing>
+</p:sld>
+</file>
+
+<file path=ppt/slides/slide14.xml><?xml version="1.0" encoding="utf-8"?>
+<p:sld xmlns:a="http://schemas.openxmlformats.org/drawingml/2006/main" xmlns:r="http://schemas.openxmlformats.org/officeDocument/2006/relationships" xmlns:p="http://schemas.openxmlformats.org/presentationml/2006/main">
+  <p:cSld>
+    <p:spTree>
+      <p:nvGrpSpPr>
+        <p:cNvPr id="1" name=""/>
+        <p:cNvGrpSpPr/>
+        <p:nvPr/>
+      </p:nvGrpSpPr>
+      <p:grpSpPr>
+        <a:xfrm>
+          <a:off x="0" y="0"/>
+          <a:ext cx="0" cy="0"/>
+          <a:chOff x="0" y="0"/>
+          <a:chExt cx="0" cy="0"/>
+        </a:xfrm>
+      </p:grpSpPr>
+      <p:sp>
+        <p:nvSpPr>
+          <p:cNvPr id="2" name="Заголовок 1"/>
+          <p:cNvSpPr txBox="1">
+            <a:spLocks/>
+          </p:cNvSpPr>
+          <p:nvPr/>
+        </p:nvSpPr>
+        <p:spPr>
+          <a:xfrm>
+            <a:off x="635000" y="331660"/>
+            <a:ext cx="10922000" cy="634082"/>
+          </a:xfrm>
+          <a:prstGeom prst="rect">
+            <a:avLst/>
+          </a:prstGeom>
+        </p:spPr>
+        <p:txBody>
+          <a:bodyPr>
+            <a:normAutofit fontScale="90000" lnSpcReduction="10000"/>
+          </a:bodyPr>
+          <a:lstStyle>
+            <a:lvl1pPr algn="l" defTabSz="914400" rtl="0" eaLnBrk="1" latinLnBrk="0" hangingPunct="1">
+              <a:lnSpc>
+                <a:spcPct val="90000"/>
+              </a:lnSpc>
+              <a:spcBef>
+                <a:spcPct val="0"/>
+              </a:spcBef>
+              <a:buNone/>
+              <a:defRPr sz="4400" kern="1200">
+                <a:solidFill>
+                  <a:schemeClr val="tx1"/>
+                </a:solidFill>
+                <a:latin typeface="+mj-lt"/>
+                <a:ea typeface="+mj-ea"/>
+                <a:cs typeface="+mj-cs"/>
+              </a:defRPr>
+            </a:lvl1pPr>
+          </a:lstStyle>
+          <a:p>
+            <a:pPr algn="ctr"/>
+            <a:r>
+              <a:rPr lang="uk-UA" b="1" dirty="0" smtClean="0">
+                <a:latin typeface="Times New Roman" panose="02020603050405020304" pitchFamily="18" charset="0"/>
+                <a:cs typeface="Times New Roman" panose="02020603050405020304" pitchFamily="18" charset="0"/>
+              </a:rPr>
+              <a:t>Діаграма розгортання</a:t>
+            </a:r>
+            <a:endParaRPr lang="uk-UA" b="1" dirty="0" smtClean="0">
+              <a:latin typeface="Times New Roman" panose="02020603050405020304" pitchFamily="18" charset="0"/>
+              <a:cs typeface="Times New Roman" panose="02020603050405020304" pitchFamily="18" charset="0"/>
+            </a:endParaRPr>
+          </a:p>
+          <a:p>
+            <a:pPr algn="ctr"/>
+            <a:endParaRPr lang="ru-RU" b="1" dirty="0">
+              <a:latin typeface="Times New Roman" panose="02020603050405020304" pitchFamily="18" charset="0"/>
+              <a:cs typeface="Times New Roman" panose="02020603050405020304" pitchFamily="18" charset="0"/>
+            </a:endParaRPr>
+          </a:p>
+        </p:txBody>
+      </p:sp>
+      <p:sp>
+        <p:nvSpPr>
+          <p:cNvPr id="4" name="Номер слайда 3"/>
+          <p:cNvSpPr>
+            <a:spLocks noGrp="1"/>
+          </p:cNvSpPr>
+          <p:nvPr>
+            <p:ph type="sldNum" sz="quarter" idx="12"/>
+          </p:nvPr>
+        </p:nvSpPr>
+        <p:spPr/>
+        <p:txBody>
+          <a:bodyPr/>
+          <a:lstStyle/>
+          <a:p>
+            <a:fld id="{E09DD669-CC1A-4D24-BC6B-97BA35B3733B}" type="slidenum">
+              <a:rPr lang="ru-RU" smtClean="0"/>
+              <a:t>14</a:t>
+            </a:fld>
+            <a:endParaRPr lang="ru-RU"/>
+          </a:p>
+        </p:txBody>
+      </p:sp>
+      <p:pic>
+        <p:nvPicPr>
+          <p:cNvPr id="5" name="Рисунок 4"/>
+          <p:cNvPicPr/>
+          <p:nvPr/>
+        </p:nvPicPr>
+        <p:blipFill>
+          <a:blip r:embed="rId2"/>
+          <a:stretch>
+            <a:fillRect/>
+          </a:stretch>
+        </p:blipFill>
+        <p:spPr>
+          <a:xfrm>
+            <a:off x="1594123" y="963568"/>
+            <a:ext cx="9003753" cy="5757907"/>
+          </a:xfrm>
+          <a:prstGeom prst="rect">
+            <a:avLst/>
+          </a:prstGeom>
+        </p:spPr>
+      </p:pic>
+    </p:spTree>
+    <p:extLst>
+      <p:ext uri="{BB962C8B-B14F-4D97-AF65-F5344CB8AC3E}">
+        <p14:creationId xmlns:p14="http://schemas.microsoft.com/office/powerpoint/2010/main" val="3613650949"/>
+      </p:ext>
+    </p:extLst>
+  </p:cSld>
+  <p:clrMapOvr>
+    <a:masterClrMapping/>
+  </p:clrMapOvr>
+  <p:timing>
+    <p:tnLst>
+      <p:par>
+        <p:cTn id="1" dur="indefinite" restart="never" nodeType="tmRoot"/>
+      </p:par>
+    </p:tnLst>
+  </p:timing>
+</p:sld>
+</file>
+
+<file path=ppt/slides/slide15.xml><?xml version="1.0" encoding="utf-8"?>
+<p:sld xmlns:a="http://schemas.openxmlformats.org/drawingml/2006/main" xmlns:r="http://schemas.openxmlformats.org/officeDocument/2006/relationships" xmlns:p="http://schemas.openxmlformats.org/presentationml/2006/main">
+  <p:cSld>
+    <p:spTree>
+      <p:nvGrpSpPr>
+        <p:cNvPr id="1" name=""/>
+        <p:cNvGrpSpPr/>
+        <p:nvPr/>
+      </p:nvGrpSpPr>
+      <p:grpSpPr>
+        <a:xfrm>
+          <a:off x="0" y="0"/>
+          <a:ext cx="0" cy="0"/>
+          <a:chOff x="0" y="0"/>
+          <a:chExt cx="0" cy="0"/>
+        </a:xfrm>
+      </p:grpSpPr>
+      <p:sp>
+        <p:nvSpPr>
+          <p:cNvPr id="2" name="Заголовок 1"/>
+          <p:cNvSpPr txBox="1">
+            <a:spLocks/>
+          </p:cNvSpPr>
+          <p:nvPr/>
+        </p:nvSpPr>
+        <p:spPr>
+          <a:xfrm>
+            <a:off x="635000" y="331660"/>
+            <a:ext cx="10922000" cy="634082"/>
+          </a:xfrm>
+          <a:prstGeom prst="rect">
+            <a:avLst/>
+          </a:prstGeom>
+        </p:spPr>
+        <p:txBody>
+          <a:bodyPr>
+            <a:normAutofit fontScale="90000" lnSpcReduction="10000"/>
+          </a:bodyPr>
+          <a:lstStyle>
+            <a:lvl1pPr algn="l" defTabSz="914400" rtl="0" eaLnBrk="1" latinLnBrk="0" hangingPunct="1">
+              <a:lnSpc>
+                <a:spcPct val="90000"/>
+              </a:lnSpc>
+              <a:spcBef>
+                <a:spcPct val="0"/>
+              </a:spcBef>
+              <a:buNone/>
+              <a:defRPr sz="4400" kern="1200">
+                <a:solidFill>
+                  <a:schemeClr val="tx1"/>
+                </a:solidFill>
+                <a:latin typeface="+mj-lt"/>
+                <a:ea typeface="+mj-ea"/>
+                <a:cs typeface="+mj-cs"/>
+              </a:defRPr>
+            </a:lvl1pPr>
+          </a:lstStyle>
+          <a:p>
+            <a:pPr algn="ctr"/>
+            <a:r>
+              <a:rPr lang="uk-UA" b="1" dirty="0" smtClean="0">
+                <a:latin typeface="Times New Roman" panose="02020603050405020304" pitchFamily="18" charset="0"/>
+                <a:cs typeface="Times New Roman" panose="02020603050405020304" pitchFamily="18" charset="0"/>
+              </a:rPr>
+              <a:t>Діаграма варіантів використання</a:t>
+            </a:r>
+            <a:endParaRPr lang="uk-UA" b="1" dirty="0" smtClean="0">
+              <a:latin typeface="Times New Roman" panose="02020603050405020304" pitchFamily="18" charset="0"/>
+              <a:cs typeface="Times New Roman" panose="02020603050405020304" pitchFamily="18" charset="0"/>
+            </a:endParaRPr>
+          </a:p>
+          <a:p>
+            <a:pPr algn="ctr"/>
+            <a:endParaRPr lang="ru-RU" b="1" dirty="0">
+              <a:latin typeface="Times New Roman" panose="02020603050405020304" pitchFamily="18" charset="0"/>
+              <a:cs typeface="Times New Roman" panose="02020603050405020304" pitchFamily="18" charset="0"/>
+            </a:endParaRPr>
+          </a:p>
+        </p:txBody>
+      </p:sp>
+      <p:sp>
+        <p:nvSpPr>
+          <p:cNvPr id="4" name="Номер слайда 3"/>
+          <p:cNvSpPr>
+            <a:spLocks noGrp="1"/>
+          </p:cNvSpPr>
+          <p:nvPr>
+            <p:ph type="sldNum" sz="quarter" idx="12"/>
+          </p:nvPr>
+        </p:nvSpPr>
+        <p:spPr/>
+        <p:txBody>
+          <a:bodyPr/>
+          <a:lstStyle/>
+          <a:p>
+            <a:fld id="{E09DD669-CC1A-4D24-BC6B-97BA35B3733B}" type="slidenum">
+              <a:rPr lang="ru-RU" smtClean="0"/>
+              <a:t>15</a:t>
+            </a:fld>
+            <a:endParaRPr lang="ru-RU"/>
+          </a:p>
+        </p:txBody>
+      </p:sp>
+      <p:pic>
+        <p:nvPicPr>
+          <p:cNvPr id="6" name="Рисунок 5"/>
+          <p:cNvPicPr/>
+          <p:nvPr/>
+        </p:nvPicPr>
+        <p:blipFill rotWithShape="1">
+          <a:blip r:embed="rId2"/>
+          <a:srcRect t="2754" b="4638"/>
+          <a:stretch/>
+        </p:blipFill>
+        <p:spPr bwMode="auto">
+          <a:xfrm>
+            <a:off x="3616984" y="965742"/>
+            <a:ext cx="4993615" cy="5674118"/>
+          </a:xfrm>
+          <a:prstGeom prst="rect">
+            <a:avLst/>
+          </a:prstGeom>
+          <a:ln>
+            <a:noFill/>
+          </a:ln>
+          <a:extLst>
+            <a:ext uri="{53640926-AAD7-44D8-BBD7-CCE9431645EC}">
+              <a14:shadowObscured xmlns:a14="http://schemas.microsoft.com/office/drawing/2010/main"/>
+            </a:ext>
+          </a:extLst>
+        </p:spPr>
+      </p:pic>
+    </p:spTree>
+    <p:extLst>
+      <p:ext uri="{BB962C8B-B14F-4D97-AF65-F5344CB8AC3E}">
+        <p14:creationId xmlns:p14="http://schemas.microsoft.com/office/powerpoint/2010/main" val="680106000"/>
+      </p:ext>
+    </p:extLst>
+  </p:cSld>
+  <p:clrMapOvr>
+    <a:masterClrMapping/>
+  </p:clrMapOvr>
+  <p:timing>
+    <p:tnLst>
+      <p:par>
+        <p:cTn id="1" dur="indefinite" restart="never" nodeType="tmRoot"/>
+      </p:par>
+    </p:tnLst>
+  </p:timing>
+</p:sld>
+</file>
+
+<file path=ppt/slides/slide16.xml><?xml version="1.0" encoding="utf-8"?>
+<p:sld xmlns:a="http://schemas.openxmlformats.org/drawingml/2006/main" xmlns:r="http://schemas.openxmlformats.org/officeDocument/2006/relationships" xmlns:p="http://schemas.openxmlformats.org/presentationml/2006/main">
+  <p:cSld>
+    <p:spTree>
+      <p:nvGrpSpPr>
+        <p:cNvPr id="1" name=""/>
+        <p:cNvGrpSpPr/>
+        <p:nvPr/>
+      </p:nvGrpSpPr>
+      <p:grpSpPr>
+        <a:xfrm>
+          <a:off x="0" y="0"/>
+          <a:ext cx="0" cy="0"/>
+          <a:chOff x="0" y="0"/>
+          <a:chExt cx="0" cy="0"/>
+        </a:xfrm>
+      </p:grpSpPr>
+      <p:sp>
+        <p:nvSpPr>
+          <p:cNvPr id="2" name="Заголовок 1"/>
+          <p:cNvSpPr txBox="1">
+            <a:spLocks/>
+          </p:cNvSpPr>
+          <p:nvPr/>
+        </p:nvSpPr>
+        <p:spPr>
+          <a:xfrm>
+            <a:off x="635000" y="331660"/>
+            <a:ext cx="10922000" cy="634082"/>
+          </a:xfrm>
+          <a:prstGeom prst="rect">
+            <a:avLst/>
+          </a:prstGeom>
+        </p:spPr>
+        <p:txBody>
+          <a:bodyPr>
+            <a:normAutofit fontScale="90000" lnSpcReduction="10000"/>
+          </a:bodyPr>
+          <a:lstStyle>
+            <a:lvl1pPr algn="l" defTabSz="914400" rtl="0" eaLnBrk="1" latinLnBrk="0" hangingPunct="1">
+              <a:lnSpc>
+                <a:spcPct val="90000"/>
+              </a:lnSpc>
+              <a:spcBef>
+                <a:spcPct val="0"/>
+              </a:spcBef>
+              <a:buNone/>
+              <a:defRPr sz="4400" kern="1200">
+                <a:solidFill>
+                  <a:schemeClr val="tx1"/>
+                </a:solidFill>
+                <a:latin typeface="+mj-lt"/>
+                <a:ea typeface="+mj-ea"/>
+                <a:cs typeface="+mj-cs"/>
+              </a:defRPr>
+            </a:lvl1pPr>
+          </a:lstStyle>
+          <a:p>
+            <a:pPr algn="ctr"/>
+            <a:r>
+              <a:rPr lang="uk-UA" b="1" dirty="0" smtClean="0">
+                <a:latin typeface="Times New Roman" panose="02020603050405020304" pitchFamily="18" charset="0"/>
+                <a:cs typeface="Times New Roman" panose="02020603050405020304" pitchFamily="18" charset="0"/>
+              </a:rPr>
+              <a:t>Діаграми діяльності (</a:t>
+            </a:r>
+            <a:r>
+              <a:rPr lang="uk-UA" b="1" dirty="0" err="1" smtClean="0">
+                <a:latin typeface="Times New Roman" panose="02020603050405020304" pitchFamily="18" charset="0"/>
+                <a:cs typeface="Times New Roman" panose="02020603050405020304" pitchFamily="18" charset="0"/>
+              </a:rPr>
+              <a:t>регістрація</a:t>
+            </a:r>
+            <a:r>
+              <a:rPr lang="uk-UA" b="1" dirty="0" smtClean="0">
+                <a:latin typeface="Times New Roman" panose="02020603050405020304" pitchFamily="18" charset="0"/>
+                <a:cs typeface="Times New Roman" panose="02020603050405020304" pitchFamily="18" charset="0"/>
+              </a:rPr>
+              <a:t>)</a:t>
+            </a:r>
+            <a:endParaRPr lang="uk-UA" b="1" dirty="0" smtClean="0">
+              <a:latin typeface="Times New Roman" panose="02020603050405020304" pitchFamily="18" charset="0"/>
+              <a:cs typeface="Times New Roman" panose="02020603050405020304" pitchFamily="18" charset="0"/>
+            </a:endParaRPr>
+          </a:p>
+          <a:p>
+            <a:pPr algn="ctr"/>
+            <a:endParaRPr lang="ru-RU" b="1" dirty="0">
+              <a:latin typeface="Times New Roman" panose="02020603050405020304" pitchFamily="18" charset="0"/>
+              <a:cs typeface="Times New Roman" panose="02020603050405020304" pitchFamily="18" charset="0"/>
+            </a:endParaRPr>
+          </a:p>
+        </p:txBody>
+      </p:sp>
+      <p:sp>
+        <p:nvSpPr>
+          <p:cNvPr id="4" name="Номер слайда 3"/>
+          <p:cNvSpPr>
+            <a:spLocks noGrp="1"/>
+          </p:cNvSpPr>
+          <p:nvPr>
+            <p:ph type="sldNum" sz="quarter" idx="12"/>
+          </p:nvPr>
+        </p:nvSpPr>
+        <p:spPr/>
+        <p:txBody>
+          <a:bodyPr/>
+          <a:lstStyle/>
+          <a:p>
+            <a:fld id="{E09DD669-CC1A-4D24-BC6B-97BA35B3733B}" type="slidenum">
+              <a:rPr lang="ru-RU" smtClean="0"/>
+              <a:t>16</a:t>
+            </a:fld>
+            <a:endParaRPr lang="ru-RU"/>
+          </a:p>
+        </p:txBody>
+      </p:sp>
+      <p:pic>
+        <p:nvPicPr>
+          <p:cNvPr id="3" name="Рисунок 2"/>
+          <p:cNvPicPr>
+            <a:picLocks noChangeAspect="1"/>
+          </p:cNvPicPr>
+          <p:nvPr/>
+        </p:nvPicPr>
+        <p:blipFill>
+          <a:blip r:embed="rId2"/>
+          <a:stretch>
+            <a:fillRect/>
+          </a:stretch>
+        </p:blipFill>
+        <p:spPr>
+          <a:xfrm>
+            <a:off x="148756" y="1633144"/>
+            <a:ext cx="11894487" cy="3339909"/>
+          </a:xfrm>
+          <a:prstGeom prst="rect">
+            <a:avLst/>
+          </a:prstGeom>
+        </p:spPr>
+      </p:pic>
+    </p:spTree>
+    <p:extLst>
+      <p:ext uri="{BB962C8B-B14F-4D97-AF65-F5344CB8AC3E}">
+        <p14:creationId xmlns:p14="http://schemas.microsoft.com/office/powerpoint/2010/main" val="3391057906"/>
+      </p:ext>
+    </p:extLst>
+  </p:cSld>
+  <p:clrMapOvr>
+    <a:masterClrMapping/>
+  </p:clrMapOvr>
+  <p:timing>
+    <p:tnLst>
+      <p:par>
+        <p:cTn id="1" dur="indefinite" restart="never" nodeType="tmRoot"/>
+      </p:par>
+    </p:tnLst>
+  </p:timing>
+</p:sld>
+</file>
+
+<file path=ppt/slides/slide17.xml><?xml version="1.0" encoding="utf-8"?>
+<p:sld xmlns:a="http://schemas.openxmlformats.org/drawingml/2006/main" xmlns:r="http://schemas.openxmlformats.org/officeDocument/2006/relationships" xmlns:p="http://schemas.openxmlformats.org/presentationml/2006/main">
+  <p:cSld>
+    <p:spTree>
+      <p:nvGrpSpPr>
+        <p:cNvPr id="1" name=""/>
+        <p:cNvGrpSpPr/>
+        <p:nvPr/>
+      </p:nvGrpSpPr>
+      <p:grpSpPr>
+        <a:xfrm>
+          <a:off x="0" y="0"/>
+          <a:ext cx="0" cy="0"/>
+          <a:chOff x="0" y="0"/>
+          <a:chExt cx="0" cy="0"/>
+        </a:xfrm>
+      </p:grpSpPr>
+      <p:sp>
+        <p:nvSpPr>
+          <p:cNvPr id="2" name="Заголовок 1"/>
+          <p:cNvSpPr txBox="1">
+            <a:spLocks/>
+          </p:cNvSpPr>
+          <p:nvPr/>
+        </p:nvSpPr>
+        <p:spPr>
+          <a:xfrm>
+            <a:off x="635000" y="331660"/>
+            <a:ext cx="10922000" cy="634082"/>
+          </a:xfrm>
+          <a:prstGeom prst="rect">
+            <a:avLst/>
+          </a:prstGeom>
+        </p:spPr>
+        <p:txBody>
+          <a:bodyPr>
+            <a:normAutofit fontScale="90000" lnSpcReduction="10000"/>
+          </a:bodyPr>
+          <a:lstStyle>
+            <a:lvl1pPr algn="l" defTabSz="914400" rtl="0" eaLnBrk="1" latinLnBrk="0" hangingPunct="1">
+              <a:lnSpc>
+                <a:spcPct val="90000"/>
+              </a:lnSpc>
+              <a:spcBef>
+                <a:spcPct val="0"/>
+              </a:spcBef>
+              <a:buNone/>
+              <a:defRPr sz="4400" kern="1200">
+                <a:solidFill>
+                  <a:schemeClr val="tx1"/>
+                </a:solidFill>
+                <a:latin typeface="+mj-lt"/>
+                <a:ea typeface="+mj-ea"/>
+                <a:cs typeface="+mj-cs"/>
+              </a:defRPr>
+            </a:lvl1pPr>
+          </a:lstStyle>
+          <a:p>
+            <a:pPr algn="ctr"/>
+            <a:r>
+              <a:rPr lang="uk-UA" b="1" dirty="0" smtClean="0">
+                <a:latin typeface="Times New Roman" panose="02020603050405020304" pitchFamily="18" charset="0"/>
+                <a:cs typeface="Times New Roman" panose="02020603050405020304" pitchFamily="18" charset="0"/>
+              </a:rPr>
+              <a:t>Діаграми діяльності (авторизація)</a:t>
+            </a:r>
+            <a:endParaRPr lang="uk-UA" b="1" dirty="0" smtClean="0">
+              <a:latin typeface="Times New Roman" panose="02020603050405020304" pitchFamily="18" charset="0"/>
+              <a:cs typeface="Times New Roman" panose="02020603050405020304" pitchFamily="18" charset="0"/>
+            </a:endParaRPr>
+          </a:p>
+          <a:p>
+            <a:pPr algn="ctr"/>
+            <a:endParaRPr lang="ru-RU" b="1" dirty="0">
+              <a:latin typeface="Times New Roman" panose="02020603050405020304" pitchFamily="18" charset="0"/>
+              <a:cs typeface="Times New Roman" panose="02020603050405020304" pitchFamily="18" charset="0"/>
+            </a:endParaRPr>
+          </a:p>
+        </p:txBody>
+      </p:sp>
+      <p:sp>
+        <p:nvSpPr>
+          <p:cNvPr id="4" name="Номер слайда 3"/>
+          <p:cNvSpPr>
+            <a:spLocks noGrp="1"/>
+          </p:cNvSpPr>
+          <p:nvPr>
+            <p:ph type="sldNum" sz="quarter" idx="12"/>
+          </p:nvPr>
+        </p:nvSpPr>
+        <p:spPr/>
+        <p:txBody>
+          <a:bodyPr/>
+          <a:lstStyle/>
+          <a:p>
+            <a:fld id="{E09DD669-CC1A-4D24-BC6B-97BA35B3733B}" type="slidenum">
+              <a:rPr lang="ru-RU" smtClean="0"/>
+              <a:t>17</a:t>
+            </a:fld>
+            <a:endParaRPr lang="ru-RU"/>
+          </a:p>
+        </p:txBody>
+      </p:sp>
+      <p:pic>
+        <p:nvPicPr>
+          <p:cNvPr id="3" name="Рисунок 2"/>
+          <p:cNvPicPr>
+            <a:picLocks noChangeAspect="1"/>
+          </p:cNvPicPr>
+          <p:nvPr/>
+        </p:nvPicPr>
+        <p:blipFill>
+          <a:blip r:embed="rId2"/>
+          <a:stretch>
+            <a:fillRect/>
+          </a:stretch>
+        </p:blipFill>
+        <p:spPr>
+          <a:xfrm>
+            <a:off x="634999" y="1299765"/>
+            <a:ext cx="11287992" cy="3689329"/>
+          </a:xfrm>
+          <a:prstGeom prst="rect">
+            <a:avLst/>
+          </a:prstGeom>
+        </p:spPr>
+      </p:pic>
+    </p:spTree>
+    <p:extLst>
+      <p:ext uri="{BB962C8B-B14F-4D97-AF65-F5344CB8AC3E}">
+        <p14:creationId xmlns:p14="http://schemas.microsoft.com/office/powerpoint/2010/main" val="1212097962"/>
+      </p:ext>
+    </p:extLst>
+  </p:cSld>
+  <p:clrMapOvr>
+    <a:masterClrMapping/>
+  </p:clrMapOvr>
+  <p:timing>
+    <p:tnLst>
+      <p:par>
+        <p:cTn id="1" dur="indefinite" restart="never" nodeType="tmRoot"/>
+      </p:par>
+    </p:tnLst>
+  </p:timing>
+</p:sld>
+</file>
+
+<file path=ppt/slides/slide18.xml><?xml version="1.0" encoding="utf-8"?>
+<p:sld xmlns:a="http://schemas.openxmlformats.org/drawingml/2006/main" xmlns:r="http://schemas.openxmlformats.org/officeDocument/2006/relationships" xmlns:p="http://schemas.openxmlformats.org/presentationml/2006/main">
+  <p:cSld>
+    <p:spTree>
+      <p:nvGrpSpPr>
+        <p:cNvPr id="1" name=""/>
+        <p:cNvGrpSpPr/>
+        <p:nvPr/>
+      </p:nvGrpSpPr>
+      <p:grpSpPr>
+        <a:xfrm>
+          <a:off x="0" y="0"/>
+          <a:ext cx="0" cy="0"/>
+          <a:chOff x="0" y="0"/>
+          <a:chExt cx="0" cy="0"/>
+        </a:xfrm>
+      </p:grpSpPr>
+      <p:sp>
+        <p:nvSpPr>
+          <p:cNvPr id="2" name="Заголовок 1"/>
+          <p:cNvSpPr txBox="1">
+            <a:spLocks/>
+          </p:cNvSpPr>
+          <p:nvPr/>
+        </p:nvSpPr>
+        <p:spPr>
+          <a:xfrm>
+            <a:off x="635000" y="331660"/>
+            <a:ext cx="10922000" cy="634082"/>
+          </a:xfrm>
+          <a:prstGeom prst="rect">
+            <a:avLst/>
+          </a:prstGeom>
+        </p:spPr>
+        <p:txBody>
+          <a:bodyPr>
+            <a:normAutofit fontScale="82500" lnSpcReduction="10000"/>
+          </a:bodyPr>
+          <a:lstStyle>
+            <a:lvl1pPr algn="l" defTabSz="914400" rtl="0" eaLnBrk="1" latinLnBrk="0" hangingPunct="1">
+              <a:lnSpc>
+                <a:spcPct val="90000"/>
+              </a:lnSpc>
+              <a:spcBef>
+                <a:spcPct val="0"/>
+              </a:spcBef>
+              <a:buNone/>
+              <a:defRPr sz="4400" kern="1200">
+                <a:solidFill>
+                  <a:schemeClr val="tx1"/>
+                </a:solidFill>
+                <a:latin typeface="+mj-lt"/>
+                <a:ea typeface="+mj-ea"/>
+                <a:cs typeface="+mj-cs"/>
+              </a:defRPr>
+            </a:lvl1pPr>
+          </a:lstStyle>
+          <a:p>
+            <a:pPr algn="ctr"/>
+            <a:r>
+              <a:rPr lang="uk-UA" b="1" dirty="0" smtClean="0">
+                <a:latin typeface="Times New Roman" panose="02020603050405020304" pitchFamily="18" charset="0"/>
+                <a:cs typeface="Times New Roman" panose="02020603050405020304" pitchFamily="18" charset="0"/>
+              </a:rPr>
+              <a:t>Діаграми діяльності (пошук конкретного блоку)</a:t>
+            </a:r>
+            <a:endParaRPr lang="uk-UA" b="1" dirty="0" smtClean="0">
+              <a:latin typeface="Times New Roman" panose="02020603050405020304" pitchFamily="18" charset="0"/>
+              <a:cs typeface="Times New Roman" panose="02020603050405020304" pitchFamily="18" charset="0"/>
+            </a:endParaRPr>
+          </a:p>
+          <a:p>
+            <a:pPr algn="ctr"/>
+            <a:endParaRPr lang="ru-RU" b="1" dirty="0">
+              <a:latin typeface="Times New Roman" panose="02020603050405020304" pitchFamily="18" charset="0"/>
+              <a:cs typeface="Times New Roman" panose="02020603050405020304" pitchFamily="18" charset="0"/>
+            </a:endParaRPr>
+          </a:p>
+        </p:txBody>
+      </p:sp>
+      <p:sp>
+        <p:nvSpPr>
+          <p:cNvPr id="4" name="Номер слайда 3"/>
+          <p:cNvSpPr>
+            <a:spLocks noGrp="1"/>
+          </p:cNvSpPr>
+          <p:nvPr>
+            <p:ph type="sldNum" sz="quarter" idx="12"/>
+          </p:nvPr>
+        </p:nvSpPr>
+        <p:spPr/>
+        <p:txBody>
+          <a:bodyPr/>
+          <a:lstStyle/>
+          <a:p>
+            <a:fld id="{E09DD669-CC1A-4D24-BC6B-97BA35B3733B}" type="slidenum">
+              <a:rPr lang="ru-RU" smtClean="0"/>
+              <a:t>18</a:t>
+            </a:fld>
+            <a:endParaRPr lang="ru-RU"/>
+          </a:p>
+        </p:txBody>
+      </p:sp>
+      <p:pic>
+        <p:nvPicPr>
+          <p:cNvPr id="5" name="Рисунок 4"/>
+          <p:cNvPicPr>
+            <a:picLocks noChangeAspect="1"/>
+          </p:cNvPicPr>
+          <p:nvPr/>
+        </p:nvPicPr>
+        <p:blipFill>
+          <a:blip r:embed="rId2"/>
+          <a:stretch>
+            <a:fillRect/>
+          </a:stretch>
+        </p:blipFill>
+        <p:spPr>
+          <a:xfrm>
+            <a:off x="119115" y="1312797"/>
+            <a:ext cx="11953769" cy="3949013"/>
+          </a:xfrm>
+          <a:prstGeom prst="rect">
+            <a:avLst/>
+          </a:prstGeom>
+        </p:spPr>
+      </p:pic>
+    </p:spTree>
+    <p:extLst>
+      <p:ext uri="{BB962C8B-B14F-4D97-AF65-F5344CB8AC3E}">
+        <p14:creationId xmlns:p14="http://schemas.microsoft.com/office/powerpoint/2010/main" val="454844364"/>
+      </p:ext>
+    </p:extLst>
+  </p:cSld>
+  <p:clrMapOvr>
+    <a:masterClrMapping/>
+  </p:clrMapOvr>
+  <p:timing>
+    <p:tnLst>
+      <p:par>
+        <p:cTn id="1" dur="indefinite" restart="never" nodeType="tmRoot"/>
+      </p:par>
+    </p:tnLst>
+  </p:timing>
+</p:sld>
+</file>
+
+<file path=ppt/slides/slide19.xml><?xml version="1.0" encoding="utf-8"?>
+<p:sld xmlns:a="http://schemas.openxmlformats.org/drawingml/2006/main" xmlns:r="http://schemas.openxmlformats.org/officeDocument/2006/relationships" xmlns:p="http://schemas.openxmlformats.org/presentationml/2006/main">
+  <p:cSld>
+    <p:spTree>
+      <p:nvGrpSpPr>
+        <p:cNvPr id="1" name=""/>
+        <p:cNvGrpSpPr/>
+        <p:nvPr/>
+      </p:nvGrpSpPr>
+      <p:grpSpPr>
+        <a:xfrm>
+          <a:off x="0" y="0"/>
+          <a:ext cx="0" cy="0"/>
+          <a:chOff x="0" y="0"/>
+          <a:chExt cx="0" cy="0"/>
+        </a:xfrm>
+      </p:grpSpPr>
+      <p:sp>
+        <p:nvSpPr>
+          <p:cNvPr id="2" name="Заголовок 1"/>
+          <p:cNvSpPr txBox="1">
+            <a:spLocks/>
+          </p:cNvSpPr>
+          <p:nvPr/>
+        </p:nvSpPr>
+        <p:spPr>
+          <a:xfrm>
+            <a:off x="635000" y="331660"/>
+            <a:ext cx="10922000" cy="634082"/>
+          </a:xfrm>
+          <a:prstGeom prst="rect">
+            <a:avLst/>
+          </a:prstGeom>
+        </p:spPr>
+        <p:txBody>
+          <a:bodyPr>
+            <a:normAutofit fontScale="90000" lnSpcReduction="10000"/>
+          </a:bodyPr>
+          <a:lstStyle>
+            <a:lvl1pPr algn="l" defTabSz="914400" rtl="0" eaLnBrk="1" latinLnBrk="0" hangingPunct="1">
+              <a:lnSpc>
+                <a:spcPct val="90000"/>
+              </a:lnSpc>
+              <a:spcBef>
+                <a:spcPct val="0"/>
+              </a:spcBef>
+              <a:buNone/>
+              <a:defRPr sz="4400" kern="1200">
+                <a:solidFill>
+                  <a:schemeClr val="tx1"/>
+                </a:solidFill>
+                <a:latin typeface="+mj-lt"/>
+                <a:ea typeface="+mj-ea"/>
+                <a:cs typeface="+mj-cs"/>
+              </a:defRPr>
+            </a:lvl1pPr>
+          </a:lstStyle>
+          <a:p>
+            <a:pPr algn="ctr"/>
+            <a:r>
+              <a:rPr lang="uk-UA" b="1" dirty="0" smtClean="0">
+                <a:latin typeface="Times New Roman" panose="02020603050405020304" pitchFamily="18" charset="0"/>
+                <a:cs typeface="Times New Roman" panose="02020603050405020304" pitchFamily="18" charset="0"/>
+              </a:rPr>
+              <a:t>Діаграми діяльності (додавання блока)</a:t>
+            </a:r>
+            <a:endParaRPr lang="uk-UA" b="1" dirty="0" smtClean="0">
+              <a:latin typeface="Times New Roman" panose="02020603050405020304" pitchFamily="18" charset="0"/>
+              <a:cs typeface="Times New Roman" panose="02020603050405020304" pitchFamily="18" charset="0"/>
+            </a:endParaRPr>
+          </a:p>
+          <a:p>
+            <a:pPr algn="ctr"/>
+            <a:endParaRPr lang="ru-RU" b="1" dirty="0">
+              <a:latin typeface="Times New Roman" panose="02020603050405020304" pitchFamily="18" charset="0"/>
+              <a:cs typeface="Times New Roman" panose="02020603050405020304" pitchFamily="18" charset="0"/>
+            </a:endParaRPr>
+          </a:p>
+        </p:txBody>
+      </p:sp>
+      <p:sp>
+        <p:nvSpPr>
+          <p:cNvPr id="4" name="Номер слайда 3"/>
+          <p:cNvSpPr>
+            <a:spLocks noGrp="1"/>
+          </p:cNvSpPr>
+          <p:nvPr>
+            <p:ph type="sldNum" sz="quarter" idx="12"/>
+          </p:nvPr>
+        </p:nvSpPr>
+        <p:spPr/>
+        <p:txBody>
+          <a:bodyPr/>
+          <a:lstStyle/>
+          <a:p>
+            <a:fld id="{E09DD669-CC1A-4D24-BC6B-97BA35B3733B}" type="slidenum">
+              <a:rPr lang="ru-RU" smtClean="0"/>
+              <a:t>19</a:t>
+            </a:fld>
+            <a:endParaRPr lang="ru-RU"/>
+          </a:p>
+        </p:txBody>
+      </p:sp>
+      <p:pic>
+        <p:nvPicPr>
+          <p:cNvPr id="6" name="Рисунок 5"/>
+          <p:cNvPicPr/>
+          <p:nvPr/>
+        </p:nvPicPr>
+        <p:blipFill>
+          <a:blip r:embed="rId2"/>
+          <a:stretch>
+            <a:fillRect/>
+          </a:stretch>
+        </p:blipFill>
+        <p:spPr>
+          <a:xfrm>
+            <a:off x="330199" y="965742"/>
+            <a:ext cx="11839891" cy="5082132"/>
+          </a:xfrm>
+          <a:prstGeom prst="rect">
+            <a:avLst/>
+          </a:prstGeom>
+        </p:spPr>
+      </p:pic>
+    </p:spTree>
+    <p:extLst>
+      <p:ext uri="{BB962C8B-B14F-4D97-AF65-F5344CB8AC3E}">
+        <p14:creationId xmlns:p14="http://schemas.microsoft.com/office/powerpoint/2010/main" val="1154576473"/>
       </p:ext>
     </p:extLst>
   </p:cSld>
@@ -4922,14 +5632,7 @@
                 <a:latin typeface="Times New Roman" panose="02020603050405020304" pitchFamily="18" charset="0"/>
                 <a:cs typeface="Times New Roman" panose="02020603050405020304" pitchFamily="18" charset="0"/>
               </a:rPr>
-              <a:t> </a:t>
-            </a:r>
-            <a:r>
-              <a:rPr lang="uk-UA" sz="3200" dirty="0" smtClean="0">
-                <a:latin typeface="Times New Roman" panose="02020603050405020304" pitchFamily="18" charset="0"/>
-                <a:cs typeface="Times New Roman" panose="02020603050405020304" pitchFamily="18" charset="0"/>
-              </a:rPr>
-              <a:t>даних та </a:t>
+              <a:t> даних та </a:t>
             </a:r>
           </a:p>
           <a:p>
@@ -5080,6 +5783,1879 @@
     <p:extLst>
       <p:ext uri="{BB962C8B-B14F-4D97-AF65-F5344CB8AC3E}">
         <p14:creationId xmlns:p14="http://schemas.microsoft.com/office/powerpoint/2010/main" val="3334561819"/>
+      </p:ext>
+    </p:extLst>
+  </p:cSld>
+  <p:clrMapOvr>
+    <a:masterClrMapping/>
+  </p:clrMapOvr>
+  <p:timing>
+    <p:tnLst>
+      <p:par>
+        <p:cTn id="1" dur="indefinite" restart="never" nodeType="tmRoot"/>
+      </p:par>
+    </p:tnLst>
+  </p:timing>
+</p:sld>
+</file>
+
+<file path=ppt/slides/slide20.xml><?xml version="1.0" encoding="utf-8"?>
+<p:sld xmlns:a="http://schemas.openxmlformats.org/drawingml/2006/main" xmlns:r="http://schemas.openxmlformats.org/officeDocument/2006/relationships" xmlns:p="http://schemas.openxmlformats.org/presentationml/2006/main">
+  <p:cSld>
+    <p:spTree>
+      <p:nvGrpSpPr>
+        <p:cNvPr id="1" name=""/>
+        <p:cNvGrpSpPr/>
+        <p:nvPr/>
+      </p:nvGrpSpPr>
+      <p:grpSpPr>
+        <a:xfrm>
+          <a:off x="0" y="0"/>
+          <a:ext cx="0" cy="0"/>
+          <a:chOff x="0" y="0"/>
+          <a:chExt cx="0" cy="0"/>
+        </a:xfrm>
+      </p:grpSpPr>
+      <p:sp>
+        <p:nvSpPr>
+          <p:cNvPr id="2" name="Заголовок 1"/>
+          <p:cNvSpPr txBox="1">
+            <a:spLocks/>
+          </p:cNvSpPr>
+          <p:nvPr/>
+        </p:nvSpPr>
+        <p:spPr>
+          <a:xfrm>
+            <a:off x="635000" y="331660"/>
+            <a:ext cx="10922000" cy="634082"/>
+          </a:xfrm>
+          <a:prstGeom prst="rect">
+            <a:avLst/>
+          </a:prstGeom>
+        </p:spPr>
+        <p:txBody>
+          <a:bodyPr>
+            <a:normAutofit fontScale="82500" lnSpcReduction="10000"/>
+          </a:bodyPr>
+          <a:lstStyle>
+            <a:lvl1pPr algn="l" defTabSz="914400" rtl="0" eaLnBrk="1" latinLnBrk="0" hangingPunct="1">
+              <a:lnSpc>
+                <a:spcPct val="90000"/>
+              </a:lnSpc>
+              <a:spcBef>
+                <a:spcPct val="0"/>
+              </a:spcBef>
+              <a:buNone/>
+              <a:defRPr sz="4400" kern="1200">
+                <a:solidFill>
+                  <a:schemeClr val="tx1"/>
+                </a:solidFill>
+                <a:latin typeface="+mj-lt"/>
+                <a:ea typeface="+mj-ea"/>
+                <a:cs typeface="+mj-cs"/>
+              </a:defRPr>
+            </a:lvl1pPr>
+          </a:lstStyle>
+          <a:p>
+            <a:pPr algn="ctr"/>
+            <a:r>
+              <a:rPr lang="uk-UA" b="1" dirty="0" smtClean="0">
+                <a:latin typeface="Times New Roman" panose="02020603050405020304" pitchFamily="18" charset="0"/>
+                <a:cs typeface="Times New Roman" panose="02020603050405020304" pitchFamily="18" charset="0"/>
+              </a:rPr>
+              <a:t>Діаграми діяльності (пошук блоків користувача)</a:t>
+            </a:r>
+            <a:endParaRPr lang="uk-UA" b="1" dirty="0" smtClean="0">
+              <a:latin typeface="Times New Roman" panose="02020603050405020304" pitchFamily="18" charset="0"/>
+              <a:cs typeface="Times New Roman" panose="02020603050405020304" pitchFamily="18" charset="0"/>
+            </a:endParaRPr>
+          </a:p>
+          <a:p>
+            <a:pPr algn="ctr"/>
+            <a:endParaRPr lang="ru-RU" b="1" dirty="0">
+              <a:latin typeface="Times New Roman" panose="02020603050405020304" pitchFamily="18" charset="0"/>
+              <a:cs typeface="Times New Roman" panose="02020603050405020304" pitchFamily="18" charset="0"/>
+            </a:endParaRPr>
+          </a:p>
+        </p:txBody>
+      </p:sp>
+      <p:sp>
+        <p:nvSpPr>
+          <p:cNvPr id="4" name="Номер слайда 3"/>
+          <p:cNvSpPr>
+            <a:spLocks noGrp="1"/>
+          </p:cNvSpPr>
+          <p:nvPr>
+            <p:ph type="sldNum" sz="quarter" idx="12"/>
+          </p:nvPr>
+        </p:nvSpPr>
+        <p:spPr/>
+        <p:txBody>
+          <a:bodyPr/>
+          <a:lstStyle/>
+          <a:p>
+            <a:fld id="{E09DD669-CC1A-4D24-BC6B-97BA35B3733B}" type="slidenum">
+              <a:rPr lang="ru-RU" smtClean="0"/>
+              <a:t>20</a:t>
+            </a:fld>
+            <a:endParaRPr lang="ru-RU"/>
+          </a:p>
+        </p:txBody>
+      </p:sp>
+      <p:pic>
+        <p:nvPicPr>
+          <p:cNvPr id="5" name="Рисунок 4"/>
+          <p:cNvPicPr/>
+          <p:nvPr/>
+        </p:nvPicPr>
+        <p:blipFill>
+          <a:blip r:embed="rId2"/>
+          <a:stretch>
+            <a:fillRect/>
+          </a:stretch>
+        </p:blipFill>
+        <p:spPr>
+          <a:xfrm>
+            <a:off x="275126" y="1206048"/>
+            <a:ext cx="11644157" cy="4055763"/>
+          </a:xfrm>
+          <a:prstGeom prst="rect">
+            <a:avLst/>
+          </a:prstGeom>
+        </p:spPr>
+      </p:pic>
+    </p:spTree>
+    <p:extLst>
+      <p:ext uri="{BB962C8B-B14F-4D97-AF65-F5344CB8AC3E}">
+        <p14:creationId xmlns:p14="http://schemas.microsoft.com/office/powerpoint/2010/main" val="4243798119"/>
+      </p:ext>
+    </p:extLst>
+  </p:cSld>
+  <p:clrMapOvr>
+    <a:masterClrMapping/>
+  </p:clrMapOvr>
+  <p:timing>
+    <p:tnLst>
+      <p:par>
+        <p:cTn id="1" dur="indefinite" restart="never" nodeType="tmRoot"/>
+      </p:par>
+    </p:tnLst>
+  </p:timing>
+</p:sld>
+</file>
+
+<file path=ppt/slides/slide21.xml><?xml version="1.0" encoding="utf-8"?>
+<p:sld xmlns:a="http://schemas.openxmlformats.org/drawingml/2006/main" xmlns:r="http://schemas.openxmlformats.org/officeDocument/2006/relationships" xmlns:p="http://schemas.openxmlformats.org/presentationml/2006/main">
+  <p:cSld>
+    <p:spTree>
+      <p:nvGrpSpPr>
+        <p:cNvPr id="1" name=""/>
+        <p:cNvGrpSpPr/>
+        <p:nvPr/>
+      </p:nvGrpSpPr>
+      <p:grpSpPr>
+        <a:xfrm>
+          <a:off x="0" y="0"/>
+          <a:ext cx="0" cy="0"/>
+          <a:chOff x="0" y="0"/>
+          <a:chExt cx="0" cy="0"/>
+        </a:xfrm>
+      </p:grpSpPr>
+      <p:sp>
+        <p:nvSpPr>
+          <p:cNvPr id="2" name="Заголовок 1"/>
+          <p:cNvSpPr txBox="1">
+            <a:spLocks/>
+          </p:cNvSpPr>
+          <p:nvPr/>
+        </p:nvSpPr>
+        <p:spPr>
+          <a:xfrm>
+            <a:off x="635000" y="331660"/>
+            <a:ext cx="10922000" cy="634082"/>
+          </a:xfrm>
+          <a:prstGeom prst="rect">
+            <a:avLst/>
+          </a:prstGeom>
+        </p:spPr>
+        <p:txBody>
+          <a:bodyPr>
+            <a:normAutofit fontScale="90000" lnSpcReduction="10000"/>
+          </a:bodyPr>
+          <a:lstStyle>
+            <a:lvl1pPr algn="l" defTabSz="914400" rtl="0" eaLnBrk="1" latinLnBrk="0" hangingPunct="1">
+              <a:lnSpc>
+                <a:spcPct val="90000"/>
+              </a:lnSpc>
+              <a:spcBef>
+                <a:spcPct val="0"/>
+              </a:spcBef>
+              <a:buNone/>
+              <a:defRPr sz="4400" kern="1200">
+                <a:solidFill>
+                  <a:schemeClr val="tx1"/>
+                </a:solidFill>
+                <a:latin typeface="+mj-lt"/>
+                <a:ea typeface="+mj-ea"/>
+                <a:cs typeface="+mj-cs"/>
+              </a:defRPr>
+            </a:lvl1pPr>
+          </a:lstStyle>
+          <a:p>
+            <a:pPr algn="ctr"/>
+            <a:r>
+              <a:rPr lang="uk-UA" b="1" dirty="0" smtClean="0">
+                <a:latin typeface="Times New Roman" panose="02020603050405020304" pitchFamily="18" charset="0"/>
+                <a:cs typeface="Times New Roman" panose="02020603050405020304" pitchFamily="18" charset="0"/>
+              </a:rPr>
+              <a:t>Локальне сховище</a:t>
+            </a:r>
+            <a:endParaRPr lang="uk-UA" b="1" dirty="0" smtClean="0">
+              <a:latin typeface="Times New Roman" panose="02020603050405020304" pitchFamily="18" charset="0"/>
+              <a:cs typeface="Times New Roman" panose="02020603050405020304" pitchFamily="18" charset="0"/>
+            </a:endParaRPr>
+          </a:p>
+          <a:p>
+            <a:pPr algn="ctr"/>
+            <a:endParaRPr lang="ru-RU" b="1" dirty="0">
+              <a:latin typeface="Times New Roman" panose="02020603050405020304" pitchFamily="18" charset="0"/>
+              <a:cs typeface="Times New Roman" panose="02020603050405020304" pitchFamily="18" charset="0"/>
+            </a:endParaRPr>
+          </a:p>
+        </p:txBody>
+      </p:sp>
+      <p:sp>
+        <p:nvSpPr>
+          <p:cNvPr id="4" name="Номер слайда 3"/>
+          <p:cNvSpPr>
+            <a:spLocks noGrp="1"/>
+          </p:cNvSpPr>
+          <p:nvPr>
+            <p:ph type="sldNum" sz="quarter" idx="12"/>
+          </p:nvPr>
+        </p:nvSpPr>
+        <p:spPr/>
+        <p:txBody>
+          <a:bodyPr/>
+          <a:lstStyle/>
+          <a:p>
+            <a:fld id="{E09DD669-CC1A-4D24-BC6B-97BA35B3733B}" type="slidenum">
+              <a:rPr lang="ru-RU" smtClean="0"/>
+              <a:t>21</a:t>
+            </a:fld>
+            <a:endParaRPr lang="ru-RU"/>
+          </a:p>
+        </p:txBody>
+      </p:sp>
+      <p:pic>
+        <p:nvPicPr>
+          <p:cNvPr id="6" name="Рисунок 5"/>
+          <p:cNvPicPr/>
+          <p:nvPr/>
+        </p:nvPicPr>
+        <p:blipFill>
+          <a:blip r:embed="rId2"/>
+          <a:stretch>
+            <a:fillRect/>
+          </a:stretch>
+        </p:blipFill>
+        <p:spPr>
+          <a:xfrm>
+            <a:off x="3962399" y="3017606"/>
+            <a:ext cx="4267200" cy="3521306"/>
+          </a:xfrm>
+          <a:prstGeom prst="rect">
+            <a:avLst/>
+          </a:prstGeom>
+        </p:spPr>
+      </p:pic>
+      <p:sp>
+        <p:nvSpPr>
+          <p:cNvPr id="3" name="TextBox 2"/>
+          <p:cNvSpPr txBox="1"/>
+          <p:nvPr/>
+        </p:nvSpPr>
+        <p:spPr>
+          <a:xfrm>
+            <a:off x="505326" y="954676"/>
+            <a:ext cx="11181347" cy="1815882"/>
+          </a:xfrm>
+          <a:prstGeom prst="rect">
+            <a:avLst/>
+          </a:prstGeom>
+          <a:noFill/>
+        </p:spPr>
+        <p:txBody>
+          <a:bodyPr wrap="square" rtlCol="0">
+            <a:spAutoFit/>
+          </a:bodyPr>
+          <a:lstStyle/>
+          <a:p>
+            <a:r>
+              <a:rPr lang="uk-UA" sz="2800" dirty="0" smtClean="0"/>
+              <a:t>Сховище генерується автоматично за допомогою </a:t>
+            </a:r>
+            <a:r>
+              <a:rPr lang="en-US" sz="2800" dirty="0" smtClean="0"/>
+              <a:t>Entity Framework</a:t>
+            </a:r>
+            <a:r>
+              <a:rPr lang="uk-UA" sz="2800" dirty="0" smtClean="0"/>
+              <a:t>.</a:t>
+            </a:r>
+          </a:p>
+          <a:p>
+            <a:r>
+              <a:rPr lang="uk-UA" sz="2800" dirty="0" smtClean="0"/>
+              <a:t>Доступ до сховища здійснюється за допомогою цього ж фрейм ворку, та спеціально створеного в ході розробки  </a:t>
+            </a:r>
+            <a:r>
+              <a:rPr lang="en-US" sz="2800" dirty="0" smtClean="0"/>
+              <a:t>API</a:t>
+            </a:r>
+            <a:r>
+              <a:rPr lang="uk-UA" sz="2800" dirty="0" smtClean="0"/>
+              <a:t>.</a:t>
+            </a:r>
+          </a:p>
+          <a:p>
+            <a:r>
+              <a:rPr lang="uk-UA" sz="2800" dirty="0" smtClean="0"/>
+              <a:t>Сховище містить в собі список усіх блоків.</a:t>
+            </a:r>
+          </a:p>
+        </p:txBody>
+      </p:sp>
+    </p:spTree>
+    <p:extLst>
+      <p:ext uri="{BB962C8B-B14F-4D97-AF65-F5344CB8AC3E}">
+        <p14:creationId xmlns:p14="http://schemas.microsoft.com/office/powerpoint/2010/main" val="2424066387"/>
+      </p:ext>
+    </p:extLst>
+  </p:cSld>
+  <p:clrMapOvr>
+    <a:masterClrMapping/>
+  </p:clrMapOvr>
+  <p:timing>
+    <p:tnLst>
+      <p:par>
+        <p:cTn id="1" dur="indefinite" restart="never" nodeType="tmRoot"/>
+      </p:par>
+    </p:tnLst>
+  </p:timing>
+</p:sld>
+</file>
+
+<file path=ppt/slides/slide22.xml><?xml version="1.0" encoding="utf-8"?>
+<p:sld xmlns:a="http://schemas.openxmlformats.org/drawingml/2006/main" xmlns:r="http://schemas.openxmlformats.org/officeDocument/2006/relationships" xmlns:p="http://schemas.openxmlformats.org/presentationml/2006/main">
+  <p:cSld>
+    <p:spTree>
+      <p:nvGrpSpPr>
+        <p:cNvPr id="1" name=""/>
+        <p:cNvGrpSpPr/>
+        <p:nvPr/>
+      </p:nvGrpSpPr>
+      <p:grpSpPr>
+        <a:xfrm>
+          <a:off x="0" y="0"/>
+          <a:ext cx="0" cy="0"/>
+          <a:chOff x="0" y="0"/>
+          <a:chExt cx="0" cy="0"/>
+        </a:xfrm>
+      </p:grpSpPr>
+      <p:sp>
+        <p:nvSpPr>
+          <p:cNvPr id="2" name="Заголовок 1"/>
+          <p:cNvSpPr txBox="1">
+            <a:spLocks/>
+          </p:cNvSpPr>
+          <p:nvPr/>
+        </p:nvSpPr>
+        <p:spPr>
+          <a:xfrm>
+            <a:off x="635000" y="331660"/>
+            <a:ext cx="10922000" cy="634082"/>
+          </a:xfrm>
+          <a:prstGeom prst="rect">
+            <a:avLst/>
+          </a:prstGeom>
+        </p:spPr>
+        <p:txBody>
+          <a:bodyPr>
+            <a:normAutofit fontScale="82500" lnSpcReduction="10000"/>
+          </a:bodyPr>
+          <a:lstStyle>
+            <a:lvl1pPr algn="l" defTabSz="914400" rtl="0" eaLnBrk="1" latinLnBrk="0" hangingPunct="1">
+              <a:lnSpc>
+                <a:spcPct val="90000"/>
+              </a:lnSpc>
+              <a:spcBef>
+                <a:spcPct val="0"/>
+              </a:spcBef>
+              <a:buNone/>
+              <a:defRPr sz="4400" kern="1200">
+                <a:solidFill>
+                  <a:schemeClr val="tx1"/>
+                </a:solidFill>
+                <a:latin typeface="+mj-lt"/>
+                <a:ea typeface="+mj-ea"/>
+                <a:cs typeface="+mj-cs"/>
+              </a:defRPr>
+            </a:lvl1pPr>
+          </a:lstStyle>
+          <a:p>
+            <a:pPr algn="ctr"/>
+            <a:r>
+              <a:rPr lang="uk-UA" b="1" dirty="0" smtClean="0">
+                <a:latin typeface="Times New Roman" panose="02020603050405020304" pitchFamily="18" charset="0"/>
+                <a:cs typeface="Times New Roman" panose="02020603050405020304" pitchFamily="18" charset="0"/>
+              </a:rPr>
+              <a:t>Інтерфейс взаємодії </a:t>
+            </a:r>
+            <a:r>
+              <a:rPr lang="uk-UA" b="1" dirty="0">
+                <a:latin typeface="Times New Roman" panose="02020603050405020304" pitchFamily="18" charset="0"/>
+                <a:cs typeface="Times New Roman" panose="02020603050405020304" pitchFamily="18" charset="0"/>
+              </a:rPr>
+              <a:t>(</a:t>
+            </a:r>
+            <a:r>
+              <a:rPr lang="uk-UA" b="1" dirty="0" err="1" smtClean="0">
+                <a:latin typeface="Times New Roman" panose="02020603050405020304" pitchFamily="18" charset="0"/>
+                <a:cs typeface="Times New Roman" panose="02020603050405020304" pitchFamily="18" charset="0"/>
+              </a:rPr>
+              <a:t>регістрація</a:t>
+            </a:r>
+            <a:r>
+              <a:rPr lang="uk-UA" b="1" dirty="0" smtClean="0">
+                <a:latin typeface="Times New Roman" panose="02020603050405020304" pitchFamily="18" charset="0"/>
+                <a:cs typeface="Times New Roman" panose="02020603050405020304" pitchFamily="18" charset="0"/>
+              </a:rPr>
+              <a:t> та авторизація) </a:t>
+            </a:r>
+            <a:endParaRPr lang="uk-UA" b="1" dirty="0" smtClean="0">
+              <a:latin typeface="Times New Roman" panose="02020603050405020304" pitchFamily="18" charset="0"/>
+              <a:cs typeface="Times New Roman" panose="02020603050405020304" pitchFamily="18" charset="0"/>
+            </a:endParaRPr>
+          </a:p>
+          <a:p>
+            <a:pPr algn="ctr"/>
+            <a:endParaRPr lang="ru-RU" b="1" dirty="0">
+              <a:latin typeface="Times New Roman" panose="02020603050405020304" pitchFamily="18" charset="0"/>
+              <a:cs typeface="Times New Roman" panose="02020603050405020304" pitchFamily="18" charset="0"/>
+            </a:endParaRPr>
+          </a:p>
+        </p:txBody>
+      </p:sp>
+      <p:sp>
+        <p:nvSpPr>
+          <p:cNvPr id="4" name="Номер слайда 3"/>
+          <p:cNvSpPr>
+            <a:spLocks noGrp="1"/>
+          </p:cNvSpPr>
+          <p:nvPr>
+            <p:ph type="sldNum" sz="quarter" idx="12"/>
+          </p:nvPr>
+        </p:nvSpPr>
+        <p:spPr/>
+        <p:txBody>
+          <a:bodyPr/>
+          <a:lstStyle/>
+          <a:p>
+            <a:fld id="{E09DD669-CC1A-4D24-BC6B-97BA35B3733B}" type="slidenum">
+              <a:rPr lang="ru-RU" smtClean="0"/>
+              <a:t>22</a:t>
+            </a:fld>
+            <a:endParaRPr lang="ru-RU"/>
+          </a:p>
+        </p:txBody>
+      </p:sp>
+      <p:pic>
+        <p:nvPicPr>
+          <p:cNvPr id="7" name="Рисунок 6"/>
+          <p:cNvPicPr/>
+          <p:nvPr/>
+        </p:nvPicPr>
+        <p:blipFill>
+          <a:blip r:embed="rId2"/>
+          <a:stretch>
+            <a:fillRect/>
+          </a:stretch>
+        </p:blipFill>
+        <p:spPr>
+          <a:xfrm>
+            <a:off x="635000" y="1513299"/>
+            <a:ext cx="4915569" cy="3661165"/>
+          </a:xfrm>
+          <a:prstGeom prst="rect">
+            <a:avLst/>
+          </a:prstGeom>
+        </p:spPr>
+      </p:pic>
+      <p:pic>
+        <p:nvPicPr>
+          <p:cNvPr id="8" name="Рисунок 7"/>
+          <p:cNvPicPr/>
+          <p:nvPr/>
+        </p:nvPicPr>
+        <p:blipFill>
+          <a:blip r:embed="rId3"/>
+          <a:stretch>
+            <a:fillRect/>
+          </a:stretch>
+        </p:blipFill>
+        <p:spPr>
+          <a:xfrm>
+            <a:off x="6186978" y="1516864"/>
+            <a:ext cx="5370022" cy="3657600"/>
+          </a:xfrm>
+          <a:prstGeom prst="rect">
+            <a:avLst/>
+          </a:prstGeom>
+        </p:spPr>
+      </p:pic>
+    </p:spTree>
+    <p:extLst>
+      <p:ext uri="{BB962C8B-B14F-4D97-AF65-F5344CB8AC3E}">
+        <p14:creationId xmlns:p14="http://schemas.microsoft.com/office/powerpoint/2010/main" val="452036412"/>
+      </p:ext>
+    </p:extLst>
+  </p:cSld>
+  <p:clrMapOvr>
+    <a:masterClrMapping/>
+  </p:clrMapOvr>
+  <p:timing>
+    <p:tnLst>
+      <p:par>
+        <p:cTn id="1" dur="indefinite" restart="never" nodeType="tmRoot"/>
+      </p:par>
+    </p:tnLst>
+  </p:timing>
+</p:sld>
+</file>
+
+<file path=ppt/slides/slide23.xml><?xml version="1.0" encoding="utf-8"?>
+<p:sld xmlns:a="http://schemas.openxmlformats.org/drawingml/2006/main" xmlns:r="http://schemas.openxmlformats.org/officeDocument/2006/relationships" xmlns:p="http://schemas.openxmlformats.org/presentationml/2006/main">
+  <p:cSld>
+    <p:spTree>
+      <p:nvGrpSpPr>
+        <p:cNvPr id="1" name=""/>
+        <p:cNvGrpSpPr/>
+        <p:nvPr/>
+      </p:nvGrpSpPr>
+      <p:grpSpPr>
+        <a:xfrm>
+          <a:off x="0" y="0"/>
+          <a:ext cx="0" cy="0"/>
+          <a:chOff x="0" y="0"/>
+          <a:chExt cx="0" cy="0"/>
+        </a:xfrm>
+      </p:grpSpPr>
+      <p:sp>
+        <p:nvSpPr>
+          <p:cNvPr id="2" name="Заголовок 1"/>
+          <p:cNvSpPr txBox="1">
+            <a:spLocks/>
+          </p:cNvSpPr>
+          <p:nvPr/>
+        </p:nvSpPr>
+        <p:spPr>
+          <a:xfrm>
+            <a:off x="635000" y="331660"/>
+            <a:ext cx="10922000" cy="634082"/>
+          </a:xfrm>
+          <a:prstGeom prst="rect">
+            <a:avLst/>
+          </a:prstGeom>
+        </p:spPr>
+        <p:txBody>
+          <a:bodyPr>
+            <a:normAutofit fontScale="90000" lnSpcReduction="10000"/>
+          </a:bodyPr>
+          <a:lstStyle>
+            <a:lvl1pPr algn="l" defTabSz="914400" rtl="0" eaLnBrk="1" latinLnBrk="0" hangingPunct="1">
+              <a:lnSpc>
+                <a:spcPct val="90000"/>
+              </a:lnSpc>
+              <a:spcBef>
+                <a:spcPct val="0"/>
+              </a:spcBef>
+              <a:buNone/>
+              <a:defRPr sz="4400" kern="1200">
+                <a:solidFill>
+                  <a:schemeClr val="tx1"/>
+                </a:solidFill>
+                <a:latin typeface="+mj-lt"/>
+                <a:ea typeface="+mj-ea"/>
+                <a:cs typeface="+mj-cs"/>
+              </a:defRPr>
+            </a:lvl1pPr>
+          </a:lstStyle>
+          <a:p>
+            <a:pPr algn="ctr"/>
+            <a:r>
+              <a:rPr lang="uk-UA" b="1" dirty="0" smtClean="0">
+                <a:latin typeface="Times New Roman" panose="02020603050405020304" pitchFamily="18" charset="0"/>
+                <a:cs typeface="Times New Roman" panose="02020603050405020304" pitchFamily="18" charset="0"/>
+              </a:rPr>
+              <a:t>Інтерфейс взаємодії з </a:t>
+            </a:r>
+            <a:r>
+              <a:rPr lang="uk-UA" b="1" dirty="0" err="1" smtClean="0">
+                <a:latin typeface="Times New Roman" panose="02020603050405020304" pitchFamily="18" charset="0"/>
+                <a:cs typeface="Times New Roman" panose="02020603050405020304" pitchFamily="18" charset="0"/>
+              </a:rPr>
+              <a:t>блокчейном</a:t>
+            </a:r>
+            <a:endParaRPr lang="uk-UA" b="1" dirty="0" smtClean="0">
+              <a:latin typeface="Times New Roman" panose="02020603050405020304" pitchFamily="18" charset="0"/>
+              <a:cs typeface="Times New Roman" panose="02020603050405020304" pitchFamily="18" charset="0"/>
+            </a:endParaRPr>
+          </a:p>
+          <a:p>
+            <a:pPr algn="ctr"/>
+            <a:endParaRPr lang="ru-RU" b="1" dirty="0">
+              <a:latin typeface="Times New Roman" panose="02020603050405020304" pitchFamily="18" charset="0"/>
+              <a:cs typeface="Times New Roman" panose="02020603050405020304" pitchFamily="18" charset="0"/>
+            </a:endParaRPr>
+          </a:p>
+        </p:txBody>
+      </p:sp>
+      <p:sp>
+        <p:nvSpPr>
+          <p:cNvPr id="4" name="Номер слайда 3"/>
+          <p:cNvSpPr>
+            <a:spLocks noGrp="1"/>
+          </p:cNvSpPr>
+          <p:nvPr>
+            <p:ph type="sldNum" sz="quarter" idx="12"/>
+          </p:nvPr>
+        </p:nvSpPr>
+        <p:spPr/>
+        <p:txBody>
+          <a:bodyPr/>
+          <a:lstStyle/>
+          <a:p>
+            <a:fld id="{E09DD669-CC1A-4D24-BC6B-97BA35B3733B}" type="slidenum">
+              <a:rPr lang="ru-RU" smtClean="0"/>
+              <a:t>23</a:t>
+            </a:fld>
+            <a:endParaRPr lang="ru-RU"/>
+          </a:p>
+        </p:txBody>
+      </p:sp>
+      <p:pic>
+        <p:nvPicPr>
+          <p:cNvPr id="6" name="Рисунок 5"/>
+          <p:cNvPicPr/>
+          <p:nvPr/>
+        </p:nvPicPr>
+        <p:blipFill>
+          <a:blip r:embed="rId2"/>
+          <a:stretch>
+            <a:fillRect/>
+          </a:stretch>
+        </p:blipFill>
+        <p:spPr>
+          <a:xfrm>
+            <a:off x="1595006" y="965742"/>
+            <a:ext cx="9001988" cy="5390608"/>
+          </a:xfrm>
+          <a:prstGeom prst="rect">
+            <a:avLst/>
+          </a:prstGeom>
+        </p:spPr>
+      </p:pic>
+    </p:spTree>
+    <p:extLst>
+      <p:ext uri="{BB962C8B-B14F-4D97-AF65-F5344CB8AC3E}">
+        <p14:creationId xmlns:p14="http://schemas.microsoft.com/office/powerpoint/2010/main" val="4158121222"/>
+      </p:ext>
+    </p:extLst>
+  </p:cSld>
+  <p:clrMapOvr>
+    <a:masterClrMapping/>
+  </p:clrMapOvr>
+  <p:timing>
+    <p:tnLst>
+      <p:par>
+        <p:cTn id="1" dur="indefinite" restart="never" nodeType="tmRoot"/>
+      </p:par>
+    </p:tnLst>
+  </p:timing>
+</p:sld>
+</file>
+
+<file path=ppt/slides/slide24.xml><?xml version="1.0" encoding="utf-8"?>
+<p:sld xmlns:a="http://schemas.openxmlformats.org/drawingml/2006/main" xmlns:r="http://schemas.openxmlformats.org/officeDocument/2006/relationships" xmlns:p="http://schemas.openxmlformats.org/presentationml/2006/main">
+  <p:cSld>
+    <p:spTree>
+      <p:nvGrpSpPr>
+        <p:cNvPr id="1" name=""/>
+        <p:cNvGrpSpPr/>
+        <p:nvPr/>
+      </p:nvGrpSpPr>
+      <p:grpSpPr>
+        <a:xfrm>
+          <a:off x="0" y="0"/>
+          <a:ext cx="0" cy="0"/>
+          <a:chOff x="0" y="0"/>
+          <a:chExt cx="0" cy="0"/>
+        </a:xfrm>
+      </p:grpSpPr>
+      <p:sp>
+        <p:nvSpPr>
+          <p:cNvPr id="2" name="Заголовок 1"/>
+          <p:cNvSpPr txBox="1">
+            <a:spLocks/>
+          </p:cNvSpPr>
+          <p:nvPr/>
+        </p:nvSpPr>
+        <p:spPr>
+          <a:xfrm>
+            <a:off x="635000" y="331660"/>
+            <a:ext cx="10922000" cy="634082"/>
+          </a:xfrm>
+          <a:prstGeom prst="rect">
+            <a:avLst/>
+          </a:prstGeom>
+        </p:spPr>
+        <p:txBody>
+          <a:bodyPr>
+            <a:normAutofit fontScale="90000" lnSpcReduction="10000"/>
+          </a:bodyPr>
+          <a:lstStyle>
+            <a:lvl1pPr algn="l" defTabSz="914400" rtl="0" eaLnBrk="1" latinLnBrk="0" hangingPunct="1">
+              <a:lnSpc>
+                <a:spcPct val="90000"/>
+              </a:lnSpc>
+              <a:spcBef>
+                <a:spcPct val="0"/>
+              </a:spcBef>
+              <a:buNone/>
+              <a:defRPr sz="4400" kern="1200">
+                <a:solidFill>
+                  <a:schemeClr val="tx1"/>
+                </a:solidFill>
+                <a:latin typeface="+mj-lt"/>
+                <a:ea typeface="+mj-ea"/>
+                <a:cs typeface="+mj-cs"/>
+              </a:defRPr>
+            </a:lvl1pPr>
+          </a:lstStyle>
+          <a:p>
+            <a:pPr algn="ctr"/>
+            <a:r>
+              <a:rPr lang="uk-UA" b="1" dirty="0" smtClean="0">
+                <a:latin typeface="Times New Roman" panose="02020603050405020304" pitchFamily="18" charset="0"/>
+                <a:cs typeface="Times New Roman" panose="02020603050405020304" pitchFamily="18" charset="0"/>
+              </a:rPr>
+              <a:t>Інтерфейс взаємодії з результатами пошуку</a:t>
+            </a:r>
+            <a:endParaRPr lang="uk-UA" b="1" dirty="0" smtClean="0">
+              <a:latin typeface="Times New Roman" panose="02020603050405020304" pitchFamily="18" charset="0"/>
+              <a:cs typeface="Times New Roman" panose="02020603050405020304" pitchFamily="18" charset="0"/>
+            </a:endParaRPr>
+          </a:p>
+          <a:p>
+            <a:pPr algn="ctr"/>
+            <a:endParaRPr lang="ru-RU" b="1" dirty="0">
+              <a:latin typeface="Times New Roman" panose="02020603050405020304" pitchFamily="18" charset="0"/>
+              <a:cs typeface="Times New Roman" panose="02020603050405020304" pitchFamily="18" charset="0"/>
+            </a:endParaRPr>
+          </a:p>
+        </p:txBody>
+      </p:sp>
+      <p:sp>
+        <p:nvSpPr>
+          <p:cNvPr id="4" name="Номер слайда 3"/>
+          <p:cNvSpPr>
+            <a:spLocks noGrp="1"/>
+          </p:cNvSpPr>
+          <p:nvPr>
+            <p:ph type="sldNum" sz="quarter" idx="12"/>
+          </p:nvPr>
+        </p:nvSpPr>
+        <p:spPr/>
+        <p:txBody>
+          <a:bodyPr/>
+          <a:lstStyle/>
+          <a:p>
+            <a:fld id="{E09DD669-CC1A-4D24-BC6B-97BA35B3733B}" type="slidenum">
+              <a:rPr lang="ru-RU" smtClean="0"/>
+              <a:t>24</a:t>
+            </a:fld>
+            <a:endParaRPr lang="ru-RU"/>
+          </a:p>
+        </p:txBody>
+      </p:sp>
+      <p:pic>
+        <p:nvPicPr>
+          <p:cNvPr id="5" name="Рисунок 4"/>
+          <p:cNvPicPr/>
+          <p:nvPr/>
+        </p:nvPicPr>
+        <p:blipFill>
+          <a:blip r:embed="rId2"/>
+          <a:stretch>
+            <a:fillRect/>
+          </a:stretch>
+        </p:blipFill>
+        <p:spPr>
+          <a:xfrm>
+            <a:off x="1619041" y="905001"/>
+            <a:ext cx="8953918" cy="5512091"/>
+          </a:xfrm>
+          <a:prstGeom prst="rect">
+            <a:avLst/>
+          </a:prstGeom>
+        </p:spPr>
+      </p:pic>
+    </p:spTree>
+    <p:extLst>
+      <p:ext uri="{BB962C8B-B14F-4D97-AF65-F5344CB8AC3E}">
+        <p14:creationId xmlns:p14="http://schemas.microsoft.com/office/powerpoint/2010/main" val="2139063128"/>
+      </p:ext>
+    </p:extLst>
+  </p:cSld>
+  <p:clrMapOvr>
+    <a:masterClrMapping/>
+  </p:clrMapOvr>
+  <p:timing>
+    <p:tnLst>
+      <p:par>
+        <p:cTn id="1" dur="indefinite" restart="never" nodeType="tmRoot"/>
+      </p:par>
+    </p:tnLst>
+  </p:timing>
+</p:sld>
+</file>
+
+<file path=ppt/slides/slide25.xml><?xml version="1.0" encoding="utf-8"?>
+<p:sld xmlns:a="http://schemas.openxmlformats.org/drawingml/2006/main" xmlns:r="http://schemas.openxmlformats.org/officeDocument/2006/relationships" xmlns:p="http://schemas.openxmlformats.org/presentationml/2006/main">
+  <p:cSld>
+    <p:spTree>
+      <p:nvGrpSpPr>
+        <p:cNvPr id="1" name=""/>
+        <p:cNvGrpSpPr/>
+        <p:nvPr/>
+      </p:nvGrpSpPr>
+      <p:grpSpPr>
+        <a:xfrm>
+          <a:off x="0" y="0"/>
+          <a:ext cx="0" cy="0"/>
+          <a:chOff x="0" y="0"/>
+          <a:chExt cx="0" cy="0"/>
+        </a:xfrm>
+      </p:grpSpPr>
+      <p:sp>
+        <p:nvSpPr>
+          <p:cNvPr id="2" name="Заголовок 1"/>
+          <p:cNvSpPr txBox="1">
+            <a:spLocks/>
+          </p:cNvSpPr>
+          <p:nvPr/>
+        </p:nvSpPr>
+        <p:spPr>
+          <a:xfrm>
+            <a:off x="635000" y="331660"/>
+            <a:ext cx="10922000" cy="634082"/>
+          </a:xfrm>
+          <a:prstGeom prst="rect">
+            <a:avLst/>
+          </a:prstGeom>
+        </p:spPr>
+        <p:txBody>
+          <a:bodyPr>
+            <a:normAutofit fontScale="90000" lnSpcReduction="10000"/>
+          </a:bodyPr>
+          <a:lstStyle>
+            <a:lvl1pPr algn="l" defTabSz="914400" rtl="0" eaLnBrk="1" latinLnBrk="0" hangingPunct="1">
+              <a:lnSpc>
+                <a:spcPct val="90000"/>
+              </a:lnSpc>
+              <a:spcBef>
+                <a:spcPct val="0"/>
+              </a:spcBef>
+              <a:buNone/>
+              <a:defRPr sz="4400" kern="1200">
+                <a:solidFill>
+                  <a:schemeClr val="tx1"/>
+                </a:solidFill>
+                <a:latin typeface="+mj-lt"/>
+                <a:ea typeface="+mj-ea"/>
+                <a:cs typeface="+mj-cs"/>
+              </a:defRPr>
+            </a:lvl1pPr>
+          </a:lstStyle>
+          <a:p>
+            <a:pPr algn="ctr"/>
+            <a:r>
+              <a:rPr lang="uk-UA" b="1" dirty="0" smtClean="0">
+                <a:latin typeface="Times New Roman" panose="02020603050405020304" pitchFamily="18" charset="0"/>
+                <a:cs typeface="Times New Roman" panose="02020603050405020304" pitchFamily="18" charset="0"/>
+              </a:rPr>
+              <a:t>Тестування</a:t>
+            </a:r>
+            <a:endParaRPr lang="uk-UA" b="1" dirty="0" smtClean="0">
+              <a:latin typeface="Times New Roman" panose="02020603050405020304" pitchFamily="18" charset="0"/>
+              <a:cs typeface="Times New Roman" panose="02020603050405020304" pitchFamily="18" charset="0"/>
+            </a:endParaRPr>
+          </a:p>
+          <a:p>
+            <a:pPr algn="ctr"/>
+            <a:endParaRPr lang="ru-RU" b="1" dirty="0">
+              <a:latin typeface="Times New Roman" panose="02020603050405020304" pitchFamily="18" charset="0"/>
+              <a:cs typeface="Times New Roman" panose="02020603050405020304" pitchFamily="18" charset="0"/>
+            </a:endParaRPr>
+          </a:p>
+        </p:txBody>
+      </p:sp>
+      <p:sp>
+        <p:nvSpPr>
+          <p:cNvPr id="4" name="Номер слайда 3"/>
+          <p:cNvSpPr>
+            <a:spLocks noGrp="1"/>
+          </p:cNvSpPr>
+          <p:nvPr>
+            <p:ph type="sldNum" sz="quarter" idx="12"/>
+          </p:nvPr>
+        </p:nvSpPr>
+        <p:spPr/>
+        <p:txBody>
+          <a:bodyPr/>
+          <a:lstStyle/>
+          <a:p>
+            <a:fld id="{E09DD669-CC1A-4D24-BC6B-97BA35B3733B}" type="slidenum">
+              <a:rPr lang="ru-RU" smtClean="0"/>
+              <a:t>25</a:t>
+            </a:fld>
+            <a:endParaRPr lang="ru-RU"/>
+          </a:p>
+        </p:txBody>
+      </p:sp>
+      <p:pic>
+        <p:nvPicPr>
+          <p:cNvPr id="6" name="Рисунок 5"/>
+          <p:cNvPicPr/>
+          <p:nvPr/>
+        </p:nvPicPr>
+        <p:blipFill>
+          <a:blip r:embed="rId2"/>
+          <a:stretch>
+            <a:fillRect/>
+          </a:stretch>
+        </p:blipFill>
+        <p:spPr>
+          <a:xfrm>
+            <a:off x="3154279" y="3166812"/>
+            <a:ext cx="5883442" cy="2957430"/>
+          </a:xfrm>
+          <a:prstGeom prst="rect">
+            <a:avLst/>
+          </a:prstGeom>
+        </p:spPr>
+      </p:pic>
+      <p:sp>
+        <p:nvSpPr>
+          <p:cNvPr id="3" name="TextBox 2"/>
+          <p:cNvSpPr txBox="1"/>
+          <p:nvPr/>
+        </p:nvSpPr>
+        <p:spPr>
+          <a:xfrm>
+            <a:off x="426435" y="1106905"/>
+            <a:ext cx="11339130" cy="1569660"/>
+          </a:xfrm>
+          <a:prstGeom prst="rect">
+            <a:avLst/>
+          </a:prstGeom>
+          <a:noFill/>
+        </p:spPr>
+        <p:txBody>
+          <a:bodyPr wrap="none" rtlCol="0">
+            <a:spAutoFit/>
+          </a:bodyPr>
+          <a:lstStyle/>
+          <a:p>
+            <a:r>
+              <a:rPr lang="uk-UA" sz="3200" dirty="0" smtClean="0"/>
+              <a:t>При тестуванні були проведені модульні тести.</a:t>
+            </a:r>
+          </a:p>
+          <a:p>
+            <a:r>
+              <a:rPr lang="uk-UA" sz="3200" dirty="0" smtClean="0"/>
+              <a:t>Також було проведено функціональні та нефункціональні тести,</a:t>
+            </a:r>
+          </a:p>
+          <a:p>
+            <a:r>
+              <a:rPr lang="uk-UA" sz="3200" dirty="0"/>
+              <a:t> </a:t>
+            </a:r>
+            <a:r>
+              <a:rPr lang="uk-UA" sz="3200" dirty="0" smtClean="0"/>
+              <a:t>що мають на меті перевірити чи відповідає ПЗ на вимоги.</a:t>
+            </a:r>
+            <a:endParaRPr lang="ru-RU" sz="3200" dirty="0"/>
+          </a:p>
+        </p:txBody>
+      </p:sp>
+    </p:spTree>
+    <p:extLst>
+      <p:ext uri="{BB962C8B-B14F-4D97-AF65-F5344CB8AC3E}">
+        <p14:creationId xmlns:p14="http://schemas.microsoft.com/office/powerpoint/2010/main" val="2455432580"/>
+      </p:ext>
+    </p:extLst>
+  </p:cSld>
+  <p:clrMapOvr>
+    <a:masterClrMapping/>
+  </p:clrMapOvr>
+  <p:timing>
+    <p:tnLst>
+      <p:par>
+        <p:cTn id="1" dur="indefinite" restart="never" nodeType="tmRoot"/>
+      </p:par>
+    </p:tnLst>
+  </p:timing>
+</p:sld>
+</file>
+
+<file path=ppt/slides/slide26.xml><?xml version="1.0" encoding="utf-8"?>
+<p:sld xmlns:a="http://schemas.openxmlformats.org/drawingml/2006/main" xmlns:r="http://schemas.openxmlformats.org/officeDocument/2006/relationships" xmlns:p="http://schemas.openxmlformats.org/presentationml/2006/main">
+  <p:cSld>
+    <p:spTree>
+      <p:nvGrpSpPr>
+        <p:cNvPr id="1" name=""/>
+        <p:cNvGrpSpPr/>
+        <p:nvPr/>
+      </p:nvGrpSpPr>
+      <p:grpSpPr>
+        <a:xfrm>
+          <a:off x="0" y="0"/>
+          <a:ext cx="0" cy="0"/>
+          <a:chOff x="0" y="0"/>
+          <a:chExt cx="0" cy="0"/>
+        </a:xfrm>
+      </p:grpSpPr>
+      <p:sp>
+        <p:nvSpPr>
+          <p:cNvPr id="2" name="Заголовок 1"/>
+          <p:cNvSpPr txBox="1">
+            <a:spLocks/>
+          </p:cNvSpPr>
+          <p:nvPr/>
+        </p:nvSpPr>
+        <p:spPr>
+          <a:xfrm>
+            <a:off x="635000" y="331660"/>
+            <a:ext cx="10922000" cy="634082"/>
+          </a:xfrm>
+          <a:prstGeom prst="rect">
+            <a:avLst/>
+          </a:prstGeom>
+        </p:spPr>
+        <p:txBody>
+          <a:bodyPr>
+            <a:normAutofit fontScale="90000" lnSpcReduction="10000"/>
+          </a:bodyPr>
+          <a:lstStyle>
+            <a:lvl1pPr algn="l" defTabSz="914400" rtl="0" eaLnBrk="1" latinLnBrk="0" hangingPunct="1">
+              <a:lnSpc>
+                <a:spcPct val="90000"/>
+              </a:lnSpc>
+              <a:spcBef>
+                <a:spcPct val="0"/>
+              </a:spcBef>
+              <a:buNone/>
+              <a:defRPr sz="4400" kern="1200">
+                <a:solidFill>
+                  <a:schemeClr val="tx1"/>
+                </a:solidFill>
+                <a:latin typeface="+mj-lt"/>
+                <a:ea typeface="+mj-ea"/>
+                <a:cs typeface="+mj-cs"/>
+              </a:defRPr>
+            </a:lvl1pPr>
+          </a:lstStyle>
+          <a:p>
+            <a:pPr algn="ctr"/>
+            <a:r>
+              <a:rPr lang="uk-UA" b="1" dirty="0" smtClean="0">
+                <a:latin typeface="Times New Roman" panose="02020603050405020304" pitchFamily="18" charset="0"/>
+                <a:cs typeface="Times New Roman" panose="02020603050405020304" pitchFamily="18" charset="0"/>
+              </a:rPr>
+              <a:t>Приклади використання</a:t>
+            </a:r>
+            <a:endParaRPr lang="uk-UA" b="1" dirty="0" smtClean="0">
+              <a:latin typeface="Times New Roman" panose="02020603050405020304" pitchFamily="18" charset="0"/>
+              <a:cs typeface="Times New Roman" panose="02020603050405020304" pitchFamily="18" charset="0"/>
+            </a:endParaRPr>
+          </a:p>
+          <a:p>
+            <a:pPr algn="ctr"/>
+            <a:endParaRPr lang="ru-RU" b="1" dirty="0">
+              <a:latin typeface="Times New Roman" panose="02020603050405020304" pitchFamily="18" charset="0"/>
+              <a:cs typeface="Times New Roman" panose="02020603050405020304" pitchFamily="18" charset="0"/>
+            </a:endParaRPr>
+          </a:p>
+        </p:txBody>
+      </p:sp>
+      <p:sp>
+        <p:nvSpPr>
+          <p:cNvPr id="4" name="Номер слайда 3"/>
+          <p:cNvSpPr>
+            <a:spLocks noGrp="1"/>
+          </p:cNvSpPr>
+          <p:nvPr>
+            <p:ph type="sldNum" sz="quarter" idx="12"/>
+          </p:nvPr>
+        </p:nvSpPr>
+        <p:spPr/>
+        <p:txBody>
+          <a:bodyPr/>
+          <a:lstStyle/>
+          <a:p>
+            <a:fld id="{E09DD669-CC1A-4D24-BC6B-97BA35B3733B}" type="slidenum">
+              <a:rPr lang="ru-RU" smtClean="0"/>
+              <a:t>26</a:t>
+            </a:fld>
+            <a:endParaRPr lang="ru-RU"/>
+          </a:p>
+        </p:txBody>
+      </p:sp>
+      <p:sp>
+        <p:nvSpPr>
+          <p:cNvPr id="3" name="TextBox 2"/>
+          <p:cNvSpPr txBox="1"/>
+          <p:nvPr/>
+        </p:nvSpPr>
+        <p:spPr>
+          <a:xfrm>
+            <a:off x="378308" y="1572126"/>
+            <a:ext cx="11380554" cy="4278094"/>
+          </a:xfrm>
+          <a:prstGeom prst="rect">
+            <a:avLst/>
+          </a:prstGeom>
+          <a:noFill/>
+        </p:spPr>
+        <p:txBody>
+          <a:bodyPr wrap="square" rtlCol="0">
+            <a:spAutoFit/>
+          </a:bodyPr>
+          <a:lstStyle/>
+          <a:p>
+            <a:r>
+              <a:rPr lang="uk-UA" sz="3400" dirty="0" smtClean="0"/>
+              <a:t>Розроблену систему можна використовувати наприклад в системах, що мають на меті медичний облік історій </a:t>
+            </a:r>
+            <a:r>
+              <a:rPr lang="uk-UA" sz="3400" dirty="0" err="1" smtClean="0"/>
+              <a:t>хвороб</a:t>
+            </a:r>
+            <a:r>
+              <a:rPr lang="uk-UA" sz="3400" dirty="0" smtClean="0"/>
+              <a:t> пацієнтів. Або звичайне збереження документів, наприклад про закінчення вищої освіти чи проходження якогось курсу.</a:t>
+            </a:r>
+            <a:endParaRPr lang="ru-RU" sz="3400" dirty="0" smtClean="0"/>
+          </a:p>
+          <a:p>
+            <a:endParaRPr lang="uk-UA" sz="3400" dirty="0" smtClean="0"/>
+          </a:p>
+          <a:p>
+            <a:r>
+              <a:rPr lang="uk-UA" sz="3400" dirty="0" smtClean="0"/>
+              <a:t>Усе це можна досягти не змінюючи саму систему, а лиш змінюючи найвищий шар взаємодії з системою та інтерфейс користувача.</a:t>
+            </a:r>
+          </a:p>
+        </p:txBody>
+      </p:sp>
+    </p:spTree>
+    <p:extLst>
+      <p:ext uri="{BB962C8B-B14F-4D97-AF65-F5344CB8AC3E}">
+        <p14:creationId xmlns:p14="http://schemas.microsoft.com/office/powerpoint/2010/main" val="1696802368"/>
+      </p:ext>
+    </p:extLst>
+  </p:cSld>
+  <p:clrMapOvr>
+    <a:masterClrMapping/>
+  </p:clrMapOvr>
+  <p:timing>
+    <p:tnLst>
+      <p:par>
+        <p:cTn id="1" dur="indefinite" restart="never" nodeType="tmRoot"/>
+      </p:par>
+    </p:tnLst>
+  </p:timing>
+</p:sld>
+</file>
+
+<file path=ppt/slides/slide27.xml><?xml version="1.0" encoding="utf-8"?>
+<p:sld xmlns:a="http://schemas.openxmlformats.org/drawingml/2006/main" xmlns:r="http://schemas.openxmlformats.org/officeDocument/2006/relationships" xmlns:p="http://schemas.openxmlformats.org/presentationml/2006/main">
+  <p:cSld>
+    <p:spTree>
+      <p:nvGrpSpPr>
+        <p:cNvPr id="1" name=""/>
+        <p:cNvGrpSpPr/>
+        <p:nvPr/>
+      </p:nvGrpSpPr>
+      <p:grpSpPr>
+        <a:xfrm>
+          <a:off x="0" y="0"/>
+          <a:ext cx="0" cy="0"/>
+          <a:chOff x="0" y="0"/>
+          <a:chExt cx="0" cy="0"/>
+        </a:xfrm>
+      </p:grpSpPr>
+      <p:sp>
+        <p:nvSpPr>
+          <p:cNvPr id="2" name="Заголовок 1"/>
+          <p:cNvSpPr txBox="1">
+            <a:spLocks/>
+          </p:cNvSpPr>
+          <p:nvPr/>
+        </p:nvSpPr>
+        <p:spPr>
+          <a:xfrm>
+            <a:off x="635000" y="331660"/>
+            <a:ext cx="10922000" cy="634082"/>
+          </a:xfrm>
+          <a:prstGeom prst="rect">
+            <a:avLst/>
+          </a:prstGeom>
+        </p:spPr>
+        <p:txBody>
+          <a:bodyPr>
+            <a:normAutofit fontScale="90000" lnSpcReduction="10000"/>
+          </a:bodyPr>
+          <a:lstStyle>
+            <a:lvl1pPr algn="l" defTabSz="914400" rtl="0" eaLnBrk="1" latinLnBrk="0" hangingPunct="1">
+              <a:lnSpc>
+                <a:spcPct val="90000"/>
+              </a:lnSpc>
+              <a:spcBef>
+                <a:spcPct val="0"/>
+              </a:spcBef>
+              <a:buNone/>
+              <a:defRPr sz="4400" kern="1200">
+                <a:solidFill>
+                  <a:schemeClr val="tx1"/>
+                </a:solidFill>
+                <a:latin typeface="+mj-lt"/>
+                <a:ea typeface="+mj-ea"/>
+                <a:cs typeface="+mj-cs"/>
+              </a:defRPr>
+            </a:lvl1pPr>
+          </a:lstStyle>
+          <a:p>
+            <a:pPr algn="ctr"/>
+            <a:r>
+              <a:rPr lang="uk-UA" b="1" dirty="0" smtClean="0">
+                <a:latin typeface="Times New Roman" panose="02020603050405020304" pitchFamily="18" charset="0"/>
+                <a:cs typeface="Times New Roman" panose="02020603050405020304" pitchFamily="18" charset="0"/>
+              </a:rPr>
+              <a:t>Приклад</a:t>
+            </a:r>
+            <a:endParaRPr lang="uk-UA" b="1" dirty="0" smtClean="0">
+              <a:latin typeface="Times New Roman" panose="02020603050405020304" pitchFamily="18" charset="0"/>
+              <a:cs typeface="Times New Roman" panose="02020603050405020304" pitchFamily="18" charset="0"/>
+            </a:endParaRPr>
+          </a:p>
+          <a:p>
+            <a:pPr algn="ctr"/>
+            <a:endParaRPr lang="ru-RU" b="1" dirty="0">
+              <a:latin typeface="Times New Roman" panose="02020603050405020304" pitchFamily="18" charset="0"/>
+              <a:cs typeface="Times New Roman" panose="02020603050405020304" pitchFamily="18" charset="0"/>
+            </a:endParaRPr>
+          </a:p>
+        </p:txBody>
+      </p:sp>
+      <p:sp>
+        <p:nvSpPr>
+          <p:cNvPr id="4" name="Номер слайда 3"/>
+          <p:cNvSpPr>
+            <a:spLocks noGrp="1"/>
+          </p:cNvSpPr>
+          <p:nvPr>
+            <p:ph type="sldNum" sz="quarter" idx="12"/>
+          </p:nvPr>
+        </p:nvSpPr>
+        <p:spPr/>
+        <p:txBody>
+          <a:bodyPr/>
+          <a:lstStyle/>
+          <a:p>
+            <a:fld id="{E09DD669-CC1A-4D24-BC6B-97BA35B3733B}" type="slidenum">
+              <a:rPr lang="ru-RU" smtClean="0"/>
+              <a:t>27</a:t>
+            </a:fld>
+            <a:endParaRPr lang="ru-RU"/>
+          </a:p>
+        </p:txBody>
+      </p:sp>
+    </p:spTree>
+    <p:extLst>
+      <p:ext uri="{BB962C8B-B14F-4D97-AF65-F5344CB8AC3E}">
+        <p14:creationId xmlns:p14="http://schemas.microsoft.com/office/powerpoint/2010/main" val="452158784"/>
+      </p:ext>
+    </p:extLst>
+  </p:cSld>
+  <p:clrMapOvr>
+    <a:masterClrMapping/>
+  </p:clrMapOvr>
+  <p:timing>
+    <p:tnLst>
+      <p:par>
+        <p:cTn id="1" dur="indefinite" restart="never" nodeType="tmRoot"/>
+      </p:par>
+    </p:tnLst>
+  </p:timing>
+</p:sld>
+</file>
+
+<file path=ppt/slides/slide28.xml><?xml version="1.0" encoding="utf-8"?>
+<p:sld xmlns:a="http://schemas.openxmlformats.org/drawingml/2006/main" xmlns:r="http://schemas.openxmlformats.org/officeDocument/2006/relationships" xmlns:p="http://schemas.openxmlformats.org/presentationml/2006/main">
+  <p:cSld>
+    <p:spTree>
+      <p:nvGrpSpPr>
+        <p:cNvPr id="1" name=""/>
+        <p:cNvGrpSpPr/>
+        <p:nvPr/>
+      </p:nvGrpSpPr>
+      <p:grpSpPr>
+        <a:xfrm>
+          <a:off x="0" y="0"/>
+          <a:ext cx="0" cy="0"/>
+          <a:chOff x="0" y="0"/>
+          <a:chExt cx="0" cy="0"/>
+        </a:xfrm>
+      </p:grpSpPr>
+      <p:sp>
+        <p:nvSpPr>
+          <p:cNvPr id="2" name="Заголовок 1"/>
+          <p:cNvSpPr txBox="1">
+            <a:spLocks/>
+          </p:cNvSpPr>
+          <p:nvPr/>
+        </p:nvSpPr>
+        <p:spPr>
+          <a:xfrm>
+            <a:off x="635000" y="331660"/>
+            <a:ext cx="10922000" cy="634082"/>
+          </a:xfrm>
+          <a:prstGeom prst="rect">
+            <a:avLst/>
+          </a:prstGeom>
+        </p:spPr>
+        <p:txBody>
+          <a:bodyPr>
+            <a:normAutofit fontScale="90000" lnSpcReduction="10000"/>
+          </a:bodyPr>
+          <a:lstStyle>
+            <a:lvl1pPr algn="l" defTabSz="914400" rtl="0" eaLnBrk="1" latinLnBrk="0" hangingPunct="1">
+              <a:lnSpc>
+                <a:spcPct val="90000"/>
+              </a:lnSpc>
+              <a:spcBef>
+                <a:spcPct val="0"/>
+              </a:spcBef>
+              <a:buNone/>
+              <a:defRPr sz="4400" kern="1200">
+                <a:solidFill>
+                  <a:schemeClr val="tx1"/>
+                </a:solidFill>
+                <a:latin typeface="+mj-lt"/>
+                <a:ea typeface="+mj-ea"/>
+                <a:cs typeface="+mj-cs"/>
+              </a:defRPr>
+            </a:lvl1pPr>
+          </a:lstStyle>
+          <a:p>
+            <a:pPr algn="ctr"/>
+            <a:r>
+              <a:rPr lang="uk-UA" b="1" dirty="0" smtClean="0">
+                <a:latin typeface="Times New Roman" panose="02020603050405020304" pitchFamily="18" charset="0"/>
+                <a:cs typeface="Times New Roman" panose="02020603050405020304" pitchFamily="18" charset="0"/>
+              </a:rPr>
+              <a:t>Можливі вдосконалення</a:t>
+            </a:r>
+            <a:endParaRPr lang="uk-UA" b="1" dirty="0" smtClean="0">
+              <a:latin typeface="Times New Roman" panose="02020603050405020304" pitchFamily="18" charset="0"/>
+              <a:cs typeface="Times New Roman" panose="02020603050405020304" pitchFamily="18" charset="0"/>
+            </a:endParaRPr>
+          </a:p>
+          <a:p>
+            <a:pPr algn="ctr"/>
+            <a:endParaRPr lang="ru-RU" b="1" dirty="0">
+              <a:latin typeface="Times New Roman" panose="02020603050405020304" pitchFamily="18" charset="0"/>
+              <a:cs typeface="Times New Roman" panose="02020603050405020304" pitchFamily="18" charset="0"/>
+            </a:endParaRPr>
+          </a:p>
+        </p:txBody>
+      </p:sp>
+      <p:sp>
+        <p:nvSpPr>
+          <p:cNvPr id="4" name="Номер слайда 3"/>
+          <p:cNvSpPr>
+            <a:spLocks noGrp="1"/>
+          </p:cNvSpPr>
+          <p:nvPr>
+            <p:ph type="sldNum" sz="quarter" idx="12"/>
+          </p:nvPr>
+        </p:nvSpPr>
+        <p:spPr/>
+        <p:txBody>
+          <a:bodyPr/>
+          <a:lstStyle/>
+          <a:p>
+            <a:fld id="{E09DD669-CC1A-4D24-BC6B-97BA35B3733B}" type="slidenum">
+              <a:rPr lang="ru-RU" smtClean="0"/>
+              <a:t>28</a:t>
+            </a:fld>
+            <a:endParaRPr lang="ru-RU"/>
+          </a:p>
+        </p:txBody>
+      </p:sp>
+      <p:sp>
+        <p:nvSpPr>
+          <p:cNvPr id="3" name="TextBox 2"/>
+          <p:cNvSpPr txBox="1"/>
+          <p:nvPr/>
+        </p:nvSpPr>
+        <p:spPr>
+          <a:xfrm>
+            <a:off x="405723" y="1121889"/>
+            <a:ext cx="11380554" cy="5078313"/>
+          </a:xfrm>
+          <a:prstGeom prst="rect">
+            <a:avLst/>
+          </a:prstGeom>
+          <a:noFill/>
+        </p:spPr>
+        <p:txBody>
+          <a:bodyPr wrap="square" rtlCol="0">
+            <a:spAutoFit/>
+          </a:bodyPr>
+          <a:lstStyle/>
+          <a:p>
+            <a:r>
+              <a:rPr lang="uk-UA" sz="3600" dirty="0"/>
+              <a:t>При розробці </a:t>
+            </a:r>
+            <a:r>
+              <a:rPr lang="uk-UA" sz="3600" dirty="0" smtClean="0"/>
+              <a:t>ПЗ були </a:t>
+            </a:r>
+            <a:r>
+              <a:rPr lang="uk-UA" sz="3600" dirty="0"/>
+              <a:t>виявлені недоліки в архітектурі взаємодій між системою </a:t>
+            </a:r>
+            <a:r>
+              <a:rPr lang="uk-UA" sz="3600" dirty="0" err="1"/>
+              <a:t>токенізації</a:t>
+            </a:r>
+            <a:r>
+              <a:rPr lang="uk-UA" sz="3600" dirty="0"/>
+              <a:t> та системою </a:t>
+            </a:r>
+            <a:r>
+              <a:rPr lang="en-US" sz="3600" dirty="0"/>
+              <a:t>Peer</a:t>
+            </a:r>
+            <a:r>
+              <a:rPr lang="uk-UA" sz="3600" dirty="0"/>
+              <a:t>-</a:t>
+            </a:r>
+            <a:r>
+              <a:rPr lang="en-US" sz="3600" dirty="0"/>
+              <a:t>To</a:t>
+            </a:r>
+            <a:r>
+              <a:rPr lang="uk-UA" sz="3600" dirty="0"/>
+              <a:t>-</a:t>
+            </a:r>
+            <a:r>
+              <a:rPr lang="en-US" sz="3600" dirty="0"/>
+              <a:t>Peer</a:t>
+            </a:r>
+            <a:r>
+              <a:rPr lang="uk-UA" sz="3600" dirty="0"/>
+              <a:t> передачі даних. Ці проблеми слід виправити для більшої надійності, та покращенню </a:t>
+            </a:r>
+            <a:r>
+              <a:rPr lang="uk-UA" sz="3600" dirty="0" smtClean="0"/>
+              <a:t>гнучкості системи для подальших модифікацій.</a:t>
+            </a:r>
+            <a:endParaRPr lang="ru-RU" sz="3600" dirty="0"/>
+          </a:p>
+          <a:p>
+            <a:r>
+              <a:rPr lang="uk-UA" sz="3600" dirty="0"/>
+              <a:t>Також слід провести оптимізацію збережень даних при </a:t>
+            </a:r>
+            <a:r>
+              <a:rPr lang="uk-UA" sz="3600" dirty="0" smtClean="0"/>
+              <a:t>першому запуску застосунка, тому що, час входу буде значно збільшуватися з кількістю інформації, що знаходиться в </a:t>
+            </a:r>
+            <a:r>
+              <a:rPr lang="uk-UA" sz="3600" dirty="0" err="1" smtClean="0"/>
+              <a:t>блокчейні</a:t>
+            </a:r>
+            <a:r>
+              <a:rPr lang="uk-UA" sz="3600" dirty="0" smtClean="0"/>
+              <a:t>.</a:t>
+            </a:r>
+            <a:endParaRPr lang="ru-RU" sz="3600" dirty="0"/>
+          </a:p>
+        </p:txBody>
+      </p:sp>
+    </p:spTree>
+    <p:extLst>
+      <p:ext uri="{BB962C8B-B14F-4D97-AF65-F5344CB8AC3E}">
+        <p14:creationId xmlns:p14="http://schemas.microsoft.com/office/powerpoint/2010/main" val="3749608275"/>
+      </p:ext>
+    </p:extLst>
+  </p:cSld>
+  <p:clrMapOvr>
+    <a:masterClrMapping/>
+  </p:clrMapOvr>
+  <p:timing>
+    <p:tnLst>
+      <p:par>
+        <p:cTn id="1" dur="indefinite" restart="never" nodeType="tmRoot"/>
+      </p:par>
+    </p:tnLst>
+  </p:timing>
+</p:sld>
+</file>
+
+<file path=ppt/slides/slide29.xml><?xml version="1.0" encoding="utf-8"?>
+<p:sld xmlns:a="http://schemas.openxmlformats.org/drawingml/2006/main" xmlns:r="http://schemas.openxmlformats.org/officeDocument/2006/relationships" xmlns:p="http://schemas.openxmlformats.org/presentationml/2006/main">
+  <p:cSld>
+    <p:spTree>
+      <p:nvGrpSpPr>
+        <p:cNvPr id="1" name=""/>
+        <p:cNvGrpSpPr/>
+        <p:nvPr/>
+      </p:nvGrpSpPr>
+      <p:grpSpPr>
+        <a:xfrm>
+          <a:off x="0" y="0"/>
+          <a:ext cx="0" cy="0"/>
+          <a:chOff x="0" y="0"/>
+          <a:chExt cx="0" cy="0"/>
+        </a:xfrm>
+      </p:grpSpPr>
+      <p:sp>
+        <p:nvSpPr>
+          <p:cNvPr id="2" name="Заголовок 1"/>
+          <p:cNvSpPr txBox="1">
+            <a:spLocks/>
+          </p:cNvSpPr>
+          <p:nvPr/>
+        </p:nvSpPr>
+        <p:spPr>
+          <a:xfrm>
+            <a:off x="635000" y="331660"/>
+            <a:ext cx="10922000" cy="634082"/>
+          </a:xfrm>
+          <a:prstGeom prst="rect">
+            <a:avLst/>
+          </a:prstGeom>
+        </p:spPr>
+        <p:txBody>
+          <a:bodyPr>
+            <a:normAutofit fontScale="90000" lnSpcReduction="10000"/>
+          </a:bodyPr>
+          <a:lstStyle>
+            <a:lvl1pPr algn="l" defTabSz="914400" rtl="0" eaLnBrk="1" latinLnBrk="0" hangingPunct="1">
+              <a:lnSpc>
+                <a:spcPct val="90000"/>
+              </a:lnSpc>
+              <a:spcBef>
+                <a:spcPct val="0"/>
+              </a:spcBef>
+              <a:buNone/>
+              <a:defRPr sz="4400" kern="1200">
+                <a:solidFill>
+                  <a:schemeClr val="tx1"/>
+                </a:solidFill>
+                <a:latin typeface="+mj-lt"/>
+                <a:ea typeface="+mj-ea"/>
+                <a:cs typeface="+mj-cs"/>
+              </a:defRPr>
+            </a:lvl1pPr>
+          </a:lstStyle>
+          <a:p>
+            <a:pPr algn="ctr"/>
+            <a:r>
+              <a:rPr lang="uk-UA" b="1" dirty="0" smtClean="0">
+                <a:latin typeface="Times New Roman" panose="02020603050405020304" pitchFamily="18" charset="0"/>
+                <a:cs typeface="Times New Roman" panose="02020603050405020304" pitchFamily="18" charset="0"/>
+              </a:rPr>
+              <a:t>Висновки</a:t>
+            </a:r>
+          </a:p>
+          <a:p>
+            <a:pPr algn="ctr"/>
+            <a:endParaRPr lang="ru-RU" b="1" dirty="0">
+              <a:latin typeface="Times New Roman" panose="02020603050405020304" pitchFamily="18" charset="0"/>
+              <a:cs typeface="Times New Roman" panose="02020603050405020304" pitchFamily="18" charset="0"/>
+            </a:endParaRPr>
+          </a:p>
+        </p:txBody>
+      </p:sp>
+      <p:sp>
+        <p:nvSpPr>
+          <p:cNvPr id="3" name="TextBox 2"/>
+          <p:cNvSpPr txBox="1"/>
+          <p:nvPr/>
+        </p:nvSpPr>
+        <p:spPr>
+          <a:xfrm>
+            <a:off x="207433" y="1089164"/>
+            <a:ext cx="11777133" cy="5632311"/>
+          </a:xfrm>
+          <a:prstGeom prst="rect">
+            <a:avLst/>
+          </a:prstGeom>
+          <a:noFill/>
+        </p:spPr>
+        <p:txBody>
+          <a:bodyPr wrap="square" rtlCol="0">
+            <a:spAutoFit/>
+          </a:bodyPr>
+          <a:lstStyle/>
+          <a:p>
+            <a:r>
+              <a:rPr lang="uk-UA" sz="3600" dirty="0"/>
+              <a:t>В ході дипломної роботи було: </a:t>
+            </a:r>
+            <a:endParaRPr lang="ru-RU" sz="3600" dirty="0"/>
+          </a:p>
+          <a:p>
+            <a:r>
+              <a:rPr lang="ru-RU" sz="3600" dirty="0" smtClean="0"/>
+              <a:t>- Проведено </a:t>
+            </a:r>
+            <a:r>
+              <a:rPr lang="uk-UA" sz="3600" dirty="0" smtClean="0"/>
+              <a:t>аналіз предметної області та сучасних аналогів</a:t>
+            </a:r>
+            <a:r>
+              <a:rPr lang="ru-RU" sz="3600" dirty="0" smtClean="0"/>
+              <a:t>;</a:t>
+            </a:r>
+            <a:endParaRPr lang="ru-RU" sz="3600" dirty="0"/>
+          </a:p>
+          <a:p>
+            <a:r>
+              <a:rPr lang="ru-RU" sz="3600" dirty="0" smtClean="0"/>
+              <a:t>- </a:t>
+            </a:r>
+            <a:r>
+              <a:rPr lang="ru-RU" sz="3600" dirty="0" err="1" smtClean="0"/>
+              <a:t>Виявлені</a:t>
+            </a:r>
+            <a:r>
+              <a:rPr lang="ru-RU" sz="3600" dirty="0" smtClean="0"/>
+              <a:t> </a:t>
+            </a:r>
+            <a:r>
+              <a:rPr lang="ru-RU" sz="3600" dirty="0" err="1" smtClean="0"/>
+              <a:t>недоліки</a:t>
+            </a:r>
+            <a:r>
+              <a:rPr lang="ru-RU" sz="3600" dirty="0" smtClean="0"/>
+              <a:t> та </a:t>
+            </a:r>
+            <a:r>
+              <a:rPr lang="ru-RU" sz="3600" dirty="0" err="1" smtClean="0"/>
+              <a:t>переваги</a:t>
+            </a:r>
+            <a:r>
+              <a:rPr lang="ru-RU" sz="3600" dirty="0" smtClean="0"/>
+              <a:t> </a:t>
+            </a:r>
+            <a:r>
+              <a:rPr lang="ru-RU" sz="3600" dirty="0" err="1" smtClean="0"/>
+              <a:t>сучасних</a:t>
+            </a:r>
+            <a:r>
+              <a:rPr lang="ru-RU" sz="3600" dirty="0" smtClean="0"/>
+              <a:t> систем;</a:t>
+            </a:r>
+          </a:p>
+          <a:p>
+            <a:r>
+              <a:rPr lang="ru-RU" sz="3600" dirty="0" smtClean="0"/>
+              <a:t>- </a:t>
+            </a:r>
+            <a:r>
+              <a:rPr lang="ru-RU" sz="3600" dirty="0" err="1" smtClean="0"/>
+              <a:t>Розроблені</a:t>
+            </a:r>
+            <a:r>
+              <a:rPr lang="ru-RU" sz="3600" dirty="0" smtClean="0"/>
+              <a:t> </a:t>
+            </a:r>
+            <a:r>
+              <a:rPr lang="ru-RU" sz="3600" dirty="0" err="1" smtClean="0"/>
+              <a:t>вимоги</a:t>
+            </a:r>
+            <a:r>
+              <a:rPr lang="ru-RU" sz="3600" dirty="0" smtClean="0"/>
+              <a:t> та </a:t>
+            </a:r>
+            <a:r>
+              <a:rPr lang="ru-RU" sz="3600" dirty="0" err="1" smtClean="0"/>
+              <a:t>бізнес</a:t>
+            </a:r>
+            <a:r>
+              <a:rPr lang="ru-RU" sz="3600" dirty="0" smtClean="0"/>
+              <a:t> </a:t>
+            </a:r>
+            <a:r>
+              <a:rPr lang="ru-RU" sz="3600" dirty="0" err="1" smtClean="0"/>
+              <a:t>процеси</a:t>
+            </a:r>
+            <a:r>
+              <a:rPr lang="ru-RU" sz="3600" dirty="0" smtClean="0"/>
+              <a:t> </a:t>
+            </a:r>
+            <a:r>
+              <a:rPr lang="ru-RU" sz="3600" dirty="0" err="1" smtClean="0"/>
+              <a:t>маайбутнього</a:t>
+            </a:r>
+            <a:r>
+              <a:rPr lang="ru-RU" sz="3600" dirty="0" smtClean="0"/>
+              <a:t> ПЗ, </a:t>
+            </a:r>
+            <a:r>
+              <a:rPr lang="ru-RU" sz="3600" dirty="0" err="1" smtClean="0"/>
+              <a:t>що</a:t>
+            </a:r>
+            <a:r>
+              <a:rPr lang="ru-RU" sz="3600" dirty="0" smtClean="0"/>
+              <a:t> буде </a:t>
+            </a:r>
+            <a:r>
+              <a:rPr lang="ru-RU" sz="3600" dirty="0" err="1" smtClean="0"/>
+              <a:t>вирішувати</a:t>
+            </a:r>
+            <a:r>
+              <a:rPr lang="ru-RU" sz="3600" dirty="0" smtClean="0"/>
+              <a:t> </a:t>
+            </a:r>
+            <a:r>
+              <a:rPr lang="ru-RU" sz="3600" dirty="0" err="1" smtClean="0"/>
+              <a:t>поставлені</a:t>
+            </a:r>
+            <a:r>
+              <a:rPr lang="ru-RU" sz="3600" dirty="0" smtClean="0"/>
+              <a:t> </a:t>
+            </a:r>
+            <a:r>
+              <a:rPr lang="ru-RU" sz="3600" dirty="0" err="1" smtClean="0"/>
+              <a:t>проблеми</a:t>
+            </a:r>
+            <a:r>
+              <a:rPr lang="ru-RU" sz="3600" dirty="0"/>
+              <a:t>;</a:t>
+            </a:r>
+            <a:endParaRPr lang="ru-RU" sz="3600" dirty="0"/>
+          </a:p>
+          <a:p>
+            <a:r>
+              <a:rPr lang="ru-RU" sz="3600" dirty="0" smtClean="0"/>
+              <a:t>- </a:t>
+            </a:r>
+            <a:r>
+              <a:rPr lang="ru-RU" sz="3600" dirty="0" err="1" smtClean="0"/>
+              <a:t>Розроблена</a:t>
+            </a:r>
+            <a:r>
+              <a:rPr lang="ru-RU" sz="3600" dirty="0" smtClean="0"/>
+              <a:t> </a:t>
+            </a:r>
+            <a:r>
+              <a:rPr lang="ru-RU" sz="3600" dirty="0" err="1" smtClean="0"/>
+              <a:t>архітектурні</a:t>
+            </a:r>
+            <a:r>
+              <a:rPr lang="ru-RU" sz="3600" dirty="0" smtClean="0"/>
+              <a:t> </a:t>
+            </a:r>
+            <a:r>
+              <a:rPr lang="ru-RU" sz="3600" dirty="0" err="1" smtClean="0"/>
+              <a:t>рішення</a:t>
+            </a:r>
+            <a:r>
+              <a:rPr lang="ru-RU" sz="3600" dirty="0" smtClean="0"/>
+              <a:t>;</a:t>
+            </a:r>
+            <a:endParaRPr lang="ru-RU" sz="3600" dirty="0"/>
+          </a:p>
+          <a:p>
+            <a:r>
+              <a:rPr lang="uk-UA" sz="3600" dirty="0" smtClean="0"/>
+              <a:t>- Розроблено та </a:t>
+            </a:r>
+            <a:r>
+              <a:rPr lang="uk-UA" sz="3600" dirty="0" err="1" smtClean="0"/>
+              <a:t>протестовано</a:t>
+            </a:r>
+            <a:r>
+              <a:rPr lang="uk-UA" sz="3600" dirty="0" smtClean="0"/>
+              <a:t> систему </a:t>
+            </a:r>
+            <a:r>
+              <a:rPr lang="uk-UA" sz="3600" dirty="0" err="1" smtClean="0"/>
+              <a:t>токенізації</a:t>
+            </a:r>
+            <a:r>
+              <a:rPr lang="uk-UA" sz="3600" dirty="0" smtClean="0"/>
+              <a:t>;</a:t>
+            </a:r>
+          </a:p>
+          <a:p>
+            <a:r>
+              <a:rPr lang="uk-UA" sz="3600" dirty="0" smtClean="0"/>
+              <a:t>- Розроблено тестовий застосунок, що має показати як можна використовувати можливості системи.</a:t>
+            </a:r>
+            <a:endParaRPr lang="ru-RU" sz="3600" dirty="0"/>
+          </a:p>
+        </p:txBody>
+      </p:sp>
+      <p:sp>
+        <p:nvSpPr>
+          <p:cNvPr id="4" name="Номер слайда 3"/>
+          <p:cNvSpPr>
+            <a:spLocks noGrp="1"/>
+          </p:cNvSpPr>
+          <p:nvPr>
+            <p:ph type="sldNum" sz="quarter" idx="12"/>
+          </p:nvPr>
+        </p:nvSpPr>
+        <p:spPr/>
+        <p:txBody>
+          <a:bodyPr/>
+          <a:lstStyle/>
+          <a:p>
+            <a:fld id="{E09DD669-CC1A-4D24-BC6B-97BA35B3733B}" type="slidenum">
+              <a:rPr lang="ru-RU" smtClean="0"/>
+              <a:t>29</a:t>
+            </a:fld>
+            <a:endParaRPr lang="ru-RU" dirty="0"/>
+          </a:p>
+        </p:txBody>
+      </p:sp>
+    </p:spTree>
+    <p:extLst>
+      <p:ext uri="{BB962C8B-B14F-4D97-AF65-F5344CB8AC3E}">
+        <p14:creationId xmlns:p14="http://schemas.microsoft.com/office/powerpoint/2010/main" val="3836319228"/>
       </p:ext>
     </p:extLst>
   </p:cSld>
@@ -5284,6 +7860,102 @@
     <p:extLst>
       <p:ext uri="{BB962C8B-B14F-4D97-AF65-F5344CB8AC3E}">
         <p14:creationId xmlns:p14="http://schemas.microsoft.com/office/powerpoint/2010/main" val="338214508"/>
+      </p:ext>
+    </p:extLst>
+  </p:cSld>
+  <p:clrMapOvr>
+    <a:masterClrMapping/>
+  </p:clrMapOvr>
+  <p:timing>
+    <p:tnLst>
+      <p:par>
+        <p:cTn id="1" dur="indefinite" restart="never" nodeType="tmRoot"/>
+      </p:par>
+    </p:tnLst>
+  </p:timing>
+</p:sld>
+</file>
+
+<file path=ppt/slides/slide30.xml><?xml version="1.0" encoding="utf-8"?>
+<p:sld xmlns:a="http://schemas.openxmlformats.org/drawingml/2006/main" xmlns:r="http://schemas.openxmlformats.org/officeDocument/2006/relationships" xmlns:p="http://schemas.openxmlformats.org/presentationml/2006/main">
+  <p:cSld>
+    <p:spTree>
+      <p:nvGrpSpPr>
+        <p:cNvPr id="1" name=""/>
+        <p:cNvGrpSpPr/>
+        <p:nvPr/>
+      </p:nvGrpSpPr>
+      <p:grpSpPr>
+        <a:xfrm>
+          <a:off x="0" y="0"/>
+          <a:ext cx="0" cy="0"/>
+          <a:chOff x="0" y="0"/>
+          <a:chExt cx="0" cy="0"/>
+        </a:xfrm>
+      </p:grpSpPr>
+      <p:sp>
+        <p:nvSpPr>
+          <p:cNvPr id="2" name="TextBox 1"/>
+          <p:cNvSpPr txBox="1"/>
+          <p:nvPr/>
+        </p:nvSpPr>
+        <p:spPr>
+          <a:xfrm>
+            <a:off x="1173884" y="2536448"/>
+            <a:ext cx="9844233" cy="1785104"/>
+          </a:xfrm>
+          <a:prstGeom prst="rect">
+            <a:avLst/>
+          </a:prstGeom>
+          <a:noFill/>
+        </p:spPr>
+        <p:txBody>
+          <a:bodyPr wrap="none" rtlCol="0">
+            <a:spAutoFit/>
+          </a:bodyPr>
+          <a:lstStyle/>
+          <a:p>
+            <a:r>
+              <a:rPr lang="uk-UA" sz="11000" dirty="0" smtClean="0">
+                <a:latin typeface="Times New Roman" panose="02020603050405020304" pitchFamily="18" charset="0"/>
+                <a:cs typeface="Times New Roman" panose="02020603050405020304" pitchFamily="18" charset="0"/>
+              </a:rPr>
+              <a:t>Дякую за увагу!</a:t>
+            </a:r>
+            <a:endParaRPr lang="ru-RU" sz="11000" dirty="0">
+              <a:latin typeface="Times New Roman" panose="02020603050405020304" pitchFamily="18" charset="0"/>
+              <a:cs typeface="Times New Roman" panose="02020603050405020304" pitchFamily="18" charset="0"/>
+            </a:endParaRPr>
+          </a:p>
+        </p:txBody>
+      </p:sp>
+      <p:sp>
+        <p:nvSpPr>
+          <p:cNvPr id="3" name="Номер слайда 2"/>
+          <p:cNvSpPr>
+            <a:spLocks noGrp="1"/>
+          </p:cNvSpPr>
+          <p:nvPr>
+            <p:ph type="sldNum" sz="quarter" idx="12"/>
+          </p:nvPr>
+        </p:nvSpPr>
+        <p:spPr/>
+        <p:txBody>
+          <a:bodyPr/>
+          <a:lstStyle/>
+          <a:p>
+            <a:fld id="{E09DD669-CC1A-4D24-BC6B-97BA35B3733B}" type="slidenum">
+              <a:rPr lang="ru-RU" smtClean="0"/>
+              <a:t>30</a:t>
+            </a:fld>
+            <a:endParaRPr lang="ru-RU"/>
+          </a:p>
+        </p:txBody>
+      </p:sp>
+    </p:spTree>
+    <p:extLst>
+      <p:ext uri="{BB962C8B-B14F-4D97-AF65-F5344CB8AC3E}">
+        <p14:creationId xmlns:p14="http://schemas.microsoft.com/office/powerpoint/2010/main" val="1685837395"/>
       </p:ext>
     </p:extLst>
   </p:cSld>

--- a/Диплом/Диплом презентація.pptx
+++ b/Диплом/Диплом презентація.pptx
@@ -5,7 +5,7 @@
     <p:sldMasterId id="2147483648" r:id="rId1"/>
   </p:sldMasterIdLst>
   <p:notesMasterIdLst>
-    <p:notesMasterId r:id="rId32"/>
+    <p:notesMasterId r:id="rId34"/>
   </p:notesMasterIdLst>
   <p:sldIdLst>
     <p:sldId id="256" r:id="rId2"/>
@@ -35,9 +35,11 @@
     <p:sldId id="282" r:id="rId26"/>
     <p:sldId id="283" r:id="rId27"/>
     <p:sldId id="284" r:id="rId28"/>
-    <p:sldId id="285" r:id="rId29"/>
-    <p:sldId id="270" r:id="rId30"/>
-    <p:sldId id="257" r:id="rId31"/>
+    <p:sldId id="286" r:id="rId29"/>
+    <p:sldId id="285" r:id="rId30"/>
+    <p:sldId id="270" r:id="rId31"/>
+    <p:sldId id="287" r:id="rId32"/>
+    <p:sldId id="257" r:id="rId33"/>
   </p:sldIdLst>
   <p:sldSz cx="12192000" cy="6858000"/>
   <p:notesSz cx="6858000" cy="9144000"/>
@@ -226,7 +228,7 @@
           <a:p>
             <a:fld id="{5DDF95D5-C5D7-4738-A80D-33EB702D2A1F}" type="datetimeFigureOut">
               <a:rPr lang="ru-RU" smtClean="0"/>
-              <a:t>27.05.2022</a:t>
+              <a:t>28.05.2022</a:t>
             </a:fld>
             <a:endParaRPr lang="ru-RU"/>
           </a:p>
@@ -709,7 +711,7 @@
           <a:p>
             <a:fld id="{C3B7C671-14DE-4CC4-B83E-6E9C89879FF7}" type="datetime1">
               <a:rPr lang="ru-RU" smtClean="0"/>
-              <a:t>27.05.2022</a:t>
+              <a:t>28.05.2022</a:t>
             </a:fld>
             <a:endParaRPr lang="ru-RU"/>
           </a:p>
@@ -879,7 +881,7 @@
           <a:p>
             <a:fld id="{2A7686B3-6B33-4C4C-8108-D310BD584E88}" type="datetime1">
               <a:rPr lang="ru-RU" smtClean="0"/>
-              <a:t>27.05.2022</a:t>
+              <a:t>28.05.2022</a:t>
             </a:fld>
             <a:endParaRPr lang="ru-RU"/>
           </a:p>
@@ -1059,7 +1061,7 @@
           <a:p>
             <a:fld id="{2BFDEEFB-CF0E-492B-A5D1-18209AD850CF}" type="datetime1">
               <a:rPr lang="ru-RU" smtClean="0"/>
-              <a:t>27.05.2022</a:t>
+              <a:t>28.05.2022</a:t>
             </a:fld>
             <a:endParaRPr lang="ru-RU"/>
           </a:p>
@@ -1229,7 +1231,7 @@
           <a:p>
             <a:fld id="{9A8FF7A5-C7D2-4497-9453-320D8D995245}" type="datetime1">
               <a:rPr lang="ru-RU" smtClean="0"/>
-              <a:t>27.05.2022</a:t>
+              <a:t>28.05.2022</a:t>
             </a:fld>
             <a:endParaRPr lang="ru-RU"/>
           </a:p>
@@ -1475,7 +1477,7 @@
           <a:p>
             <a:fld id="{3FFCA776-B57D-4FCC-8928-014EC35D712C}" type="datetime1">
               <a:rPr lang="ru-RU" smtClean="0"/>
-              <a:t>27.05.2022</a:t>
+              <a:t>28.05.2022</a:t>
             </a:fld>
             <a:endParaRPr lang="ru-RU"/>
           </a:p>
@@ -1707,7 +1709,7 @@
           <a:p>
             <a:fld id="{05BA3D34-2CA0-4D13-B04E-2138C646FF57}" type="datetime1">
               <a:rPr lang="ru-RU" smtClean="0"/>
-              <a:t>27.05.2022</a:t>
+              <a:t>28.05.2022</a:t>
             </a:fld>
             <a:endParaRPr lang="ru-RU"/>
           </a:p>
@@ -2074,7 +2076,7 @@
           <a:p>
             <a:fld id="{8568069E-7B6C-4238-AA6B-42590B04EFF0}" type="datetime1">
               <a:rPr lang="ru-RU" smtClean="0"/>
-              <a:t>27.05.2022</a:t>
+              <a:t>28.05.2022</a:t>
             </a:fld>
             <a:endParaRPr lang="ru-RU"/>
           </a:p>
@@ -2192,7 +2194,7 @@
           <a:p>
             <a:fld id="{0D7C2052-EBAF-4136-A882-10DC9FDB0C80}" type="datetime1">
               <a:rPr lang="ru-RU" smtClean="0"/>
-              <a:t>27.05.2022</a:t>
+              <a:t>28.05.2022</a:t>
             </a:fld>
             <a:endParaRPr lang="ru-RU"/>
           </a:p>
@@ -2287,7 +2289,7 @@
           <a:p>
             <a:fld id="{5C01A8BD-F9E2-4002-B950-397C33393880}" type="datetime1">
               <a:rPr lang="ru-RU" smtClean="0"/>
-              <a:t>27.05.2022</a:t>
+              <a:t>28.05.2022</a:t>
             </a:fld>
             <a:endParaRPr lang="ru-RU"/>
           </a:p>
@@ -2564,7 +2566,7 @@
           <a:p>
             <a:fld id="{C79F207E-1DC9-4D7C-8099-17D4FE5BC997}" type="datetime1">
               <a:rPr lang="ru-RU" smtClean="0"/>
-              <a:t>27.05.2022</a:t>
+              <a:t>28.05.2022</a:t>
             </a:fld>
             <a:endParaRPr lang="ru-RU"/>
           </a:p>
@@ -2817,7 +2819,7 @@
           <a:p>
             <a:fld id="{A70FA89F-0152-41D6-92FF-E1565360EADE}" type="datetime1">
               <a:rPr lang="ru-RU" smtClean="0"/>
-              <a:t>27.05.2022</a:t>
+              <a:t>28.05.2022</a:t>
             </a:fld>
             <a:endParaRPr lang="ru-RU"/>
           </a:p>
@@ -3030,7 +3032,7 @@
           <a:p>
             <a:fld id="{F0557D22-FA55-4BF2-9259-DD21B728EB71}" type="datetime1">
               <a:rPr lang="ru-RU" smtClean="0"/>
-              <a:t>27.05.2022</a:t>
+              <a:t>28.05.2022</a:t>
             </a:fld>
             <a:endParaRPr lang="ru-RU"/>
           </a:p>
@@ -3458,7 +3460,7 @@
           <a:graphicData uri="http://schemas.openxmlformats.org/presentationml/2006/ole">
             <mc:AlternateContent xmlns:mc="http://schemas.openxmlformats.org/markup-compatibility/2006">
               <mc:Choice xmlns:v="urn:schemas-microsoft-com:vml" Requires="v">
-                <p:oleObj spid="_x0000_s1059" name="Документ" r:id="rId4" imgW="6295790" imgH="4740290" progId="Word.Document.12">
+                <p:oleObj spid="_x0000_s1061" name="Документ" r:id="rId4" imgW="6295790" imgH="4740290" progId="Word.Document.12">
                   <p:embed/>
                 </p:oleObj>
               </mc:Choice>
@@ -3577,14 +3579,7 @@
                 <a:latin typeface="Times New Roman" panose="02020603050405020304" pitchFamily="18" charset="0"/>
                 <a:cs typeface="Times New Roman" panose="02020603050405020304" pitchFamily="18" charset="0"/>
               </a:rPr>
-              <a:t>Функціональні вимоги </a:t>
-            </a:r>
-            <a:r>
-              <a:rPr lang="uk-UA" b="1" dirty="0" smtClean="0">
-                <a:latin typeface="Times New Roman" panose="02020603050405020304" pitchFamily="18" charset="0"/>
-                <a:cs typeface="Times New Roman" panose="02020603050405020304" pitchFamily="18" charset="0"/>
-              </a:rPr>
-              <a:t>до системи</a:t>
+              <a:t>Функціональні вимоги до системи</a:t>
             </a:r>
           </a:p>
           <a:p>
@@ -3800,14 +3795,7 @@
                 <a:latin typeface="Times New Roman" panose="02020603050405020304" pitchFamily="18" charset="0"/>
                 <a:cs typeface="Times New Roman" panose="02020603050405020304" pitchFamily="18" charset="0"/>
               </a:rPr>
-              <a:t>Нефункціональні вимоги </a:t>
-            </a:r>
-            <a:r>
-              <a:rPr lang="uk-UA" b="1" dirty="0" smtClean="0">
-                <a:latin typeface="Times New Roman" panose="02020603050405020304" pitchFamily="18" charset="0"/>
-                <a:cs typeface="Times New Roman" panose="02020603050405020304" pitchFamily="18" charset="0"/>
-              </a:rPr>
-              <a:t>до системи</a:t>
+              <a:t>Нефункціональні вимоги до системи</a:t>
             </a:r>
           </a:p>
           <a:p>
@@ -4331,10 +4319,6 @@
               </a:rPr>
               <a:t>Побудова архітектури ПС</a:t>
             </a:r>
-            <a:endParaRPr lang="uk-UA" b="1" dirty="0" smtClean="0">
-              <a:latin typeface="Times New Roman" panose="02020603050405020304" pitchFamily="18" charset="0"/>
-              <a:cs typeface="Times New Roman" panose="02020603050405020304" pitchFamily="18" charset="0"/>
-            </a:endParaRPr>
           </a:p>
           <a:p>
             <a:pPr algn="ctr"/>
@@ -4686,10 +4670,6 @@
               </a:rPr>
               <a:t>Діаграма розгортання</a:t>
             </a:r>
-            <a:endParaRPr lang="uk-UA" b="1" dirty="0" smtClean="0">
-              <a:latin typeface="Times New Roman" panose="02020603050405020304" pitchFamily="18" charset="0"/>
-              <a:cs typeface="Times New Roman" panose="02020603050405020304" pitchFamily="18" charset="0"/>
-            </a:endParaRPr>
           </a:p>
           <a:p>
             <a:pPr algn="ctr"/>
@@ -4831,10 +4811,6 @@
               </a:rPr>
               <a:t>Діаграма варіантів використання</a:t>
             </a:r>
-            <a:endParaRPr lang="uk-UA" b="1" dirty="0" smtClean="0">
-              <a:latin typeface="Times New Roman" panose="02020603050405020304" pitchFamily="18" charset="0"/>
-              <a:cs typeface="Times New Roman" panose="02020603050405020304" pitchFamily="18" charset="0"/>
-            </a:endParaRPr>
           </a:p>
           <a:p>
             <a:pPr algn="ctr"/>
@@ -4997,10 +4973,6 @@
               </a:rPr>
               <a:t>)</a:t>
             </a:r>
-            <a:endParaRPr lang="uk-UA" b="1" dirty="0" smtClean="0">
-              <a:latin typeface="Times New Roman" panose="02020603050405020304" pitchFamily="18" charset="0"/>
-              <a:cs typeface="Times New Roman" panose="02020603050405020304" pitchFamily="18" charset="0"/>
-            </a:endParaRPr>
           </a:p>
           <a:p>
             <a:pPr algn="ctr"/>
@@ -5144,10 +5116,6 @@
               </a:rPr>
               <a:t>Діаграми діяльності (авторизація)</a:t>
             </a:r>
-            <a:endParaRPr lang="uk-UA" b="1" dirty="0" smtClean="0">
-              <a:latin typeface="Times New Roman" panose="02020603050405020304" pitchFamily="18" charset="0"/>
-              <a:cs typeface="Times New Roman" panose="02020603050405020304" pitchFamily="18" charset="0"/>
-            </a:endParaRPr>
           </a:p>
           <a:p>
             <a:pPr algn="ctr"/>
@@ -5291,10 +5259,6 @@
               </a:rPr>
               <a:t>Діаграми діяльності (пошук конкретного блоку)</a:t>
             </a:r>
-            <a:endParaRPr lang="uk-UA" b="1" dirty="0" smtClean="0">
-              <a:latin typeface="Times New Roman" panose="02020603050405020304" pitchFamily="18" charset="0"/>
-              <a:cs typeface="Times New Roman" panose="02020603050405020304" pitchFamily="18" charset="0"/>
-            </a:endParaRPr>
           </a:p>
           <a:p>
             <a:pPr algn="ctr"/>
@@ -5438,10 +5402,6 @@
               </a:rPr>
               <a:t>Діаграми діяльності (додавання блока)</a:t>
             </a:r>
-            <a:endParaRPr lang="uk-UA" b="1" dirty="0" smtClean="0">
-              <a:latin typeface="Times New Roman" panose="02020603050405020304" pitchFamily="18" charset="0"/>
-              <a:cs typeface="Times New Roman" panose="02020603050405020304" pitchFamily="18" charset="0"/>
-            </a:endParaRPr>
           </a:p>
           <a:p>
             <a:pPr algn="ctr"/>
@@ -5865,10 +5825,6 @@
               </a:rPr>
               <a:t>Діаграми діяльності (пошук блоків користувача)</a:t>
             </a:r>
-            <a:endParaRPr lang="uk-UA" b="1" dirty="0" smtClean="0">
-              <a:latin typeface="Times New Roman" panose="02020603050405020304" pitchFamily="18" charset="0"/>
-              <a:cs typeface="Times New Roman" panose="02020603050405020304" pitchFamily="18" charset="0"/>
-            </a:endParaRPr>
           </a:p>
           <a:p>
             <a:pPr algn="ctr"/>
@@ -6010,10 +5966,6 @@
               </a:rPr>
               <a:t>Локальне сховище</a:t>
             </a:r>
-            <a:endParaRPr lang="uk-UA" b="1" dirty="0" smtClean="0">
-              <a:latin typeface="Times New Roman" panose="02020603050405020304" pitchFamily="18" charset="0"/>
-              <a:cs typeface="Times New Roman" panose="02020603050405020304" pitchFamily="18" charset="0"/>
-            </a:endParaRPr>
           </a:p>
           <a:p>
             <a:pPr algn="ctr"/>
@@ -6233,10 +6185,6 @@
               </a:rPr>
               <a:t> та авторизація) </a:t>
             </a:r>
-            <a:endParaRPr lang="uk-UA" b="1" dirty="0" smtClean="0">
-              <a:latin typeface="Times New Roman" panose="02020603050405020304" pitchFamily="18" charset="0"/>
-              <a:cs typeface="Times New Roman" panose="02020603050405020304" pitchFamily="18" charset="0"/>
-            </a:endParaRPr>
           </a:p>
           <a:p>
             <a:pPr algn="ctr"/>
@@ -6552,10 +6500,6 @@
               </a:rPr>
               <a:t>Інтерфейс взаємодії з результатами пошуку</a:t>
             </a:r>
-            <a:endParaRPr lang="uk-UA" b="1" dirty="0" smtClean="0">
-              <a:latin typeface="Times New Roman" panose="02020603050405020304" pitchFamily="18" charset="0"/>
-              <a:cs typeface="Times New Roman" panose="02020603050405020304" pitchFamily="18" charset="0"/>
-            </a:endParaRPr>
           </a:p>
           <a:p>
             <a:pPr algn="ctr"/>
@@ -6697,10 +6641,6 @@
               </a:rPr>
               <a:t>Тестування</a:t>
             </a:r>
-            <a:endParaRPr lang="uk-UA" b="1" dirty="0" smtClean="0">
-              <a:latin typeface="Times New Roman" panose="02020603050405020304" pitchFamily="18" charset="0"/>
-              <a:cs typeface="Times New Roman" panose="02020603050405020304" pitchFamily="18" charset="0"/>
-            </a:endParaRPr>
           </a:p>
           <a:p>
             <a:pPr algn="ctr"/>
@@ -6888,10 +6828,6 @@
               </a:rPr>
               <a:t>Приклади використання</a:t>
             </a:r>
-            <a:endParaRPr lang="uk-UA" b="1" dirty="0" smtClean="0">
-              <a:latin typeface="Times New Roman" panose="02020603050405020304" pitchFamily="18" charset="0"/>
-              <a:cs typeface="Times New Roman" panose="02020603050405020304" pitchFamily="18" charset="0"/>
-            </a:endParaRPr>
           </a:p>
           <a:p>
             <a:pPr algn="ctr"/>
@@ -7056,7 +6992,7 @@
                 <a:latin typeface="Times New Roman" panose="02020603050405020304" pitchFamily="18" charset="0"/>
                 <a:cs typeface="Times New Roman" panose="02020603050405020304" pitchFamily="18" charset="0"/>
               </a:rPr>
-              <a:t>Приклад</a:t>
+              <a:t>Приклад медичного обліку</a:t>
             </a:r>
             <a:endParaRPr lang="uk-UA" b="1" dirty="0" smtClean="0">
               <a:latin typeface="Times New Roman" panose="02020603050405020304" pitchFamily="18" charset="0"/>
@@ -7095,6 +7031,30 @@
           </a:p>
         </p:txBody>
       </p:sp>
+      <p:pic>
+        <p:nvPicPr>
+          <p:cNvPr id="3" name="Рисунок 2"/>
+          <p:cNvPicPr>
+            <a:picLocks noChangeAspect="1"/>
+          </p:cNvPicPr>
+          <p:nvPr/>
+        </p:nvPicPr>
+        <p:blipFill>
+          <a:blip r:embed="rId2"/>
+          <a:stretch>
+            <a:fillRect/>
+          </a:stretch>
+        </p:blipFill>
+        <p:spPr>
+          <a:xfrm>
+            <a:off x="1634809" y="965742"/>
+            <a:ext cx="8922382" cy="5755733"/>
+          </a:xfrm>
+          <a:prstGeom prst="rect">
+            <a:avLst/>
+          </a:prstGeom>
+        </p:spPr>
+      </p:pic>
     </p:spTree>
     <p:extLst>
       <p:ext uri="{BB962C8B-B14F-4D97-AF65-F5344CB8AC3E}">
@@ -7179,7 +7139,7 @@
                 <a:latin typeface="Times New Roman" panose="02020603050405020304" pitchFamily="18" charset="0"/>
                 <a:cs typeface="Times New Roman" panose="02020603050405020304" pitchFamily="18" charset="0"/>
               </a:rPr>
-              <a:t>Можливі вдосконалення</a:t>
+              <a:t>Приклад перегляду історії хворого</a:t>
             </a:r>
             <a:endParaRPr lang="uk-UA" b="1" dirty="0" smtClean="0">
               <a:latin typeface="Times New Roman" panose="02020603050405020304" pitchFamily="18" charset="0"/>
@@ -7218,103 +7178,34 @@
           </a:p>
         </p:txBody>
       </p:sp>
-      <p:sp>
-        <p:nvSpPr>
-          <p:cNvPr id="3" name="TextBox 2"/>
-          <p:cNvSpPr txBox="1"/>
+      <p:pic>
+        <p:nvPicPr>
+          <p:cNvPr id="5" name="Рисунок 4"/>
+          <p:cNvPicPr>
+            <a:picLocks noChangeAspect="1"/>
+          </p:cNvPicPr>
           <p:nvPr/>
-        </p:nvSpPr>
+        </p:nvPicPr>
+        <p:blipFill>
+          <a:blip r:embed="rId2"/>
+          <a:stretch>
+            <a:fillRect/>
+          </a:stretch>
+        </p:blipFill>
         <p:spPr>
           <a:xfrm>
-            <a:off x="405723" y="1121889"/>
-            <a:ext cx="11380554" cy="5078313"/>
+            <a:off x="3393473" y="965742"/>
+            <a:ext cx="5405053" cy="5700801"/>
           </a:xfrm>
           <a:prstGeom prst="rect">
             <a:avLst/>
           </a:prstGeom>
-          <a:noFill/>
         </p:spPr>
-        <p:txBody>
-          <a:bodyPr wrap="square" rtlCol="0">
-            <a:spAutoFit/>
-          </a:bodyPr>
-          <a:lstStyle/>
-          <a:p>
-            <a:r>
-              <a:rPr lang="uk-UA" sz="3600" dirty="0"/>
-              <a:t>При розробці </a:t>
-            </a:r>
-            <a:r>
-              <a:rPr lang="uk-UA" sz="3600" dirty="0" smtClean="0"/>
-              <a:t>ПЗ були </a:t>
-            </a:r>
-            <a:r>
-              <a:rPr lang="uk-UA" sz="3600" dirty="0"/>
-              <a:t>виявлені недоліки в архітектурі взаємодій між системою </a:t>
-            </a:r>
-            <a:r>
-              <a:rPr lang="uk-UA" sz="3600" dirty="0" err="1"/>
-              <a:t>токенізації</a:t>
-            </a:r>
-            <a:r>
-              <a:rPr lang="uk-UA" sz="3600" dirty="0"/>
-              <a:t> та системою </a:t>
-            </a:r>
-            <a:r>
-              <a:rPr lang="en-US" sz="3600" dirty="0"/>
-              <a:t>Peer</a:t>
-            </a:r>
-            <a:r>
-              <a:rPr lang="uk-UA" sz="3600" dirty="0"/>
-              <a:t>-</a:t>
-            </a:r>
-            <a:r>
-              <a:rPr lang="en-US" sz="3600" dirty="0"/>
-              <a:t>To</a:t>
-            </a:r>
-            <a:r>
-              <a:rPr lang="uk-UA" sz="3600" dirty="0"/>
-              <a:t>-</a:t>
-            </a:r>
-            <a:r>
-              <a:rPr lang="en-US" sz="3600" dirty="0"/>
-              <a:t>Peer</a:t>
-            </a:r>
-            <a:r>
-              <a:rPr lang="uk-UA" sz="3600" dirty="0"/>
-              <a:t> передачі даних. Ці проблеми слід виправити для більшої надійності, та покращенню </a:t>
-            </a:r>
-            <a:r>
-              <a:rPr lang="uk-UA" sz="3600" dirty="0" smtClean="0"/>
-              <a:t>гнучкості системи для подальших модифікацій.</a:t>
-            </a:r>
-            <a:endParaRPr lang="ru-RU" sz="3600" dirty="0"/>
-          </a:p>
-          <a:p>
-            <a:r>
-              <a:rPr lang="uk-UA" sz="3600" dirty="0"/>
-              <a:t>Також слід провести оптимізацію збережень даних при </a:t>
-            </a:r>
-            <a:r>
-              <a:rPr lang="uk-UA" sz="3600" dirty="0" smtClean="0"/>
-              <a:t>першому запуску застосунка, тому що, час входу буде значно збільшуватися з кількістю інформації, що знаходиться в </a:t>
-            </a:r>
-            <a:r>
-              <a:rPr lang="uk-UA" sz="3600" dirty="0" err="1" smtClean="0"/>
-              <a:t>блокчейні</a:t>
-            </a:r>
-            <a:r>
-              <a:rPr lang="uk-UA" sz="3600" dirty="0" smtClean="0"/>
-              <a:t>.</a:t>
-            </a:r>
-            <a:endParaRPr lang="ru-RU" sz="3600" dirty="0"/>
-          </a:p>
-        </p:txBody>
-      </p:sp>
+      </p:pic>
     </p:spTree>
     <p:extLst>
       <p:ext uri="{BB962C8B-B14F-4D97-AF65-F5344CB8AC3E}">
-        <p14:creationId xmlns:p14="http://schemas.microsoft.com/office/powerpoint/2010/main" val="3749608275"/>
+        <p14:creationId xmlns:p14="http://schemas.microsoft.com/office/powerpoint/2010/main" val="1629549852"/>
       </p:ext>
     </p:extLst>
   </p:cSld>
@@ -7395,7 +7286,7 @@
                 <a:latin typeface="Times New Roman" panose="02020603050405020304" pitchFamily="18" charset="0"/>
                 <a:cs typeface="Times New Roman" panose="02020603050405020304" pitchFamily="18" charset="0"/>
               </a:rPr>
-              <a:t>Висновки</a:t>
+              <a:t>Можливі вдосконалення</a:t>
             </a:r>
           </a:p>
           <a:p>
@@ -7409,14 +7300,37 @@
       </p:sp>
       <p:sp>
         <p:nvSpPr>
+          <p:cNvPr id="4" name="Номер слайда 3"/>
+          <p:cNvSpPr>
+            <a:spLocks noGrp="1"/>
+          </p:cNvSpPr>
+          <p:nvPr>
+            <p:ph type="sldNum" sz="quarter" idx="12"/>
+          </p:nvPr>
+        </p:nvSpPr>
+        <p:spPr/>
+        <p:txBody>
+          <a:bodyPr/>
+          <a:lstStyle/>
+          <a:p>
+            <a:fld id="{E09DD669-CC1A-4D24-BC6B-97BA35B3733B}" type="slidenum">
+              <a:rPr lang="ru-RU" smtClean="0"/>
+              <a:t>29</a:t>
+            </a:fld>
+            <a:endParaRPr lang="ru-RU"/>
+          </a:p>
+        </p:txBody>
+      </p:sp>
+      <p:sp>
+        <p:nvSpPr>
           <p:cNvPr id="3" name="TextBox 2"/>
           <p:cNvSpPr txBox="1"/>
           <p:nvPr/>
         </p:nvSpPr>
         <p:spPr>
           <a:xfrm>
-            <a:off x="207433" y="1089164"/>
-            <a:ext cx="11777133" cy="5632311"/>
+            <a:off x="405723" y="1121889"/>
+            <a:ext cx="11380554" cy="5078313"/>
           </a:xfrm>
           <a:prstGeom prst="rect">
             <a:avLst/>
@@ -7431,231 +7345,79 @@
           <a:p>
             <a:r>
               <a:rPr lang="uk-UA" sz="3600" dirty="0"/>
-              <a:t>В ході дипломної роботи було: </a:t>
+              <a:t>При розробці </a:t>
+            </a:r>
+            <a:r>
+              <a:rPr lang="uk-UA" sz="3600" dirty="0" smtClean="0"/>
+              <a:t>ПЗ були </a:t>
+            </a:r>
+            <a:r>
+              <a:rPr lang="uk-UA" sz="3600" dirty="0"/>
+              <a:t>виявлені недоліки в архітектурі взаємодій між системою </a:t>
+            </a:r>
+            <a:r>
+              <a:rPr lang="uk-UA" sz="3600" dirty="0" err="1"/>
+              <a:t>токенізації</a:t>
+            </a:r>
+            <a:r>
+              <a:rPr lang="uk-UA" sz="3600" dirty="0"/>
+              <a:t> та системою </a:t>
+            </a:r>
+            <a:r>
+              <a:rPr lang="en-US" sz="3600" dirty="0"/>
+              <a:t>Peer</a:t>
+            </a:r>
+            <a:r>
+              <a:rPr lang="uk-UA" sz="3600" dirty="0"/>
+              <a:t>-</a:t>
+            </a:r>
+            <a:r>
+              <a:rPr lang="en-US" sz="3600" dirty="0"/>
+              <a:t>To</a:t>
+            </a:r>
+            <a:r>
+              <a:rPr lang="uk-UA" sz="3600" dirty="0"/>
+              <a:t>-</a:t>
+            </a:r>
+            <a:r>
+              <a:rPr lang="en-US" sz="3600" dirty="0"/>
+              <a:t>Peer</a:t>
+            </a:r>
+            <a:r>
+              <a:rPr lang="uk-UA" sz="3600" dirty="0"/>
+              <a:t> передачі даних. Ці проблеми слід виправити для більшої надійності, та покращенню </a:t>
+            </a:r>
+            <a:r>
+              <a:rPr lang="uk-UA" sz="3600" dirty="0" smtClean="0"/>
+              <a:t>гнучкості системи для подальших модифікацій.</a:t>
             </a:r>
             <a:endParaRPr lang="ru-RU" sz="3600" dirty="0"/>
           </a:p>
           <a:p>
             <a:r>
-              <a:rPr lang="ru-RU" sz="3600" dirty="0" smtClean="0"/>
-              <a:t>- Проведено </a:t>
+              <a:rPr lang="uk-UA" sz="3600" dirty="0"/>
+              <a:t>Також слід провести оптимізацію збережень даних при </a:t>
             </a:r>
             <a:r>
               <a:rPr lang="uk-UA" sz="3600" dirty="0" smtClean="0"/>
-              <a:t>аналіз предметної області та сучасних аналогів</a:t>
-            </a:r>
-            <a:r>
-              <a:rPr lang="ru-RU" sz="3600" dirty="0" smtClean="0"/>
-              <a:t>;</a:t>
+              <a:t>першому запуску застосунка, тому що, час входу буде значно збільшуватися з кількістю інформації, що знаходиться в </a:t>
+            </a:r>
+            <a:r>
+              <a:rPr lang="uk-UA" sz="3600" dirty="0" err="1" smtClean="0"/>
+              <a:t>блокчейні</a:t>
+            </a:r>
+            <a:r>
+              <a:rPr lang="uk-UA" sz="3600" dirty="0" smtClean="0"/>
+              <a:t>.</a:t>
             </a:r>
             <a:endParaRPr lang="ru-RU" sz="3600" dirty="0"/>
-          </a:p>
-          <a:p>
-            <a:r>
-              <a:rPr lang="ru-RU" sz="3600" dirty="0" smtClean="0"/>
-              <a:t>- </a:t>
-            </a:r>
-            <a:r>
-              <a:rPr lang="ru-RU" sz="3600" dirty="0" err="1" smtClean="0"/>
-              <a:t>Виявлені</a:t>
-            </a:r>
-            <a:r>
-              <a:rPr lang="ru-RU" sz="3600" dirty="0" smtClean="0"/>
-              <a:t> </a:t>
-            </a:r>
-            <a:r>
-              <a:rPr lang="ru-RU" sz="3600" dirty="0" err="1" smtClean="0"/>
-              <a:t>недоліки</a:t>
-            </a:r>
-            <a:r>
-              <a:rPr lang="ru-RU" sz="3600" dirty="0" smtClean="0"/>
-              <a:t> та </a:t>
-            </a:r>
-            <a:r>
-              <a:rPr lang="ru-RU" sz="3600" dirty="0" err="1" smtClean="0"/>
-              <a:t>переваги</a:t>
-            </a:r>
-            <a:r>
-              <a:rPr lang="ru-RU" sz="3600" dirty="0" smtClean="0"/>
-              <a:t> </a:t>
-            </a:r>
-            <a:r>
-              <a:rPr lang="ru-RU" sz="3600" dirty="0" err="1" smtClean="0"/>
-              <a:t>сучасних</a:t>
-            </a:r>
-            <a:r>
-              <a:rPr lang="ru-RU" sz="3600" dirty="0" smtClean="0"/>
-              <a:t> систем;</a:t>
-            </a:r>
-          </a:p>
-          <a:p>
-            <a:r>
-              <a:rPr lang="ru-RU" sz="3600" dirty="0" smtClean="0"/>
-              <a:t>- </a:t>
-            </a:r>
-            <a:r>
-              <a:rPr lang="ru-RU" sz="3600" dirty="0" err="1" smtClean="0"/>
-              <a:t>Розроблені</a:t>
-            </a:r>
-            <a:r>
-              <a:rPr lang="ru-RU" sz="3600" dirty="0" smtClean="0"/>
-              <a:t> </a:t>
-            </a:r>
-            <a:r>
-              <a:rPr lang="ru-RU" sz="3600" dirty="0" err="1" smtClean="0"/>
-              <a:t>вимоги</a:t>
-            </a:r>
-            <a:r>
-              <a:rPr lang="ru-RU" sz="3600" dirty="0" smtClean="0"/>
-              <a:t> та </a:t>
-            </a:r>
-            <a:r>
-              <a:rPr lang="ru-RU" sz="3600" dirty="0" err="1" smtClean="0"/>
-              <a:t>бізнес</a:t>
-            </a:r>
-            <a:r>
-              <a:rPr lang="ru-RU" sz="3600" dirty="0" smtClean="0"/>
-              <a:t> </a:t>
-            </a:r>
-            <a:r>
-              <a:rPr lang="ru-RU" sz="3600" dirty="0" err="1" smtClean="0"/>
-              <a:t>процеси</a:t>
-            </a:r>
-            <a:r>
-              <a:rPr lang="ru-RU" sz="3600" dirty="0" smtClean="0"/>
-              <a:t> </a:t>
-            </a:r>
-            <a:r>
-              <a:rPr lang="ru-RU" sz="3600" dirty="0" err="1" smtClean="0"/>
-              <a:t>маайбутнього</a:t>
-            </a:r>
-            <a:r>
-              <a:rPr lang="ru-RU" sz="3600" dirty="0" smtClean="0"/>
-              <a:t> ПЗ, </a:t>
-            </a:r>
-            <a:r>
-              <a:rPr lang="ru-RU" sz="3600" dirty="0" err="1" smtClean="0"/>
-              <a:t>що</a:t>
-            </a:r>
-            <a:r>
-              <a:rPr lang="ru-RU" sz="3600" dirty="0" smtClean="0"/>
-              <a:t> буде </a:t>
-            </a:r>
-            <a:r>
-              <a:rPr lang="ru-RU" sz="3600" dirty="0" err="1" smtClean="0"/>
-              <a:t>вирішувати</a:t>
-            </a:r>
-            <a:r>
-              <a:rPr lang="ru-RU" sz="3600" dirty="0" smtClean="0"/>
-              <a:t> </a:t>
-            </a:r>
-            <a:r>
-              <a:rPr lang="ru-RU" sz="3600" dirty="0" err="1" smtClean="0"/>
-              <a:t>поставлені</a:t>
-            </a:r>
-            <a:r>
-              <a:rPr lang="ru-RU" sz="3600" dirty="0" smtClean="0"/>
-              <a:t> </a:t>
-            </a:r>
-            <a:r>
-              <a:rPr lang="ru-RU" sz="3600" dirty="0" err="1" smtClean="0"/>
-              <a:t>проблеми</a:t>
-            </a:r>
-            <a:r>
-              <a:rPr lang="ru-RU" sz="3600" dirty="0"/>
-              <a:t>;</a:t>
-            </a:r>
-            <a:endParaRPr lang="ru-RU" sz="3600" dirty="0"/>
-          </a:p>
-          <a:p>
-            <a:r>
-              <a:rPr lang="ru-RU" sz="3600" dirty="0" smtClean="0"/>
-              <a:t>- </a:t>
-            </a:r>
-            <a:r>
-              <a:rPr lang="ru-RU" sz="3600" dirty="0" err="1" smtClean="0"/>
-              <a:t>Розроблена</a:t>
-            </a:r>
-            <a:r>
-              <a:rPr lang="ru-RU" sz="3600" dirty="0" smtClean="0"/>
-              <a:t> </a:t>
-            </a:r>
-            <a:r>
-              <a:rPr lang="ru-RU" sz="3600" dirty="0" err="1" smtClean="0"/>
-              <a:t>архітектурні</a:t>
-            </a:r>
-            <a:r>
-              <a:rPr lang="ru-RU" sz="3600" dirty="0" smtClean="0"/>
-              <a:t> </a:t>
-            </a:r>
-            <a:r>
-              <a:rPr lang="ru-RU" sz="3600" dirty="0" err="1" smtClean="0"/>
-              <a:t>рішення</a:t>
-            </a:r>
-            <a:r>
-              <a:rPr lang="ru-RU" sz="3600" dirty="0" smtClean="0"/>
-              <a:t>;</a:t>
-            </a:r>
-            <a:endParaRPr lang="ru-RU" sz="3600" dirty="0"/>
-          </a:p>
-          <a:p>
-            <a:r>
-              <a:rPr lang="uk-UA" sz="3600" dirty="0" smtClean="0"/>
-              <a:t>- Розроблено та </a:t>
-            </a:r>
-            <a:r>
-              <a:rPr lang="uk-UA" sz="3600" dirty="0" err="1" smtClean="0"/>
-              <a:t>протестовано</a:t>
-            </a:r>
-            <a:r>
-              <a:rPr lang="uk-UA" sz="3600" dirty="0" smtClean="0"/>
-              <a:t> систему </a:t>
-            </a:r>
-            <a:r>
-              <a:rPr lang="uk-UA" sz="3600" dirty="0" err="1" smtClean="0"/>
-              <a:t>токенізації</a:t>
-            </a:r>
-            <a:r>
-              <a:rPr lang="uk-UA" sz="3600" dirty="0" smtClean="0"/>
-              <a:t>;</a:t>
-            </a:r>
-          </a:p>
-          <a:p>
-            <a:r>
-              <a:rPr lang="uk-UA" sz="3600" dirty="0" smtClean="0"/>
-              <a:t>- Розроблено тестовий застосунок, що має показати як можна використовувати можливості системи.</a:t>
-            </a:r>
-            <a:endParaRPr lang="ru-RU" sz="3600" dirty="0"/>
-          </a:p>
-        </p:txBody>
-      </p:sp>
-      <p:sp>
-        <p:nvSpPr>
-          <p:cNvPr id="4" name="Номер слайда 3"/>
-          <p:cNvSpPr>
-            <a:spLocks noGrp="1"/>
-          </p:cNvSpPr>
-          <p:nvPr>
-            <p:ph type="sldNum" sz="quarter" idx="12"/>
-          </p:nvPr>
-        </p:nvSpPr>
-        <p:spPr/>
-        <p:txBody>
-          <a:bodyPr/>
-          <a:lstStyle/>
-          <a:p>
-            <a:fld id="{E09DD669-CC1A-4D24-BC6B-97BA35B3733B}" type="slidenum">
-              <a:rPr lang="ru-RU" smtClean="0"/>
-              <a:t>29</a:t>
-            </a:fld>
-            <a:endParaRPr lang="ru-RU" dirty="0"/>
           </a:p>
         </p:txBody>
       </p:sp>
     </p:spTree>
     <p:extLst>
       <p:ext uri="{BB962C8B-B14F-4D97-AF65-F5344CB8AC3E}">
-        <p14:creationId xmlns:p14="http://schemas.microsoft.com/office/powerpoint/2010/main" val="3836319228"/>
+        <p14:creationId xmlns:p14="http://schemas.microsoft.com/office/powerpoint/2010/main" val="3749608275"/>
       </p:ext>
     </p:extLst>
   </p:cSld>
@@ -7895,6 +7657,686 @@
       </p:grpSpPr>
       <p:sp>
         <p:nvSpPr>
+          <p:cNvPr id="2" name="Заголовок 1"/>
+          <p:cNvSpPr txBox="1">
+            <a:spLocks/>
+          </p:cNvSpPr>
+          <p:nvPr/>
+        </p:nvSpPr>
+        <p:spPr>
+          <a:xfrm>
+            <a:off x="635000" y="331660"/>
+            <a:ext cx="10922000" cy="634082"/>
+          </a:xfrm>
+          <a:prstGeom prst="rect">
+            <a:avLst/>
+          </a:prstGeom>
+        </p:spPr>
+        <p:txBody>
+          <a:bodyPr>
+            <a:normAutofit fontScale="90000" lnSpcReduction="10000"/>
+          </a:bodyPr>
+          <a:lstStyle>
+            <a:lvl1pPr algn="l" defTabSz="914400" rtl="0" eaLnBrk="1" latinLnBrk="0" hangingPunct="1">
+              <a:lnSpc>
+                <a:spcPct val="90000"/>
+              </a:lnSpc>
+              <a:spcBef>
+                <a:spcPct val="0"/>
+              </a:spcBef>
+              <a:buNone/>
+              <a:defRPr sz="4400" kern="1200">
+                <a:solidFill>
+                  <a:schemeClr val="tx1"/>
+                </a:solidFill>
+                <a:latin typeface="+mj-lt"/>
+                <a:ea typeface="+mj-ea"/>
+                <a:cs typeface="+mj-cs"/>
+              </a:defRPr>
+            </a:lvl1pPr>
+          </a:lstStyle>
+          <a:p>
+            <a:pPr algn="ctr"/>
+            <a:r>
+              <a:rPr lang="uk-UA" b="1" dirty="0" smtClean="0">
+                <a:latin typeface="Times New Roman" panose="02020603050405020304" pitchFamily="18" charset="0"/>
+                <a:cs typeface="Times New Roman" panose="02020603050405020304" pitchFamily="18" charset="0"/>
+              </a:rPr>
+              <a:t>Висновки</a:t>
+            </a:r>
+          </a:p>
+          <a:p>
+            <a:pPr algn="ctr"/>
+            <a:endParaRPr lang="ru-RU" b="1" dirty="0">
+              <a:latin typeface="Times New Roman" panose="02020603050405020304" pitchFamily="18" charset="0"/>
+              <a:cs typeface="Times New Roman" panose="02020603050405020304" pitchFamily="18" charset="0"/>
+            </a:endParaRPr>
+          </a:p>
+        </p:txBody>
+      </p:sp>
+      <p:sp>
+        <p:nvSpPr>
+          <p:cNvPr id="3" name="TextBox 2"/>
+          <p:cNvSpPr txBox="1"/>
+          <p:nvPr/>
+        </p:nvSpPr>
+        <p:spPr>
+          <a:xfrm>
+            <a:off x="207433" y="1089164"/>
+            <a:ext cx="11777133" cy="5632311"/>
+          </a:xfrm>
+          <a:prstGeom prst="rect">
+            <a:avLst/>
+          </a:prstGeom>
+          <a:noFill/>
+        </p:spPr>
+        <p:txBody>
+          <a:bodyPr wrap="square" rtlCol="0">
+            <a:spAutoFit/>
+          </a:bodyPr>
+          <a:lstStyle/>
+          <a:p>
+            <a:r>
+              <a:rPr lang="uk-UA" sz="3600" dirty="0"/>
+              <a:t>В ході дипломної роботи було: </a:t>
+            </a:r>
+            <a:endParaRPr lang="ru-RU" sz="3600" dirty="0"/>
+          </a:p>
+          <a:p>
+            <a:r>
+              <a:rPr lang="ru-RU" sz="3600" dirty="0" smtClean="0"/>
+              <a:t>- Проведено </a:t>
+            </a:r>
+            <a:r>
+              <a:rPr lang="uk-UA" sz="3600" dirty="0" smtClean="0"/>
+              <a:t>аналіз предметної області та сучасних аналогів</a:t>
+            </a:r>
+            <a:r>
+              <a:rPr lang="ru-RU" sz="3600" dirty="0" smtClean="0"/>
+              <a:t>;</a:t>
+            </a:r>
+            <a:endParaRPr lang="ru-RU" sz="3600" dirty="0"/>
+          </a:p>
+          <a:p>
+            <a:r>
+              <a:rPr lang="ru-RU" sz="3600" dirty="0" smtClean="0"/>
+              <a:t>- </a:t>
+            </a:r>
+            <a:r>
+              <a:rPr lang="ru-RU" sz="3600" dirty="0" err="1" smtClean="0"/>
+              <a:t>Виявлені</a:t>
+            </a:r>
+            <a:r>
+              <a:rPr lang="ru-RU" sz="3600" dirty="0" smtClean="0"/>
+              <a:t> </a:t>
+            </a:r>
+            <a:r>
+              <a:rPr lang="ru-RU" sz="3600" dirty="0" err="1" smtClean="0"/>
+              <a:t>недоліки</a:t>
+            </a:r>
+            <a:r>
+              <a:rPr lang="ru-RU" sz="3600" dirty="0" smtClean="0"/>
+              <a:t> та </a:t>
+            </a:r>
+            <a:r>
+              <a:rPr lang="ru-RU" sz="3600" dirty="0" err="1" smtClean="0"/>
+              <a:t>переваги</a:t>
+            </a:r>
+            <a:r>
+              <a:rPr lang="ru-RU" sz="3600" dirty="0" smtClean="0"/>
+              <a:t> </a:t>
+            </a:r>
+            <a:r>
+              <a:rPr lang="ru-RU" sz="3600" dirty="0" err="1" smtClean="0"/>
+              <a:t>сучасних</a:t>
+            </a:r>
+            <a:r>
+              <a:rPr lang="ru-RU" sz="3600" dirty="0" smtClean="0"/>
+              <a:t> систем;</a:t>
+            </a:r>
+          </a:p>
+          <a:p>
+            <a:r>
+              <a:rPr lang="ru-RU" sz="3600" dirty="0" smtClean="0"/>
+              <a:t>- </a:t>
+            </a:r>
+            <a:r>
+              <a:rPr lang="ru-RU" sz="3600" dirty="0" err="1" smtClean="0"/>
+              <a:t>Розроблені</a:t>
+            </a:r>
+            <a:r>
+              <a:rPr lang="ru-RU" sz="3600" dirty="0" smtClean="0"/>
+              <a:t> </a:t>
+            </a:r>
+            <a:r>
+              <a:rPr lang="ru-RU" sz="3600" dirty="0" err="1" smtClean="0"/>
+              <a:t>вимоги</a:t>
+            </a:r>
+            <a:r>
+              <a:rPr lang="ru-RU" sz="3600" dirty="0" smtClean="0"/>
+              <a:t> та </a:t>
+            </a:r>
+            <a:r>
+              <a:rPr lang="ru-RU" sz="3600" dirty="0" err="1" smtClean="0"/>
+              <a:t>бізнес</a:t>
+            </a:r>
+            <a:r>
+              <a:rPr lang="ru-RU" sz="3600" dirty="0" smtClean="0"/>
+              <a:t> </a:t>
+            </a:r>
+            <a:r>
+              <a:rPr lang="ru-RU" sz="3600" dirty="0" err="1" smtClean="0"/>
+              <a:t>процеси</a:t>
+            </a:r>
+            <a:r>
+              <a:rPr lang="ru-RU" sz="3600" dirty="0" smtClean="0"/>
+              <a:t> </a:t>
+            </a:r>
+            <a:r>
+              <a:rPr lang="ru-RU" sz="3600" dirty="0" err="1" smtClean="0"/>
+              <a:t>маайбутнього</a:t>
+            </a:r>
+            <a:r>
+              <a:rPr lang="ru-RU" sz="3600" dirty="0" smtClean="0"/>
+              <a:t> ПЗ, </a:t>
+            </a:r>
+            <a:r>
+              <a:rPr lang="ru-RU" sz="3600" dirty="0" err="1" smtClean="0"/>
+              <a:t>що</a:t>
+            </a:r>
+            <a:r>
+              <a:rPr lang="ru-RU" sz="3600" dirty="0" smtClean="0"/>
+              <a:t> буде </a:t>
+            </a:r>
+            <a:r>
+              <a:rPr lang="ru-RU" sz="3600" dirty="0" err="1" smtClean="0"/>
+              <a:t>вирішувати</a:t>
+            </a:r>
+            <a:r>
+              <a:rPr lang="ru-RU" sz="3600" dirty="0" smtClean="0"/>
+              <a:t> </a:t>
+            </a:r>
+            <a:r>
+              <a:rPr lang="ru-RU" sz="3600" dirty="0" err="1" smtClean="0"/>
+              <a:t>поставлені</a:t>
+            </a:r>
+            <a:r>
+              <a:rPr lang="ru-RU" sz="3600" dirty="0" smtClean="0"/>
+              <a:t> </a:t>
+            </a:r>
+            <a:r>
+              <a:rPr lang="ru-RU" sz="3600" dirty="0" err="1" smtClean="0"/>
+              <a:t>проблеми</a:t>
+            </a:r>
+            <a:r>
+              <a:rPr lang="ru-RU" sz="3600" dirty="0"/>
+              <a:t>;</a:t>
+            </a:r>
+          </a:p>
+          <a:p>
+            <a:r>
+              <a:rPr lang="ru-RU" sz="3600" dirty="0" smtClean="0"/>
+              <a:t>- </a:t>
+            </a:r>
+            <a:r>
+              <a:rPr lang="ru-RU" sz="3600" dirty="0" err="1" smtClean="0"/>
+              <a:t>Розроблена</a:t>
+            </a:r>
+            <a:r>
+              <a:rPr lang="ru-RU" sz="3600" dirty="0" smtClean="0"/>
+              <a:t> </a:t>
+            </a:r>
+            <a:r>
+              <a:rPr lang="ru-RU" sz="3600" dirty="0" err="1" smtClean="0"/>
+              <a:t>архітектурні</a:t>
+            </a:r>
+            <a:r>
+              <a:rPr lang="ru-RU" sz="3600" dirty="0" smtClean="0"/>
+              <a:t> </a:t>
+            </a:r>
+            <a:r>
+              <a:rPr lang="ru-RU" sz="3600" dirty="0" err="1" smtClean="0"/>
+              <a:t>рішення</a:t>
+            </a:r>
+            <a:r>
+              <a:rPr lang="ru-RU" sz="3600" dirty="0" smtClean="0"/>
+              <a:t>;</a:t>
+            </a:r>
+            <a:endParaRPr lang="ru-RU" sz="3600" dirty="0"/>
+          </a:p>
+          <a:p>
+            <a:r>
+              <a:rPr lang="uk-UA" sz="3600" dirty="0" smtClean="0"/>
+              <a:t>- Розроблено та </a:t>
+            </a:r>
+            <a:r>
+              <a:rPr lang="uk-UA" sz="3600" dirty="0" err="1" smtClean="0"/>
+              <a:t>протестовано</a:t>
+            </a:r>
+            <a:r>
+              <a:rPr lang="uk-UA" sz="3600" dirty="0" smtClean="0"/>
+              <a:t> систему </a:t>
+            </a:r>
+            <a:r>
+              <a:rPr lang="uk-UA" sz="3600" dirty="0" err="1" smtClean="0"/>
+              <a:t>токенізації</a:t>
+            </a:r>
+            <a:r>
+              <a:rPr lang="uk-UA" sz="3600" dirty="0" smtClean="0"/>
+              <a:t>;</a:t>
+            </a:r>
+          </a:p>
+          <a:p>
+            <a:r>
+              <a:rPr lang="uk-UA" sz="3600" dirty="0" smtClean="0"/>
+              <a:t>- Розроблено тестовий застосунок, що має показати як можна використовувати можливості системи.</a:t>
+            </a:r>
+            <a:endParaRPr lang="ru-RU" sz="3600" dirty="0"/>
+          </a:p>
+        </p:txBody>
+      </p:sp>
+      <p:sp>
+        <p:nvSpPr>
+          <p:cNvPr id="4" name="Номер слайда 3"/>
+          <p:cNvSpPr>
+            <a:spLocks noGrp="1"/>
+          </p:cNvSpPr>
+          <p:nvPr>
+            <p:ph type="sldNum" sz="quarter" idx="12"/>
+          </p:nvPr>
+        </p:nvSpPr>
+        <p:spPr/>
+        <p:txBody>
+          <a:bodyPr/>
+          <a:lstStyle/>
+          <a:p>
+            <a:fld id="{E09DD669-CC1A-4D24-BC6B-97BA35B3733B}" type="slidenum">
+              <a:rPr lang="ru-RU" smtClean="0"/>
+              <a:t>30</a:t>
+            </a:fld>
+            <a:endParaRPr lang="ru-RU" dirty="0"/>
+          </a:p>
+        </p:txBody>
+      </p:sp>
+    </p:spTree>
+    <p:extLst>
+      <p:ext uri="{BB962C8B-B14F-4D97-AF65-F5344CB8AC3E}">
+        <p14:creationId xmlns:p14="http://schemas.microsoft.com/office/powerpoint/2010/main" val="3836319228"/>
+      </p:ext>
+    </p:extLst>
+  </p:cSld>
+  <p:clrMapOvr>
+    <a:masterClrMapping/>
+  </p:clrMapOvr>
+  <p:timing>
+    <p:tnLst>
+      <p:par>
+        <p:cTn id="1" dur="indefinite" restart="never" nodeType="tmRoot"/>
+      </p:par>
+    </p:tnLst>
+  </p:timing>
+</p:sld>
+</file>
+
+<file path=ppt/slides/slide31.xml><?xml version="1.0" encoding="utf-8"?>
+<p:sld xmlns:a="http://schemas.openxmlformats.org/drawingml/2006/main" xmlns:r="http://schemas.openxmlformats.org/officeDocument/2006/relationships" xmlns:p="http://schemas.openxmlformats.org/presentationml/2006/main">
+  <p:cSld>
+    <p:spTree>
+      <p:nvGrpSpPr>
+        <p:cNvPr id="1" name=""/>
+        <p:cNvGrpSpPr/>
+        <p:nvPr/>
+      </p:nvGrpSpPr>
+      <p:grpSpPr>
+        <a:xfrm>
+          <a:off x="0" y="0"/>
+          <a:ext cx="0" cy="0"/>
+          <a:chOff x="0" y="0"/>
+          <a:chExt cx="0" cy="0"/>
+        </a:xfrm>
+      </p:grpSpPr>
+      <p:sp>
+        <p:nvSpPr>
+          <p:cNvPr id="2" name="Заголовок 1"/>
+          <p:cNvSpPr txBox="1">
+            <a:spLocks/>
+          </p:cNvSpPr>
+          <p:nvPr/>
+        </p:nvSpPr>
+        <p:spPr>
+          <a:xfrm>
+            <a:off x="635000" y="331660"/>
+            <a:ext cx="10922000" cy="634082"/>
+          </a:xfrm>
+          <a:prstGeom prst="rect">
+            <a:avLst/>
+          </a:prstGeom>
+        </p:spPr>
+        <p:txBody>
+          <a:bodyPr>
+            <a:normAutofit fontScale="90000" lnSpcReduction="10000"/>
+          </a:bodyPr>
+          <a:lstStyle>
+            <a:lvl1pPr algn="l" defTabSz="914400" rtl="0" eaLnBrk="1" latinLnBrk="0" hangingPunct="1">
+              <a:lnSpc>
+                <a:spcPct val="90000"/>
+              </a:lnSpc>
+              <a:spcBef>
+                <a:spcPct val="0"/>
+              </a:spcBef>
+              <a:buNone/>
+              <a:defRPr sz="4400" kern="1200">
+                <a:solidFill>
+                  <a:schemeClr val="tx1"/>
+                </a:solidFill>
+                <a:latin typeface="+mj-lt"/>
+                <a:ea typeface="+mj-ea"/>
+                <a:cs typeface="+mj-cs"/>
+              </a:defRPr>
+            </a:lvl1pPr>
+          </a:lstStyle>
+          <a:p>
+            <a:pPr algn="ctr"/>
+            <a:r>
+              <a:rPr lang="uk-UA" b="1" dirty="0" smtClean="0">
+                <a:latin typeface="Times New Roman" panose="02020603050405020304" pitchFamily="18" charset="0"/>
+                <a:cs typeface="Times New Roman" panose="02020603050405020304" pitchFamily="18" charset="0"/>
+              </a:rPr>
+              <a:t>Висновки</a:t>
+            </a:r>
+          </a:p>
+          <a:p>
+            <a:pPr algn="ctr"/>
+            <a:endParaRPr lang="ru-RU" b="1" dirty="0">
+              <a:latin typeface="Times New Roman" panose="02020603050405020304" pitchFamily="18" charset="0"/>
+              <a:cs typeface="Times New Roman" panose="02020603050405020304" pitchFamily="18" charset="0"/>
+            </a:endParaRPr>
+          </a:p>
+        </p:txBody>
+      </p:sp>
+      <p:sp>
+        <p:nvSpPr>
+          <p:cNvPr id="3" name="TextBox 2"/>
+          <p:cNvSpPr txBox="1"/>
+          <p:nvPr/>
+        </p:nvSpPr>
+        <p:spPr>
+          <a:xfrm>
+            <a:off x="207433" y="1089164"/>
+            <a:ext cx="11777133" cy="5632311"/>
+          </a:xfrm>
+          <a:prstGeom prst="rect">
+            <a:avLst/>
+          </a:prstGeom>
+          <a:noFill/>
+        </p:spPr>
+        <p:txBody>
+          <a:bodyPr wrap="square" rtlCol="0">
+            <a:spAutoFit/>
+          </a:bodyPr>
+          <a:lstStyle/>
+          <a:p>
+            <a:r>
+              <a:rPr lang="uk-UA" sz="3600" dirty="0"/>
+              <a:t>В ході дипломної роботи було: </a:t>
+            </a:r>
+            <a:endParaRPr lang="ru-RU" sz="3600" dirty="0"/>
+          </a:p>
+          <a:p>
+            <a:r>
+              <a:rPr lang="ru-RU" sz="3600" dirty="0" smtClean="0"/>
+              <a:t>- Проведено </a:t>
+            </a:r>
+            <a:r>
+              <a:rPr lang="uk-UA" sz="3600" dirty="0" smtClean="0"/>
+              <a:t>аналіз предметної області та сучасних аналогів</a:t>
+            </a:r>
+            <a:r>
+              <a:rPr lang="ru-RU" sz="3600" dirty="0" smtClean="0"/>
+              <a:t>;</a:t>
+            </a:r>
+            <a:endParaRPr lang="ru-RU" sz="3600" dirty="0"/>
+          </a:p>
+          <a:p>
+            <a:r>
+              <a:rPr lang="ru-RU" sz="3600" dirty="0" smtClean="0"/>
+              <a:t>- </a:t>
+            </a:r>
+            <a:r>
+              <a:rPr lang="ru-RU" sz="3600" dirty="0" err="1" smtClean="0"/>
+              <a:t>Виявлені</a:t>
+            </a:r>
+            <a:r>
+              <a:rPr lang="ru-RU" sz="3600" dirty="0" smtClean="0"/>
+              <a:t> </a:t>
+            </a:r>
+            <a:r>
+              <a:rPr lang="ru-RU" sz="3600" dirty="0" err="1" smtClean="0"/>
+              <a:t>недоліки</a:t>
+            </a:r>
+            <a:r>
+              <a:rPr lang="ru-RU" sz="3600" dirty="0" smtClean="0"/>
+              <a:t> та </a:t>
+            </a:r>
+            <a:r>
+              <a:rPr lang="ru-RU" sz="3600" dirty="0" err="1" smtClean="0"/>
+              <a:t>переваги</a:t>
+            </a:r>
+            <a:r>
+              <a:rPr lang="ru-RU" sz="3600" dirty="0" smtClean="0"/>
+              <a:t> </a:t>
+            </a:r>
+            <a:r>
+              <a:rPr lang="ru-RU" sz="3600" dirty="0" err="1" smtClean="0"/>
+              <a:t>сучасних</a:t>
+            </a:r>
+            <a:r>
+              <a:rPr lang="ru-RU" sz="3600" dirty="0" smtClean="0"/>
+              <a:t> систем;</a:t>
+            </a:r>
+          </a:p>
+          <a:p>
+            <a:r>
+              <a:rPr lang="ru-RU" sz="3600" dirty="0" smtClean="0"/>
+              <a:t>- </a:t>
+            </a:r>
+            <a:r>
+              <a:rPr lang="ru-RU" sz="3600" dirty="0" err="1" smtClean="0"/>
+              <a:t>Розроблені</a:t>
+            </a:r>
+            <a:r>
+              <a:rPr lang="ru-RU" sz="3600" dirty="0" smtClean="0"/>
+              <a:t> </a:t>
+            </a:r>
+            <a:r>
+              <a:rPr lang="ru-RU" sz="3600" dirty="0" err="1" smtClean="0"/>
+              <a:t>вимоги</a:t>
+            </a:r>
+            <a:r>
+              <a:rPr lang="ru-RU" sz="3600" dirty="0" smtClean="0"/>
+              <a:t> та </a:t>
+            </a:r>
+            <a:r>
+              <a:rPr lang="ru-RU" sz="3600" dirty="0" err="1" smtClean="0"/>
+              <a:t>бізнес</a:t>
+            </a:r>
+            <a:r>
+              <a:rPr lang="ru-RU" sz="3600" dirty="0" smtClean="0"/>
+              <a:t> </a:t>
+            </a:r>
+            <a:r>
+              <a:rPr lang="ru-RU" sz="3600" dirty="0" err="1" smtClean="0"/>
+              <a:t>процеси</a:t>
+            </a:r>
+            <a:r>
+              <a:rPr lang="ru-RU" sz="3600" dirty="0" smtClean="0"/>
+              <a:t> </a:t>
+            </a:r>
+            <a:r>
+              <a:rPr lang="ru-RU" sz="3600" dirty="0" err="1" smtClean="0"/>
+              <a:t>маайбутнього</a:t>
+            </a:r>
+            <a:r>
+              <a:rPr lang="ru-RU" sz="3600" dirty="0" smtClean="0"/>
+              <a:t> ПЗ, </a:t>
+            </a:r>
+            <a:r>
+              <a:rPr lang="ru-RU" sz="3600" dirty="0" err="1" smtClean="0"/>
+              <a:t>що</a:t>
+            </a:r>
+            <a:r>
+              <a:rPr lang="ru-RU" sz="3600" dirty="0" smtClean="0"/>
+              <a:t> буде </a:t>
+            </a:r>
+            <a:r>
+              <a:rPr lang="ru-RU" sz="3600" dirty="0" err="1" smtClean="0"/>
+              <a:t>вирішувати</a:t>
+            </a:r>
+            <a:r>
+              <a:rPr lang="ru-RU" sz="3600" dirty="0" smtClean="0"/>
+              <a:t> </a:t>
+            </a:r>
+            <a:r>
+              <a:rPr lang="ru-RU" sz="3600" dirty="0" err="1" smtClean="0"/>
+              <a:t>поставлені</a:t>
+            </a:r>
+            <a:r>
+              <a:rPr lang="ru-RU" sz="3600" dirty="0" smtClean="0"/>
+              <a:t> </a:t>
+            </a:r>
+            <a:r>
+              <a:rPr lang="ru-RU" sz="3600" dirty="0" err="1" smtClean="0"/>
+              <a:t>проблеми</a:t>
+            </a:r>
+            <a:r>
+              <a:rPr lang="ru-RU" sz="3600" dirty="0"/>
+              <a:t>;</a:t>
+            </a:r>
+          </a:p>
+          <a:p>
+            <a:r>
+              <a:rPr lang="ru-RU" sz="3600" dirty="0" smtClean="0"/>
+              <a:t>- </a:t>
+            </a:r>
+            <a:r>
+              <a:rPr lang="ru-RU" sz="3600" dirty="0" err="1" smtClean="0"/>
+              <a:t>Розроблена</a:t>
+            </a:r>
+            <a:r>
+              <a:rPr lang="ru-RU" sz="3600" dirty="0" smtClean="0"/>
+              <a:t> </a:t>
+            </a:r>
+            <a:r>
+              <a:rPr lang="ru-RU" sz="3600" dirty="0" err="1" smtClean="0"/>
+              <a:t>архітектурні</a:t>
+            </a:r>
+            <a:r>
+              <a:rPr lang="ru-RU" sz="3600" dirty="0" smtClean="0"/>
+              <a:t> </a:t>
+            </a:r>
+            <a:r>
+              <a:rPr lang="ru-RU" sz="3600" dirty="0" err="1" smtClean="0"/>
+              <a:t>рішення</a:t>
+            </a:r>
+            <a:r>
+              <a:rPr lang="ru-RU" sz="3600" dirty="0" smtClean="0"/>
+              <a:t>;</a:t>
+            </a:r>
+            <a:endParaRPr lang="ru-RU" sz="3600" dirty="0"/>
+          </a:p>
+          <a:p>
+            <a:r>
+              <a:rPr lang="uk-UA" sz="3600" dirty="0" smtClean="0"/>
+              <a:t>- Розроблено та </a:t>
+            </a:r>
+            <a:r>
+              <a:rPr lang="uk-UA" sz="3600" dirty="0" err="1" smtClean="0"/>
+              <a:t>протестовано</a:t>
+            </a:r>
+            <a:r>
+              <a:rPr lang="uk-UA" sz="3600" dirty="0" smtClean="0"/>
+              <a:t> систему </a:t>
+            </a:r>
+            <a:r>
+              <a:rPr lang="uk-UA" sz="3600" dirty="0" err="1" smtClean="0"/>
+              <a:t>токенізації</a:t>
+            </a:r>
+            <a:r>
+              <a:rPr lang="uk-UA" sz="3600" dirty="0" smtClean="0"/>
+              <a:t>;</a:t>
+            </a:r>
+          </a:p>
+          <a:p>
+            <a:r>
+              <a:rPr lang="uk-UA" sz="3600" dirty="0" smtClean="0"/>
+              <a:t>- Розроблено тестовий застосунок, що має показати як можна використовувати можливості системи.</a:t>
+            </a:r>
+            <a:endParaRPr lang="ru-RU" sz="3600" dirty="0"/>
+          </a:p>
+        </p:txBody>
+      </p:sp>
+      <p:sp>
+        <p:nvSpPr>
+          <p:cNvPr id="4" name="Номер слайда 3"/>
+          <p:cNvSpPr>
+            <a:spLocks noGrp="1"/>
+          </p:cNvSpPr>
+          <p:nvPr>
+            <p:ph type="sldNum" sz="quarter" idx="12"/>
+          </p:nvPr>
+        </p:nvSpPr>
+        <p:spPr/>
+        <p:txBody>
+          <a:bodyPr/>
+          <a:lstStyle/>
+          <a:p>
+            <a:fld id="{E09DD669-CC1A-4D24-BC6B-97BA35B3733B}" type="slidenum">
+              <a:rPr lang="ru-RU" smtClean="0"/>
+              <a:t>31</a:t>
+            </a:fld>
+            <a:endParaRPr lang="ru-RU" dirty="0"/>
+          </a:p>
+        </p:txBody>
+      </p:sp>
+    </p:spTree>
+    <p:extLst>
+      <p:ext uri="{BB962C8B-B14F-4D97-AF65-F5344CB8AC3E}">
+        <p14:creationId xmlns:p14="http://schemas.microsoft.com/office/powerpoint/2010/main" val="282610210"/>
+      </p:ext>
+    </p:extLst>
+  </p:cSld>
+  <p:clrMapOvr>
+    <a:masterClrMapping/>
+  </p:clrMapOvr>
+  <p:timing>
+    <p:tnLst>
+      <p:par>
+        <p:cTn id="1" dur="indefinite" restart="never" nodeType="tmRoot"/>
+      </p:par>
+    </p:tnLst>
+  </p:timing>
+</p:sld>
+</file>
+
+<file path=ppt/slides/slide32.xml><?xml version="1.0" encoding="utf-8"?>
+<p:sld xmlns:a="http://schemas.openxmlformats.org/drawingml/2006/main" xmlns:r="http://schemas.openxmlformats.org/officeDocument/2006/relationships" xmlns:p="http://schemas.openxmlformats.org/presentationml/2006/main">
+  <p:cSld>
+    <p:spTree>
+      <p:nvGrpSpPr>
+        <p:cNvPr id="1" name=""/>
+        <p:cNvGrpSpPr/>
+        <p:nvPr/>
+      </p:nvGrpSpPr>
+      <p:grpSpPr>
+        <a:xfrm>
+          <a:off x="0" y="0"/>
+          <a:ext cx="0" cy="0"/>
+          <a:chOff x="0" y="0"/>
+          <a:chExt cx="0" cy="0"/>
+        </a:xfrm>
+      </p:grpSpPr>
+      <p:sp>
+        <p:nvSpPr>
           <p:cNvPr id="2" name="TextBox 1"/>
           <p:cNvSpPr txBox="1"/>
           <p:nvPr/>
@@ -7946,7 +8388,7 @@
           <a:p>
             <a:fld id="{E09DD669-CC1A-4D24-BC6B-97BA35B3733B}" type="slidenum">
               <a:rPr lang="ru-RU" smtClean="0"/>
-              <a:t>30</a:t>
+              <a:t>32</a:t>
             </a:fld>
             <a:endParaRPr lang="ru-RU"/>
           </a:p>

--- a/Диплом/Диплом презентація.pptx
+++ b/Диплом/Диплом презентація.pptx
@@ -5,7 +5,7 @@
     <p:sldMasterId id="2147483648" r:id="rId1"/>
   </p:sldMasterIdLst>
   <p:notesMasterIdLst>
-    <p:notesMasterId r:id="rId34"/>
+    <p:notesMasterId r:id="rId33"/>
   </p:notesMasterIdLst>
   <p:sldIdLst>
     <p:sldId id="256" r:id="rId2"/>
@@ -16,7 +16,7 @@
     <p:sldId id="262" r:id="rId7"/>
     <p:sldId id="263" r:id="rId8"/>
     <p:sldId id="264" r:id="rId9"/>
-    <p:sldId id="265" r:id="rId10"/>
+    <p:sldId id="288" r:id="rId10"/>
     <p:sldId id="266" r:id="rId11"/>
     <p:sldId id="269" r:id="rId12"/>
     <p:sldId id="268" r:id="rId13"/>
@@ -38,8 +38,7 @@
     <p:sldId id="286" r:id="rId29"/>
     <p:sldId id="285" r:id="rId30"/>
     <p:sldId id="270" r:id="rId31"/>
-    <p:sldId id="287" r:id="rId32"/>
-    <p:sldId id="257" r:id="rId33"/>
+    <p:sldId id="257" r:id="rId32"/>
   </p:sldIdLst>
   <p:sldSz cx="12192000" cy="6858000"/>
   <p:notesSz cx="6858000" cy="9144000"/>
@@ -3447,20 +3446,20 @@
           <p:nvPr>
             <p:extLst>
               <p:ext uri="{D42A27DB-BD31-4B8C-83A1-F6EECF244321}">
-                <p14:modId xmlns:p14="http://schemas.microsoft.com/office/powerpoint/2010/main" val="956593990"/>
+                <p14:modId xmlns:p14="http://schemas.microsoft.com/office/powerpoint/2010/main" val="3993957560"/>
               </p:ext>
             </p:extLst>
           </p:nvPr>
         </p:nvGraphicFramePr>
         <p:xfrm>
-          <a:off x="1828800" y="219075"/>
-          <a:ext cx="8394700" cy="6318250"/>
+          <a:off x="1828800" y="220663"/>
+          <a:ext cx="8359775" cy="6294437"/>
         </p:xfrm>
         <a:graphic>
           <a:graphicData uri="http://schemas.openxmlformats.org/presentationml/2006/ole">
             <mc:AlternateContent xmlns:mc="http://schemas.openxmlformats.org/markup-compatibility/2006">
               <mc:Choice xmlns:v="urn:schemas-microsoft-com:vml" Requires="v">
-                <p:oleObj spid="_x0000_s1061" name="Документ" r:id="rId4" imgW="6295790" imgH="4740290" progId="Word.Document.12">
+                <p:oleObj spid="_x0000_s1065" name="Документ" r:id="rId4" imgW="6295790" imgH="4740290" progId="Word.Document.12">
                   <p:embed/>
                 </p:oleObj>
               </mc:Choice>
@@ -3481,8 +3480,8 @@
                     </p:blipFill>
                     <p:spPr>
                       <a:xfrm>
-                        <a:off x="1828800" y="219075"/>
-                        <a:ext cx="8394700" cy="6318250"/>
+                        <a:off x="1828800" y="220663"/>
+                        <a:ext cx="8359775" cy="6294437"/>
                       </a:xfrm>
                       <a:prstGeom prst="rect">
                         <a:avLst/>
@@ -4008,7 +4007,14 @@
                 <a:latin typeface="Times New Roman" panose="02020603050405020304" pitchFamily="18" charset="0"/>
                 <a:cs typeface="Times New Roman" panose="02020603050405020304" pitchFamily="18" charset="0"/>
               </a:rPr>
-              <a:t>Обрання технологій для реалізації</a:t>
+              <a:t>Технологій </a:t>
+            </a:r>
+            <a:r>
+              <a:rPr lang="uk-UA" b="1" dirty="0" smtClean="0">
+                <a:latin typeface="Times New Roman" panose="02020603050405020304" pitchFamily="18" charset="0"/>
+                <a:cs typeface="Times New Roman" panose="02020603050405020304" pitchFamily="18" charset="0"/>
+              </a:rPr>
+              <a:t>для реалізації</a:t>
             </a:r>
           </a:p>
           <a:p>
@@ -6869,8 +6875,8 @@
         </p:nvSpPr>
         <p:spPr>
           <a:xfrm>
-            <a:off x="378308" y="1572126"/>
-            <a:ext cx="11380554" cy="4278094"/>
+            <a:off x="176446" y="965742"/>
+            <a:ext cx="11380554" cy="5940088"/>
           </a:xfrm>
           <a:prstGeom prst="rect">
             <a:avLst/>
@@ -6896,6 +6902,20 @@
               <a:t> пацієнтів. Або звичайне збереження документів, наприклад про закінчення вищої освіти чи проходження якогось курсу.</a:t>
             </a:r>
             <a:endParaRPr lang="ru-RU" sz="3400" dirty="0" smtClean="0"/>
+          </a:p>
+          <a:p>
+            <a:r>
+              <a:rPr lang="uk-UA" sz="3600" dirty="0"/>
+              <a:t>Також, можна зберігати невеликі програми, що можна використовувати як спрощену альтернативу смарт-контрактів </a:t>
+            </a:r>
+            <a:r>
+              <a:rPr lang="uk-UA" sz="3600" dirty="0" err="1"/>
+              <a:t>Ethereum</a:t>
+            </a:r>
+            <a:r>
+              <a:rPr lang="uk-UA" sz="3600" dirty="0" smtClean="0"/>
+              <a:t>.</a:t>
+            </a:r>
           </a:p>
           <a:p>
             <a:endParaRPr lang="uk-UA" sz="3400" dirty="0" smtClean="0"/>
@@ -6994,10 +7014,6 @@
               </a:rPr>
               <a:t>Приклад медичного обліку</a:t>
             </a:r>
-            <a:endParaRPr lang="uk-UA" b="1" dirty="0" smtClean="0">
-              <a:latin typeface="Times New Roman" panose="02020603050405020304" pitchFamily="18" charset="0"/>
-              <a:cs typeface="Times New Roman" panose="02020603050405020304" pitchFamily="18" charset="0"/>
-            </a:endParaRPr>
           </a:p>
           <a:p>
             <a:pPr algn="ctr"/>
@@ -7141,10 +7157,6 @@
               </a:rPr>
               <a:t>Приклад перегляду історії хворого</a:t>
             </a:r>
-            <a:endParaRPr lang="uk-UA" b="1" dirty="0" smtClean="0">
-              <a:latin typeface="Times New Roman" panose="02020603050405020304" pitchFamily="18" charset="0"/>
-              <a:cs typeface="Times New Roman" panose="02020603050405020304" pitchFamily="18" charset="0"/>
-            </a:endParaRPr>
           </a:p>
           <a:p>
             <a:pPr algn="ctr"/>
@@ -7997,346 +8009,6 @@
       </p:grpSpPr>
       <p:sp>
         <p:nvSpPr>
-          <p:cNvPr id="2" name="Заголовок 1"/>
-          <p:cNvSpPr txBox="1">
-            <a:spLocks/>
-          </p:cNvSpPr>
-          <p:nvPr/>
-        </p:nvSpPr>
-        <p:spPr>
-          <a:xfrm>
-            <a:off x="635000" y="331660"/>
-            <a:ext cx="10922000" cy="634082"/>
-          </a:xfrm>
-          <a:prstGeom prst="rect">
-            <a:avLst/>
-          </a:prstGeom>
-        </p:spPr>
-        <p:txBody>
-          <a:bodyPr>
-            <a:normAutofit fontScale="90000" lnSpcReduction="10000"/>
-          </a:bodyPr>
-          <a:lstStyle>
-            <a:lvl1pPr algn="l" defTabSz="914400" rtl="0" eaLnBrk="1" latinLnBrk="0" hangingPunct="1">
-              <a:lnSpc>
-                <a:spcPct val="90000"/>
-              </a:lnSpc>
-              <a:spcBef>
-                <a:spcPct val="0"/>
-              </a:spcBef>
-              <a:buNone/>
-              <a:defRPr sz="4400" kern="1200">
-                <a:solidFill>
-                  <a:schemeClr val="tx1"/>
-                </a:solidFill>
-                <a:latin typeface="+mj-lt"/>
-                <a:ea typeface="+mj-ea"/>
-                <a:cs typeface="+mj-cs"/>
-              </a:defRPr>
-            </a:lvl1pPr>
-          </a:lstStyle>
-          <a:p>
-            <a:pPr algn="ctr"/>
-            <a:r>
-              <a:rPr lang="uk-UA" b="1" dirty="0" smtClean="0">
-                <a:latin typeface="Times New Roman" panose="02020603050405020304" pitchFamily="18" charset="0"/>
-                <a:cs typeface="Times New Roman" panose="02020603050405020304" pitchFamily="18" charset="0"/>
-              </a:rPr>
-              <a:t>Висновки</a:t>
-            </a:r>
-          </a:p>
-          <a:p>
-            <a:pPr algn="ctr"/>
-            <a:endParaRPr lang="ru-RU" b="1" dirty="0">
-              <a:latin typeface="Times New Roman" panose="02020603050405020304" pitchFamily="18" charset="0"/>
-              <a:cs typeface="Times New Roman" panose="02020603050405020304" pitchFamily="18" charset="0"/>
-            </a:endParaRPr>
-          </a:p>
-        </p:txBody>
-      </p:sp>
-      <p:sp>
-        <p:nvSpPr>
-          <p:cNvPr id="3" name="TextBox 2"/>
-          <p:cNvSpPr txBox="1"/>
-          <p:nvPr/>
-        </p:nvSpPr>
-        <p:spPr>
-          <a:xfrm>
-            <a:off x="207433" y="1089164"/>
-            <a:ext cx="11777133" cy="5632311"/>
-          </a:xfrm>
-          <a:prstGeom prst="rect">
-            <a:avLst/>
-          </a:prstGeom>
-          <a:noFill/>
-        </p:spPr>
-        <p:txBody>
-          <a:bodyPr wrap="square" rtlCol="0">
-            <a:spAutoFit/>
-          </a:bodyPr>
-          <a:lstStyle/>
-          <a:p>
-            <a:r>
-              <a:rPr lang="uk-UA" sz="3600" dirty="0"/>
-              <a:t>В ході дипломної роботи було: </a:t>
-            </a:r>
-            <a:endParaRPr lang="ru-RU" sz="3600" dirty="0"/>
-          </a:p>
-          <a:p>
-            <a:r>
-              <a:rPr lang="ru-RU" sz="3600" dirty="0" smtClean="0"/>
-              <a:t>- Проведено </a:t>
-            </a:r>
-            <a:r>
-              <a:rPr lang="uk-UA" sz="3600" dirty="0" smtClean="0"/>
-              <a:t>аналіз предметної області та сучасних аналогів</a:t>
-            </a:r>
-            <a:r>
-              <a:rPr lang="ru-RU" sz="3600" dirty="0" smtClean="0"/>
-              <a:t>;</a:t>
-            </a:r>
-            <a:endParaRPr lang="ru-RU" sz="3600" dirty="0"/>
-          </a:p>
-          <a:p>
-            <a:r>
-              <a:rPr lang="ru-RU" sz="3600" dirty="0" smtClean="0"/>
-              <a:t>- </a:t>
-            </a:r>
-            <a:r>
-              <a:rPr lang="ru-RU" sz="3600" dirty="0" err="1" smtClean="0"/>
-              <a:t>Виявлені</a:t>
-            </a:r>
-            <a:r>
-              <a:rPr lang="ru-RU" sz="3600" dirty="0" smtClean="0"/>
-              <a:t> </a:t>
-            </a:r>
-            <a:r>
-              <a:rPr lang="ru-RU" sz="3600" dirty="0" err="1" smtClean="0"/>
-              <a:t>недоліки</a:t>
-            </a:r>
-            <a:r>
-              <a:rPr lang="ru-RU" sz="3600" dirty="0" smtClean="0"/>
-              <a:t> та </a:t>
-            </a:r>
-            <a:r>
-              <a:rPr lang="ru-RU" sz="3600" dirty="0" err="1" smtClean="0"/>
-              <a:t>переваги</a:t>
-            </a:r>
-            <a:r>
-              <a:rPr lang="ru-RU" sz="3600" dirty="0" smtClean="0"/>
-              <a:t> </a:t>
-            </a:r>
-            <a:r>
-              <a:rPr lang="ru-RU" sz="3600" dirty="0" err="1" smtClean="0"/>
-              <a:t>сучасних</a:t>
-            </a:r>
-            <a:r>
-              <a:rPr lang="ru-RU" sz="3600" dirty="0" smtClean="0"/>
-              <a:t> систем;</a:t>
-            </a:r>
-          </a:p>
-          <a:p>
-            <a:r>
-              <a:rPr lang="ru-RU" sz="3600" dirty="0" smtClean="0"/>
-              <a:t>- </a:t>
-            </a:r>
-            <a:r>
-              <a:rPr lang="ru-RU" sz="3600" dirty="0" err="1" smtClean="0"/>
-              <a:t>Розроблені</a:t>
-            </a:r>
-            <a:r>
-              <a:rPr lang="ru-RU" sz="3600" dirty="0" smtClean="0"/>
-              <a:t> </a:t>
-            </a:r>
-            <a:r>
-              <a:rPr lang="ru-RU" sz="3600" dirty="0" err="1" smtClean="0"/>
-              <a:t>вимоги</a:t>
-            </a:r>
-            <a:r>
-              <a:rPr lang="ru-RU" sz="3600" dirty="0" smtClean="0"/>
-              <a:t> та </a:t>
-            </a:r>
-            <a:r>
-              <a:rPr lang="ru-RU" sz="3600" dirty="0" err="1" smtClean="0"/>
-              <a:t>бізнес</a:t>
-            </a:r>
-            <a:r>
-              <a:rPr lang="ru-RU" sz="3600" dirty="0" smtClean="0"/>
-              <a:t> </a:t>
-            </a:r>
-            <a:r>
-              <a:rPr lang="ru-RU" sz="3600" dirty="0" err="1" smtClean="0"/>
-              <a:t>процеси</a:t>
-            </a:r>
-            <a:r>
-              <a:rPr lang="ru-RU" sz="3600" dirty="0" smtClean="0"/>
-              <a:t> </a:t>
-            </a:r>
-            <a:r>
-              <a:rPr lang="ru-RU" sz="3600" dirty="0" err="1" smtClean="0"/>
-              <a:t>маайбутнього</a:t>
-            </a:r>
-            <a:r>
-              <a:rPr lang="ru-RU" sz="3600" dirty="0" smtClean="0"/>
-              <a:t> ПЗ, </a:t>
-            </a:r>
-            <a:r>
-              <a:rPr lang="ru-RU" sz="3600" dirty="0" err="1" smtClean="0"/>
-              <a:t>що</a:t>
-            </a:r>
-            <a:r>
-              <a:rPr lang="ru-RU" sz="3600" dirty="0" smtClean="0"/>
-              <a:t> буде </a:t>
-            </a:r>
-            <a:r>
-              <a:rPr lang="ru-RU" sz="3600" dirty="0" err="1" smtClean="0"/>
-              <a:t>вирішувати</a:t>
-            </a:r>
-            <a:r>
-              <a:rPr lang="ru-RU" sz="3600" dirty="0" smtClean="0"/>
-              <a:t> </a:t>
-            </a:r>
-            <a:r>
-              <a:rPr lang="ru-RU" sz="3600" dirty="0" err="1" smtClean="0"/>
-              <a:t>поставлені</a:t>
-            </a:r>
-            <a:r>
-              <a:rPr lang="ru-RU" sz="3600" dirty="0" smtClean="0"/>
-              <a:t> </a:t>
-            </a:r>
-            <a:r>
-              <a:rPr lang="ru-RU" sz="3600" dirty="0" err="1" smtClean="0"/>
-              <a:t>проблеми</a:t>
-            </a:r>
-            <a:r>
-              <a:rPr lang="ru-RU" sz="3600" dirty="0"/>
-              <a:t>;</a:t>
-            </a:r>
-          </a:p>
-          <a:p>
-            <a:r>
-              <a:rPr lang="ru-RU" sz="3600" dirty="0" smtClean="0"/>
-              <a:t>- </a:t>
-            </a:r>
-            <a:r>
-              <a:rPr lang="ru-RU" sz="3600" dirty="0" err="1" smtClean="0"/>
-              <a:t>Розроблена</a:t>
-            </a:r>
-            <a:r>
-              <a:rPr lang="ru-RU" sz="3600" dirty="0" smtClean="0"/>
-              <a:t> </a:t>
-            </a:r>
-            <a:r>
-              <a:rPr lang="ru-RU" sz="3600" dirty="0" err="1" smtClean="0"/>
-              <a:t>архітектурні</a:t>
-            </a:r>
-            <a:r>
-              <a:rPr lang="ru-RU" sz="3600" dirty="0" smtClean="0"/>
-              <a:t> </a:t>
-            </a:r>
-            <a:r>
-              <a:rPr lang="ru-RU" sz="3600" dirty="0" err="1" smtClean="0"/>
-              <a:t>рішення</a:t>
-            </a:r>
-            <a:r>
-              <a:rPr lang="ru-RU" sz="3600" dirty="0" smtClean="0"/>
-              <a:t>;</a:t>
-            </a:r>
-            <a:endParaRPr lang="ru-RU" sz="3600" dirty="0"/>
-          </a:p>
-          <a:p>
-            <a:r>
-              <a:rPr lang="uk-UA" sz="3600" dirty="0" smtClean="0"/>
-              <a:t>- Розроблено та </a:t>
-            </a:r>
-            <a:r>
-              <a:rPr lang="uk-UA" sz="3600" dirty="0" err="1" smtClean="0"/>
-              <a:t>протестовано</a:t>
-            </a:r>
-            <a:r>
-              <a:rPr lang="uk-UA" sz="3600" dirty="0" smtClean="0"/>
-              <a:t> систему </a:t>
-            </a:r>
-            <a:r>
-              <a:rPr lang="uk-UA" sz="3600" dirty="0" err="1" smtClean="0"/>
-              <a:t>токенізації</a:t>
-            </a:r>
-            <a:r>
-              <a:rPr lang="uk-UA" sz="3600" dirty="0" smtClean="0"/>
-              <a:t>;</a:t>
-            </a:r>
-          </a:p>
-          <a:p>
-            <a:r>
-              <a:rPr lang="uk-UA" sz="3600" dirty="0" smtClean="0"/>
-              <a:t>- Розроблено тестовий застосунок, що має показати як можна використовувати можливості системи.</a:t>
-            </a:r>
-            <a:endParaRPr lang="ru-RU" sz="3600" dirty="0"/>
-          </a:p>
-        </p:txBody>
-      </p:sp>
-      <p:sp>
-        <p:nvSpPr>
-          <p:cNvPr id="4" name="Номер слайда 3"/>
-          <p:cNvSpPr>
-            <a:spLocks noGrp="1"/>
-          </p:cNvSpPr>
-          <p:nvPr>
-            <p:ph type="sldNum" sz="quarter" idx="12"/>
-          </p:nvPr>
-        </p:nvSpPr>
-        <p:spPr/>
-        <p:txBody>
-          <a:bodyPr/>
-          <a:lstStyle/>
-          <a:p>
-            <a:fld id="{E09DD669-CC1A-4D24-BC6B-97BA35B3733B}" type="slidenum">
-              <a:rPr lang="ru-RU" smtClean="0"/>
-              <a:t>31</a:t>
-            </a:fld>
-            <a:endParaRPr lang="ru-RU" dirty="0"/>
-          </a:p>
-        </p:txBody>
-      </p:sp>
-    </p:spTree>
-    <p:extLst>
-      <p:ext uri="{BB962C8B-B14F-4D97-AF65-F5344CB8AC3E}">
-        <p14:creationId xmlns:p14="http://schemas.microsoft.com/office/powerpoint/2010/main" val="282610210"/>
-      </p:ext>
-    </p:extLst>
-  </p:cSld>
-  <p:clrMapOvr>
-    <a:masterClrMapping/>
-  </p:clrMapOvr>
-  <p:timing>
-    <p:tnLst>
-      <p:par>
-        <p:cTn id="1" dur="indefinite" restart="never" nodeType="tmRoot"/>
-      </p:par>
-    </p:tnLst>
-  </p:timing>
-</p:sld>
-</file>
-
-<file path=ppt/slides/slide32.xml><?xml version="1.0" encoding="utf-8"?>
-<p:sld xmlns:a="http://schemas.openxmlformats.org/drawingml/2006/main" xmlns:r="http://schemas.openxmlformats.org/officeDocument/2006/relationships" xmlns:p="http://schemas.openxmlformats.org/presentationml/2006/main">
-  <p:cSld>
-    <p:spTree>
-      <p:nvGrpSpPr>
-        <p:cNvPr id="1" name=""/>
-        <p:cNvGrpSpPr/>
-        <p:nvPr/>
-      </p:nvGrpSpPr>
-      <p:grpSpPr>
-        <a:xfrm>
-          <a:off x="0" y="0"/>
-          <a:ext cx="0" cy="0"/>
-          <a:chOff x="0" y="0"/>
-          <a:chExt cx="0" cy="0"/>
-        </a:xfrm>
-      </p:grpSpPr>
-      <p:sp>
-        <p:nvSpPr>
           <p:cNvPr id="2" name="TextBox 1"/>
           <p:cNvSpPr txBox="1"/>
           <p:nvPr/>
@@ -8388,7 +8060,7 @@
           <a:p>
             <a:fld id="{E09DD669-CC1A-4D24-BC6B-97BA35B3733B}" type="slidenum">
               <a:rPr lang="ru-RU" smtClean="0"/>
-              <a:t>32</a:t>
+              <a:t>31</a:t>
             </a:fld>
             <a:endParaRPr lang="ru-RU"/>
           </a:p>
@@ -10055,19 +9727,23 @@
           <a:p>
             <a:pPr algn="ctr"/>
             <a:r>
-              <a:rPr lang="uk-UA" b="1" dirty="0" err="1" smtClean="0">
-                <a:latin typeface="Times New Roman" panose="02020603050405020304" pitchFamily="18" charset="0"/>
-                <a:cs typeface="Times New Roman" panose="02020603050405020304" pitchFamily="18" charset="0"/>
-              </a:rPr>
-              <a:t>Електроний</a:t>
-            </a:r>
-            <a:r>
               <a:rPr lang="uk-UA" b="1" dirty="0" smtClean="0">
                 <a:latin typeface="Times New Roman" panose="02020603050405020304" pitchFamily="18" charset="0"/>
                 <a:cs typeface="Times New Roman" panose="02020603050405020304" pitchFamily="18" charset="0"/>
               </a:rPr>
-              <a:t> підпис</a:t>
-            </a:r>
+              <a:t>Технологія </a:t>
+            </a:r>
+            <a:r>
+              <a:rPr lang="en-US" b="1" dirty="0" smtClean="0">
+                <a:latin typeface="Times New Roman" panose="02020603050405020304" pitchFamily="18" charset="0"/>
+                <a:cs typeface="Times New Roman" panose="02020603050405020304" pitchFamily="18" charset="0"/>
+              </a:rPr>
+              <a:t>Peer-To-Peer</a:t>
+            </a:r>
+            <a:endParaRPr lang="uk-UA" b="1" dirty="0" smtClean="0">
+              <a:latin typeface="Times New Roman" panose="02020603050405020304" pitchFamily="18" charset="0"/>
+              <a:cs typeface="Times New Roman" panose="02020603050405020304" pitchFamily="18" charset="0"/>
+            </a:endParaRPr>
           </a:p>
           <a:p>
             <a:pPr algn="ctr"/>
@@ -10078,12 +9754,33 @@
           </a:p>
         </p:txBody>
       </p:sp>
+      <p:sp>
+        <p:nvSpPr>
+          <p:cNvPr id="4" name="Номер слайда 3"/>
+          <p:cNvSpPr>
+            <a:spLocks noGrp="1"/>
+          </p:cNvSpPr>
+          <p:nvPr>
+            <p:ph type="sldNum" sz="quarter" idx="12"/>
+          </p:nvPr>
+        </p:nvSpPr>
+        <p:spPr/>
+        <p:txBody>
+          <a:bodyPr/>
+          <a:lstStyle/>
+          <a:p>
+            <a:fld id="{E09DD669-CC1A-4D24-BC6B-97BA35B3733B}" type="slidenum">
+              <a:rPr lang="ru-RU" smtClean="0"/>
+              <a:t>9</a:t>
+            </a:fld>
+            <a:endParaRPr lang="ru-RU"/>
+          </a:p>
+        </p:txBody>
+      </p:sp>
       <p:pic>
         <p:nvPicPr>
-          <p:cNvPr id="4" name="Рисунок 3"/>
-          <p:cNvPicPr>
-            <a:picLocks noChangeAspect="1"/>
-          </p:cNvPicPr>
+          <p:cNvPr id="5" name="Рисунок 4"/>
+          <p:cNvPicPr/>
           <p:nvPr/>
         </p:nvPicPr>
         <p:blipFill>
@@ -10094,41 +9791,18 @@
         </p:blipFill>
         <p:spPr>
           <a:xfrm>
-            <a:off x="462203" y="1152009"/>
-            <a:ext cx="11267594" cy="5207712"/>
+            <a:off x="1516545" y="1378906"/>
+            <a:ext cx="9158910" cy="4564280"/>
           </a:xfrm>
           <a:prstGeom prst="rect">
             <a:avLst/>
           </a:prstGeom>
         </p:spPr>
       </p:pic>
-      <p:sp>
-        <p:nvSpPr>
-          <p:cNvPr id="3" name="Номер слайда 2"/>
-          <p:cNvSpPr>
-            <a:spLocks noGrp="1"/>
-          </p:cNvSpPr>
-          <p:nvPr>
-            <p:ph type="sldNum" sz="quarter" idx="12"/>
-          </p:nvPr>
-        </p:nvSpPr>
-        <p:spPr/>
-        <p:txBody>
-          <a:bodyPr/>
-          <a:lstStyle/>
-          <a:p>
-            <a:fld id="{E09DD669-CC1A-4D24-BC6B-97BA35B3733B}" type="slidenum">
-              <a:rPr lang="ru-RU" smtClean="0"/>
-              <a:t>9</a:t>
-            </a:fld>
-            <a:endParaRPr lang="ru-RU"/>
-          </a:p>
-        </p:txBody>
-      </p:sp>
     </p:spTree>
     <p:extLst>
       <p:ext uri="{BB962C8B-B14F-4D97-AF65-F5344CB8AC3E}">
-        <p14:creationId xmlns:p14="http://schemas.microsoft.com/office/powerpoint/2010/main" val="4062522497"/>
+        <p14:creationId xmlns:p14="http://schemas.microsoft.com/office/powerpoint/2010/main" val="4024560913"/>
       </p:ext>
     </p:extLst>
   </p:cSld>
